--- a/Project/bao cao/OpenCL.pptx
+++ b/Project/bao cao/OpenCL.pptx
@@ -20,8 +20,26 @@
     <p:sldId id="269" r:id="rId14"/>
     <p:sldId id="265" r:id="rId15"/>
     <p:sldId id="263" r:id="rId16"/>
-    <p:sldId id="272" r:id="rId17"/>
-    <p:sldId id="273" r:id="rId18"/>
+    <p:sldId id="274" r:id="rId17"/>
+    <p:sldId id="276" r:id="rId18"/>
+    <p:sldId id="275" r:id="rId19"/>
+    <p:sldId id="277" r:id="rId20"/>
+    <p:sldId id="278" r:id="rId21"/>
+    <p:sldId id="279" r:id="rId22"/>
+    <p:sldId id="280" r:id="rId23"/>
+    <p:sldId id="285" r:id="rId24"/>
+    <p:sldId id="286" r:id="rId25"/>
+    <p:sldId id="281" r:id="rId26"/>
+    <p:sldId id="292" r:id="rId27"/>
+    <p:sldId id="282" r:id="rId28"/>
+    <p:sldId id="288" r:id="rId29"/>
+    <p:sldId id="283" r:id="rId30"/>
+    <p:sldId id="289" r:id="rId31"/>
+    <p:sldId id="284" r:id="rId32"/>
+    <p:sldId id="291" r:id="rId33"/>
+    <p:sldId id="290" r:id="rId34"/>
+    <p:sldId id="272" r:id="rId35"/>
+    <p:sldId id="273" r:id="rId36"/>
   </p:sldIdLst>
   <p:sldSz cx="12192000" cy="6858000"/>
   <p:notesSz cx="6858000" cy="9144000"/>
@@ -122,7 +140,7 @@
   </p:defaultTextStyle>
   <p:extLst>
     <p:ext uri="{EFAFB233-063F-42B5-8137-9DF3F51BA10A}">
-      <p15:sldGuideLst xmlns:p15="http://schemas.microsoft.com/office/powerpoint/2012/main"/>
+      <p15:sldGuideLst xmlns="" xmlns:p15="http://schemas.microsoft.com/office/powerpoint/2012/main"/>
     </p:ext>
   </p:extLst>
 </p:presentation>
@@ -314,7 +332,7 @@
           <a:p>
             <a:fld id="{4AAD347D-5ACD-4C99-B74B-A9C85AD731AF}" type="datetimeFigureOut">
               <a:rPr lang="en-US"/>
-              <a:t>7/5/2014</a:t>
+              <a:t>5/8/2014</a:t>
             </a:fld>
             <a:endParaRPr lang="en-US"/>
           </a:p>
@@ -584,7 +602,7 @@
           <a:p>
             <a:fld id="{4509A250-FF31-4206-8172-F9D3106AACB1}" type="datetimeFigureOut">
               <a:rPr lang="en-US"/>
-              <a:t>7/5/2014</a:t>
+              <a:t>5/8/2014</a:t>
             </a:fld>
             <a:endParaRPr lang="en-US"/>
           </a:p>
@@ -773,7 +791,7 @@
           <a:p>
             <a:fld id="{4509A250-FF31-4206-8172-F9D3106AACB1}" type="datetimeFigureOut">
               <a:rPr lang="en-US"/>
-              <a:t>7/5/2014</a:t>
+              <a:t>5/8/2014</a:t>
             </a:fld>
             <a:endParaRPr lang="en-US"/>
           </a:p>
@@ -1041,7 +1059,7 @@
           <a:p>
             <a:fld id="{4509A250-FF31-4206-8172-F9D3106AACB1}" type="datetimeFigureOut">
               <a:rPr lang="en-US"/>
-              <a:t>7/5/2014</a:t>
+              <a:t>5/8/2014</a:t>
             </a:fld>
             <a:endParaRPr lang="en-US"/>
           </a:p>
@@ -1377,7 +1395,7 @@
           <a:p>
             <a:fld id="{4509A250-FF31-4206-8172-F9D3106AACB1}" type="datetimeFigureOut">
               <a:rPr lang="en-US"/>
-              <a:t>7/5/2014</a:t>
+              <a:t>5/8/2014</a:t>
             </a:fld>
             <a:endParaRPr lang="en-US"/>
           </a:p>
@@ -1995,7 +2013,7 @@
           <a:p>
             <a:fld id="{4509A250-FF31-4206-8172-F9D3106AACB1}" type="datetimeFigureOut">
               <a:rPr lang="en-US"/>
-              <a:t>7/5/2014</a:t>
+              <a:t>5/8/2014</a:t>
             </a:fld>
             <a:endParaRPr lang="en-US"/>
           </a:p>
@@ -2850,7 +2868,7 @@
           <a:p>
             <a:fld id="{4509A250-FF31-4206-8172-F9D3106AACB1}" type="datetimeFigureOut">
               <a:rPr lang="en-US"/>
-              <a:t>7/5/2014</a:t>
+              <a:t>5/8/2014</a:t>
             </a:fld>
             <a:endParaRPr lang="en-US"/>
           </a:p>
@@ -3015,7 +3033,7 @@
           <a:p>
             <a:fld id="{4509A250-FF31-4206-8172-F9D3106AACB1}" type="datetimeFigureOut">
               <a:rPr lang="en-US"/>
-              <a:t>7/5/2014</a:t>
+              <a:t>5/8/2014</a:t>
             </a:fld>
             <a:endParaRPr lang="en-US"/>
           </a:p>
@@ -3190,7 +3208,7 @@
           <a:p>
             <a:fld id="{4509A250-FF31-4206-8172-F9D3106AACB1}" type="datetimeFigureOut">
               <a:rPr lang="en-US"/>
-              <a:t>7/5/2014</a:t>
+              <a:t>5/8/2014</a:t>
             </a:fld>
             <a:endParaRPr lang="en-US"/>
           </a:p>
@@ -3355,7 +3373,7 @@
           <a:p>
             <a:fld id="{4509A250-FF31-4206-8172-F9D3106AACB1}" type="datetimeFigureOut">
               <a:rPr lang="en-US"/>
-              <a:t>7/5/2014</a:t>
+              <a:t>5/8/2014</a:t>
             </a:fld>
             <a:endParaRPr lang="en-US"/>
           </a:p>
@@ -3597,7 +3615,7 @@
           <a:p>
             <a:fld id="{9796027F-7875-4030-9381-8BD8C4F21935}" type="datetimeFigureOut">
               <a:rPr lang="en-US"/>
-              <a:t>7/5/2014</a:t>
+              <a:t>5/8/2014</a:t>
             </a:fld>
             <a:endParaRPr lang="en-US"/>
           </a:p>
@@ -3884,7 +3902,7 @@
           <a:p>
             <a:fld id="{9796027F-7875-4030-9381-8BD8C4F21935}" type="datetimeFigureOut">
               <a:rPr lang="en-US"/>
-              <a:t>7/5/2014</a:t>
+              <a:t>5/8/2014</a:t>
             </a:fld>
             <a:endParaRPr lang="en-US"/>
           </a:p>
@@ -4323,7 +4341,7 @@
           <a:p>
             <a:fld id="{9796027F-7875-4030-9381-8BD8C4F21935}" type="datetimeFigureOut">
               <a:rPr lang="en-US"/>
-              <a:t>7/5/2014</a:t>
+              <a:t>5/8/2014</a:t>
             </a:fld>
             <a:endParaRPr lang="en-US"/>
           </a:p>
@@ -4436,7 +4454,7 @@
           <a:p>
             <a:fld id="{4509A250-FF31-4206-8172-F9D3106AACB1}" type="datetimeFigureOut">
               <a:rPr lang="en-US"/>
-              <a:t>7/5/2014</a:t>
+              <a:t>5/8/2014</a:t>
             </a:fld>
             <a:endParaRPr lang="en-US"/>
           </a:p>
@@ -4526,7 +4544,7 @@
           <a:p>
             <a:fld id="{4509A250-FF31-4206-8172-F9D3106AACB1}" type="datetimeFigureOut">
               <a:rPr lang="en-US"/>
-              <a:t>7/5/2014</a:t>
+              <a:t>5/8/2014</a:t>
             </a:fld>
             <a:endParaRPr lang="en-US"/>
           </a:p>
@@ -4800,7 +4818,7 @@
           <a:p>
             <a:fld id="{4509A250-FF31-4206-8172-F9D3106AACB1}" type="datetimeFigureOut">
               <a:rPr lang="en-US"/>
-              <a:t>7/5/2014</a:t>
+              <a:t>5/8/2014</a:t>
             </a:fld>
             <a:endParaRPr lang="en-US"/>
           </a:p>
@@ -5070,7 +5088,7 @@
           <a:p>
             <a:fld id="{4509A250-FF31-4206-8172-F9D3106AACB1}" type="datetimeFigureOut">
               <a:rPr lang="en-US"/>
-              <a:t>7/5/2014</a:t>
+              <a:t>5/8/2014</a:t>
             </a:fld>
             <a:endParaRPr lang="en-US"/>
           </a:p>
@@ -5494,7 +5512,7 @@
           <a:p>
             <a:fld id="{4AAD347D-5ACD-4C99-B74B-A9C85AD731AF}" type="datetimeFigureOut">
               <a:rPr lang="en-US"/>
-              <a:t>7/5/2014</a:t>
+              <a:t>5/8/2014</a:t>
             </a:fld>
             <a:endParaRPr lang="en-US"/>
           </a:p>
@@ -6132,32 +6150,827 @@
         </p:nvSpPr>
         <p:spPr/>
         <p:txBody>
-          <a:bodyPr/>
+          <a:bodyPr>
+            <a:normAutofit lnSpcReduction="10000"/>
+          </a:bodyPr>
           <a:lstStyle/>
           <a:p>
             <a:r>
-              <a:rPr lang="en-US" smtClean="0"/>
-              <a:t>Execution model tạo nên sự phân biệt rỏ ràng giữa host và compute devices. Kernel là 1 đoạn chương trình được thực thi trên 1 hoặc nhiều compute devices dưới sự điều khiển của host program trên host.</a:t>
-            </a:r>
-          </a:p>
-          <a:p>
-            <a:r>
-              <a:rPr lang="en-US" smtClean="0"/>
-              <a:t>Mổi instance (PE) thực thi 1 phần công việc của kernel gọi là work-item, khi thực thi chương trình host sẽ tính toán số lượng instance cần thiết để hoàn thành kernel đó trên tập dữ liệu, OpenCL tạo 1 không gian chỉ mục (index space) để quản lý các work-item và dữ liệu.</a:t>
-            </a:r>
-          </a:p>
-          <a:p>
-            <a:r>
-              <a:rPr lang="en-US" smtClean="0"/>
-              <a:t>Các work-item có thể group lại thành nhóm gọi là work-group, OpenCL hổ trợ đồng bộ trong các work-group</a:t>
-            </a:r>
-          </a:p>
-          <a:p>
-            <a:r>
-              <a:rPr lang="en-US" smtClean="0"/>
-              <a:t>Mổi work-item trong chương trình có 1 global ID duy nhất để truy xuất toàn cục; tương tự, ta cũng có work-group ID và local ID </a:t>
-            </a:r>
-            <a:endParaRPr lang="en-US"/>
+              <a:rPr lang="en-US" dirty="0" smtClean="0"/>
+              <a:t>Execution model </a:t>
+            </a:r>
+            <a:r>
+              <a:rPr lang="en-US" dirty="0" err="1" smtClean="0"/>
+              <a:t>tạo</a:t>
+            </a:r>
+            <a:r>
+              <a:rPr lang="en-US" dirty="0" smtClean="0"/>
+              <a:t> </a:t>
+            </a:r>
+            <a:r>
+              <a:rPr lang="en-US" dirty="0" err="1" smtClean="0"/>
+              <a:t>nên</a:t>
+            </a:r>
+            <a:r>
+              <a:rPr lang="en-US" dirty="0" smtClean="0"/>
+              <a:t> </a:t>
+            </a:r>
+            <a:r>
+              <a:rPr lang="en-US" dirty="0" err="1" smtClean="0"/>
+              <a:t>sự</a:t>
+            </a:r>
+            <a:r>
+              <a:rPr lang="en-US" dirty="0" smtClean="0"/>
+              <a:t> </a:t>
+            </a:r>
+            <a:r>
+              <a:rPr lang="en-US" dirty="0" err="1" smtClean="0"/>
+              <a:t>phân</a:t>
+            </a:r>
+            <a:r>
+              <a:rPr lang="en-US" dirty="0" smtClean="0"/>
+              <a:t> </a:t>
+            </a:r>
+            <a:r>
+              <a:rPr lang="en-US" dirty="0" err="1" smtClean="0"/>
+              <a:t>biệt</a:t>
+            </a:r>
+            <a:r>
+              <a:rPr lang="en-US" dirty="0" smtClean="0"/>
+              <a:t> </a:t>
+            </a:r>
+            <a:r>
+              <a:rPr lang="en-US" dirty="0" err="1" smtClean="0"/>
+              <a:t>rõ</a:t>
+            </a:r>
+            <a:r>
+              <a:rPr lang="en-US" dirty="0" smtClean="0"/>
+              <a:t> </a:t>
+            </a:r>
+            <a:r>
+              <a:rPr lang="en-US" dirty="0" err="1" smtClean="0"/>
+              <a:t>ràng</a:t>
+            </a:r>
+            <a:r>
+              <a:rPr lang="en-US" dirty="0" smtClean="0"/>
+              <a:t> </a:t>
+            </a:r>
+            <a:r>
+              <a:rPr lang="en-US" dirty="0" err="1" smtClean="0"/>
+              <a:t>giữa</a:t>
+            </a:r>
+            <a:r>
+              <a:rPr lang="en-US" dirty="0" smtClean="0"/>
+              <a:t> host </a:t>
+            </a:r>
+            <a:r>
+              <a:rPr lang="en-US" dirty="0" err="1" smtClean="0"/>
+              <a:t>và</a:t>
+            </a:r>
+            <a:r>
+              <a:rPr lang="en-US" dirty="0" smtClean="0"/>
+              <a:t> compute devices. Kernel </a:t>
+            </a:r>
+            <a:r>
+              <a:rPr lang="en-US" dirty="0" err="1" smtClean="0"/>
+              <a:t>là</a:t>
+            </a:r>
+            <a:r>
+              <a:rPr lang="en-US" dirty="0" smtClean="0"/>
+              <a:t> 1 </a:t>
+            </a:r>
+            <a:r>
+              <a:rPr lang="en-US" dirty="0" err="1" smtClean="0"/>
+              <a:t>đoạn</a:t>
+            </a:r>
+            <a:r>
+              <a:rPr lang="en-US" dirty="0" smtClean="0"/>
+              <a:t> </a:t>
+            </a:r>
+            <a:r>
+              <a:rPr lang="en-US" dirty="0" err="1" smtClean="0"/>
+              <a:t>chương</a:t>
+            </a:r>
+            <a:r>
+              <a:rPr lang="en-US" dirty="0" smtClean="0"/>
+              <a:t> </a:t>
+            </a:r>
+            <a:r>
+              <a:rPr lang="en-US" dirty="0" err="1" smtClean="0"/>
+              <a:t>trình</a:t>
+            </a:r>
+            <a:r>
+              <a:rPr lang="en-US" dirty="0" smtClean="0"/>
+              <a:t> </a:t>
+            </a:r>
+            <a:r>
+              <a:rPr lang="en-US" dirty="0" err="1" smtClean="0"/>
+              <a:t>được</a:t>
+            </a:r>
+            <a:r>
+              <a:rPr lang="en-US" dirty="0" smtClean="0"/>
+              <a:t> </a:t>
+            </a:r>
+            <a:r>
+              <a:rPr lang="en-US" dirty="0" err="1" smtClean="0"/>
+              <a:t>thực</a:t>
+            </a:r>
+            <a:r>
+              <a:rPr lang="en-US" dirty="0" smtClean="0"/>
+              <a:t> </a:t>
+            </a:r>
+            <a:r>
+              <a:rPr lang="en-US" dirty="0" err="1" smtClean="0"/>
+              <a:t>thi</a:t>
+            </a:r>
+            <a:r>
+              <a:rPr lang="en-US" dirty="0" smtClean="0"/>
+              <a:t> </a:t>
+            </a:r>
+            <a:r>
+              <a:rPr lang="en-US" dirty="0" err="1" smtClean="0"/>
+              <a:t>trên</a:t>
+            </a:r>
+            <a:r>
+              <a:rPr lang="en-US" dirty="0" smtClean="0"/>
+              <a:t> 1 </a:t>
+            </a:r>
+            <a:r>
+              <a:rPr lang="en-US" dirty="0" err="1" smtClean="0"/>
+              <a:t>hoặc</a:t>
+            </a:r>
+            <a:r>
+              <a:rPr lang="en-US" dirty="0" smtClean="0"/>
+              <a:t> </a:t>
+            </a:r>
+            <a:r>
+              <a:rPr lang="en-US" dirty="0" err="1" smtClean="0"/>
+              <a:t>nhiều</a:t>
+            </a:r>
+            <a:r>
+              <a:rPr lang="en-US" dirty="0" smtClean="0"/>
+              <a:t> compute devices </a:t>
+            </a:r>
+            <a:r>
+              <a:rPr lang="en-US" dirty="0" err="1" smtClean="0"/>
+              <a:t>dưới</a:t>
+            </a:r>
+            <a:r>
+              <a:rPr lang="en-US" dirty="0" smtClean="0"/>
+              <a:t> </a:t>
+            </a:r>
+            <a:r>
+              <a:rPr lang="en-US" dirty="0" err="1" smtClean="0"/>
+              <a:t>sự</a:t>
+            </a:r>
+            <a:r>
+              <a:rPr lang="en-US" dirty="0" smtClean="0"/>
+              <a:t> </a:t>
+            </a:r>
+            <a:r>
+              <a:rPr lang="en-US" dirty="0" err="1" smtClean="0"/>
+              <a:t>điều</a:t>
+            </a:r>
+            <a:r>
+              <a:rPr lang="en-US" dirty="0" smtClean="0"/>
+              <a:t> </a:t>
+            </a:r>
+            <a:r>
+              <a:rPr lang="en-US" dirty="0" err="1" smtClean="0"/>
+              <a:t>khiển</a:t>
+            </a:r>
+            <a:r>
+              <a:rPr lang="en-US" dirty="0" smtClean="0"/>
+              <a:t> </a:t>
+            </a:r>
+            <a:r>
+              <a:rPr lang="en-US" dirty="0" err="1" smtClean="0"/>
+              <a:t>của</a:t>
+            </a:r>
+            <a:r>
+              <a:rPr lang="en-US" dirty="0" smtClean="0"/>
+              <a:t> host program </a:t>
+            </a:r>
+            <a:r>
+              <a:rPr lang="en-US" dirty="0" err="1" smtClean="0"/>
+              <a:t>trên</a:t>
+            </a:r>
+            <a:r>
+              <a:rPr lang="en-US" dirty="0" smtClean="0"/>
+              <a:t> host.</a:t>
+            </a:r>
+          </a:p>
+          <a:p>
+            <a:r>
+              <a:rPr lang="en-US" dirty="0" err="1" smtClean="0"/>
+              <a:t>Mổi</a:t>
+            </a:r>
+            <a:r>
+              <a:rPr lang="en-US" dirty="0" smtClean="0"/>
+              <a:t> instance (PE) </a:t>
+            </a:r>
+            <a:r>
+              <a:rPr lang="en-US" dirty="0" err="1" smtClean="0"/>
+              <a:t>thực</a:t>
+            </a:r>
+            <a:r>
+              <a:rPr lang="en-US" dirty="0" smtClean="0"/>
+              <a:t> </a:t>
+            </a:r>
+            <a:r>
+              <a:rPr lang="en-US" dirty="0" err="1" smtClean="0"/>
+              <a:t>thi</a:t>
+            </a:r>
+            <a:r>
+              <a:rPr lang="en-US" dirty="0" smtClean="0"/>
+              <a:t> 1 </a:t>
+            </a:r>
+            <a:r>
+              <a:rPr lang="en-US" dirty="0" err="1" smtClean="0"/>
+              <a:t>phần</a:t>
+            </a:r>
+            <a:r>
+              <a:rPr lang="en-US" dirty="0" smtClean="0"/>
+              <a:t> </a:t>
+            </a:r>
+            <a:r>
+              <a:rPr lang="en-US" dirty="0" err="1" smtClean="0"/>
+              <a:t>công</a:t>
+            </a:r>
+            <a:r>
+              <a:rPr lang="en-US" dirty="0" smtClean="0"/>
+              <a:t> </a:t>
+            </a:r>
+            <a:r>
+              <a:rPr lang="en-US" dirty="0" err="1" smtClean="0"/>
+              <a:t>việc</a:t>
+            </a:r>
+            <a:r>
+              <a:rPr lang="en-US" dirty="0" smtClean="0"/>
+              <a:t> </a:t>
+            </a:r>
+            <a:r>
+              <a:rPr lang="en-US" dirty="0" err="1" smtClean="0"/>
+              <a:t>của</a:t>
+            </a:r>
+            <a:r>
+              <a:rPr lang="en-US" dirty="0" smtClean="0"/>
+              <a:t> kernel </a:t>
+            </a:r>
+            <a:r>
+              <a:rPr lang="en-US" dirty="0" err="1" smtClean="0"/>
+              <a:t>gọi</a:t>
+            </a:r>
+            <a:r>
+              <a:rPr lang="en-US" dirty="0" smtClean="0"/>
+              <a:t> </a:t>
+            </a:r>
+            <a:r>
+              <a:rPr lang="en-US" dirty="0" err="1" smtClean="0"/>
+              <a:t>là</a:t>
+            </a:r>
+            <a:r>
+              <a:rPr lang="en-US" dirty="0" smtClean="0"/>
+              <a:t> work-item, </a:t>
+            </a:r>
+            <a:r>
+              <a:rPr lang="en-US" dirty="0" err="1" smtClean="0"/>
+              <a:t>khi</a:t>
+            </a:r>
+            <a:r>
+              <a:rPr lang="en-US" dirty="0" smtClean="0"/>
+              <a:t> </a:t>
+            </a:r>
+            <a:r>
+              <a:rPr lang="en-US" dirty="0" err="1" smtClean="0"/>
+              <a:t>thực</a:t>
+            </a:r>
+            <a:r>
+              <a:rPr lang="en-US" dirty="0" smtClean="0"/>
+              <a:t> </a:t>
+            </a:r>
+            <a:r>
+              <a:rPr lang="en-US" dirty="0" err="1" smtClean="0"/>
+              <a:t>thi</a:t>
+            </a:r>
+            <a:r>
+              <a:rPr lang="en-US" dirty="0" smtClean="0"/>
+              <a:t> </a:t>
+            </a:r>
+            <a:r>
+              <a:rPr lang="en-US" dirty="0" err="1" smtClean="0"/>
+              <a:t>chương</a:t>
+            </a:r>
+            <a:r>
+              <a:rPr lang="en-US" dirty="0" smtClean="0"/>
+              <a:t> </a:t>
+            </a:r>
+            <a:r>
+              <a:rPr lang="en-US" dirty="0" err="1" smtClean="0"/>
+              <a:t>trình</a:t>
+            </a:r>
+            <a:r>
+              <a:rPr lang="en-US" dirty="0" smtClean="0"/>
+              <a:t> host </a:t>
+            </a:r>
+            <a:r>
+              <a:rPr lang="en-US" dirty="0" err="1" smtClean="0"/>
+              <a:t>sẽ</a:t>
+            </a:r>
+            <a:r>
+              <a:rPr lang="en-US" dirty="0" smtClean="0"/>
+              <a:t> </a:t>
+            </a:r>
+            <a:r>
+              <a:rPr lang="en-US" dirty="0" err="1" smtClean="0"/>
+              <a:t>tính</a:t>
+            </a:r>
+            <a:r>
+              <a:rPr lang="en-US" dirty="0" smtClean="0"/>
+              <a:t> </a:t>
+            </a:r>
+            <a:r>
+              <a:rPr lang="en-US" dirty="0" err="1" smtClean="0"/>
+              <a:t>toán</a:t>
+            </a:r>
+            <a:r>
+              <a:rPr lang="en-US" dirty="0" smtClean="0"/>
+              <a:t> </a:t>
+            </a:r>
+            <a:r>
+              <a:rPr lang="en-US" dirty="0" err="1" smtClean="0"/>
+              <a:t>số</a:t>
+            </a:r>
+            <a:r>
+              <a:rPr lang="en-US" dirty="0" smtClean="0"/>
+              <a:t> </a:t>
+            </a:r>
+            <a:r>
+              <a:rPr lang="en-US" dirty="0" err="1" smtClean="0"/>
+              <a:t>lượng</a:t>
+            </a:r>
+            <a:r>
+              <a:rPr lang="en-US" dirty="0" smtClean="0"/>
+              <a:t> instance </a:t>
+            </a:r>
+            <a:r>
+              <a:rPr lang="en-US" dirty="0" err="1" smtClean="0"/>
+              <a:t>cần</a:t>
+            </a:r>
+            <a:r>
+              <a:rPr lang="en-US" dirty="0" smtClean="0"/>
+              <a:t> </a:t>
+            </a:r>
+            <a:r>
+              <a:rPr lang="en-US" dirty="0" err="1" smtClean="0"/>
+              <a:t>thiết</a:t>
+            </a:r>
+            <a:r>
+              <a:rPr lang="en-US" dirty="0" smtClean="0"/>
+              <a:t> </a:t>
+            </a:r>
+            <a:r>
+              <a:rPr lang="en-US" dirty="0" err="1" smtClean="0"/>
+              <a:t>để</a:t>
+            </a:r>
+            <a:r>
+              <a:rPr lang="en-US" dirty="0" smtClean="0"/>
+              <a:t> </a:t>
+            </a:r>
+            <a:r>
+              <a:rPr lang="en-US" dirty="0" err="1" smtClean="0"/>
+              <a:t>hoàn</a:t>
+            </a:r>
+            <a:r>
+              <a:rPr lang="en-US" dirty="0" smtClean="0"/>
+              <a:t> </a:t>
+            </a:r>
+            <a:r>
+              <a:rPr lang="en-US" dirty="0" err="1" smtClean="0"/>
+              <a:t>thành</a:t>
+            </a:r>
+            <a:r>
+              <a:rPr lang="en-US" dirty="0" smtClean="0"/>
+              <a:t> kernel </a:t>
+            </a:r>
+            <a:r>
+              <a:rPr lang="en-US" dirty="0" err="1" smtClean="0"/>
+              <a:t>đó</a:t>
+            </a:r>
+            <a:r>
+              <a:rPr lang="en-US" dirty="0" smtClean="0"/>
+              <a:t> </a:t>
+            </a:r>
+            <a:r>
+              <a:rPr lang="en-US" dirty="0" err="1" smtClean="0"/>
+              <a:t>trên</a:t>
+            </a:r>
+            <a:r>
+              <a:rPr lang="en-US" dirty="0" smtClean="0"/>
+              <a:t> </a:t>
+            </a:r>
+            <a:r>
+              <a:rPr lang="en-US" dirty="0" err="1" smtClean="0"/>
+              <a:t>tập</a:t>
+            </a:r>
+            <a:r>
+              <a:rPr lang="en-US" dirty="0" smtClean="0"/>
+              <a:t> </a:t>
+            </a:r>
+            <a:r>
+              <a:rPr lang="en-US" dirty="0" err="1" smtClean="0"/>
+              <a:t>dữ</a:t>
+            </a:r>
+            <a:r>
+              <a:rPr lang="en-US" dirty="0" smtClean="0"/>
+              <a:t> </a:t>
+            </a:r>
+            <a:r>
+              <a:rPr lang="en-US" dirty="0" err="1" smtClean="0"/>
+              <a:t>liệu</a:t>
+            </a:r>
+            <a:r>
+              <a:rPr lang="en-US" dirty="0" smtClean="0"/>
+              <a:t>, </a:t>
+            </a:r>
+            <a:r>
+              <a:rPr lang="en-US" dirty="0" err="1" smtClean="0"/>
+              <a:t>OpenCL</a:t>
+            </a:r>
+            <a:r>
+              <a:rPr lang="en-US" dirty="0" smtClean="0"/>
+              <a:t> </a:t>
+            </a:r>
+            <a:r>
+              <a:rPr lang="en-US" dirty="0" err="1" smtClean="0"/>
+              <a:t>tạo</a:t>
+            </a:r>
+            <a:r>
+              <a:rPr lang="en-US" dirty="0" smtClean="0"/>
+              <a:t> 1 </a:t>
+            </a:r>
+            <a:r>
+              <a:rPr lang="en-US" dirty="0" err="1" smtClean="0"/>
+              <a:t>không</a:t>
+            </a:r>
+            <a:r>
+              <a:rPr lang="en-US" dirty="0" smtClean="0"/>
+              <a:t> </a:t>
+            </a:r>
+            <a:r>
+              <a:rPr lang="en-US" dirty="0" err="1" smtClean="0"/>
+              <a:t>gian</a:t>
+            </a:r>
+            <a:r>
+              <a:rPr lang="en-US" dirty="0" smtClean="0"/>
+              <a:t> </a:t>
+            </a:r>
+            <a:r>
+              <a:rPr lang="en-US" dirty="0" err="1" smtClean="0"/>
+              <a:t>chỉ</a:t>
+            </a:r>
+            <a:r>
+              <a:rPr lang="en-US" dirty="0" smtClean="0"/>
+              <a:t> </a:t>
+            </a:r>
+            <a:r>
+              <a:rPr lang="en-US" dirty="0" err="1" smtClean="0"/>
+              <a:t>mục</a:t>
+            </a:r>
+            <a:r>
+              <a:rPr lang="en-US" dirty="0" smtClean="0"/>
+              <a:t> (index space) </a:t>
+            </a:r>
+            <a:r>
+              <a:rPr lang="en-US" dirty="0" err="1" smtClean="0"/>
+              <a:t>để</a:t>
+            </a:r>
+            <a:r>
+              <a:rPr lang="en-US" dirty="0" smtClean="0"/>
+              <a:t> </a:t>
+            </a:r>
+            <a:r>
+              <a:rPr lang="en-US" dirty="0" err="1" smtClean="0"/>
+              <a:t>quản</a:t>
+            </a:r>
+            <a:r>
+              <a:rPr lang="en-US" dirty="0" smtClean="0"/>
+              <a:t> </a:t>
+            </a:r>
+            <a:r>
+              <a:rPr lang="en-US" dirty="0" err="1" smtClean="0"/>
+              <a:t>lý</a:t>
+            </a:r>
+            <a:r>
+              <a:rPr lang="en-US" dirty="0" smtClean="0"/>
+              <a:t> </a:t>
+            </a:r>
+            <a:r>
+              <a:rPr lang="en-US" dirty="0" err="1" smtClean="0"/>
+              <a:t>các</a:t>
+            </a:r>
+            <a:r>
+              <a:rPr lang="en-US" dirty="0" smtClean="0"/>
+              <a:t> work-item </a:t>
+            </a:r>
+            <a:r>
+              <a:rPr lang="en-US" dirty="0" err="1" smtClean="0"/>
+              <a:t>và</a:t>
+            </a:r>
+            <a:r>
+              <a:rPr lang="en-US" dirty="0" smtClean="0"/>
+              <a:t> </a:t>
+            </a:r>
+            <a:r>
+              <a:rPr lang="en-US" dirty="0" err="1" smtClean="0"/>
+              <a:t>dữ</a:t>
+            </a:r>
+            <a:r>
+              <a:rPr lang="en-US" dirty="0" smtClean="0"/>
+              <a:t> </a:t>
+            </a:r>
+            <a:r>
+              <a:rPr lang="en-US" dirty="0" err="1" smtClean="0"/>
+              <a:t>liệu</a:t>
+            </a:r>
+            <a:r>
+              <a:rPr lang="en-US" dirty="0" smtClean="0"/>
+              <a:t>.</a:t>
+            </a:r>
+          </a:p>
+          <a:p>
+            <a:r>
+              <a:rPr lang="en-US" dirty="0" err="1" smtClean="0"/>
+              <a:t>Các</a:t>
+            </a:r>
+            <a:r>
+              <a:rPr lang="en-US" dirty="0" smtClean="0"/>
+              <a:t> work-item </a:t>
+            </a:r>
+            <a:r>
+              <a:rPr lang="en-US" dirty="0" err="1" smtClean="0"/>
+              <a:t>có</a:t>
+            </a:r>
+            <a:r>
+              <a:rPr lang="en-US" dirty="0" smtClean="0"/>
+              <a:t> </a:t>
+            </a:r>
+            <a:r>
+              <a:rPr lang="en-US" dirty="0" err="1" smtClean="0"/>
+              <a:t>thể</a:t>
+            </a:r>
+            <a:r>
+              <a:rPr lang="en-US" dirty="0" smtClean="0"/>
+              <a:t> group </a:t>
+            </a:r>
+            <a:r>
+              <a:rPr lang="en-US" dirty="0" err="1" smtClean="0"/>
+              <a:t>lại</a:t>
+            </a:r>
+            <a:r>
+              <a:rPr lang="en-US" dirty="0" smtClean="0"/>
+              <a:t> </a:t>
+            </a:r>
+            <a:r>
+              <a:rPr lang="en-US" dirty="0" err="1" smtClean="0"/>
+              <a:t>thành</a:t>
+            </a:r>
+            <a:r>
+              <a:rPr lang="en-US" dirty="0" smtClean="0"/>
+              <a:t> </a:t>
+            </a:r>
+            <a:r>
+              <a:rPr lang="en-US" dirty="0" err="1" smtClean="0"/>
+              <a:t>nhóm</a:t>
+            </a:r>
+            <a:r>
+              <a:rPr lang="en-US" dirty="0" smtClean="0"/>
+              <a:t> </a:t>
+            </a:r>
+            <a:r>
+              <a:rPr lang="en-US" dirty="0" err="1" smtClean="0"/>
+              <a:t>gọi</a:t>
+            </a:r>
+            <a:r>
+              <a:rPr lang="en-US" dirty="0" smtClean="0"/>
+              <a:t> </a:t>
+            </a:r>
+            <a:r>
+              <a:rPr lang="en-US" dirty="0" err="1" smtClean="0"/>
+              <a:t>là</a:t>
+            </a:r>
+            <a:r>
+              <a:rPr lang="en-US" dirty="0" smtClean="0"/>
+              <a:t> work-group, </a:t>
+            </a:r>
+            <a:r>
+              <a:rPr lang="en-US" dirty="0" err="1" smtClean="0"/>
+              <a:t>OpenCL</a:t>
+            </a:r>
+            <a:r>
+              <a:rPr lang="en-US" dirty="0" smtClean="0"/>
+              <a:t> </a:t>
+            </a:r>
+            <a:r>
+              <a:rPr lang="en-US" dirty="0" err="1" smtClean="0"/>
+              <a:t>hỗ</a:t>
+            </a:r>
+            <a:r>
+              <a:rPr lang="en-US" dirty="0" smtClean="0"/>
+              <a:t> </a:t>
+            </a:r>
+            <a:r>
+              <a:rPr lang="en-US" dirty="0" err="1" smtClean="0"/>
+              <a:t>trợ</a:t>
+            </a:r>
+            <a:r>
+              <a:rPr lang="en-US" dirty="0" smtClean="0"/>
+              <a:t> </a:t>
+            </a:r>
+            <a:r>
+              <a:rPr lang="en-US" dirty="0" err="1" smtClean="0"/>
+              <a:t>đồng</a:t>
+            </a:r>
+            <a:r>
+              <a:rPr lang="en-US" dirty="0" smtClean="0"/>
+              <a:t> </a:t>
+            </a:r>
+            <a:r>
+              <a:rPr lang="en-US" dirty="0" err="1" smtClean="0"/>
+              <a:t>bộ</a:t>
+            </a:r>
+            <a:r>
+              <a:rPr lang="en-US" dirty="0" smtClean="0"/>
+              <a:t> </a:t>
+            </a:r>
+            <a:r>
+              <a:rPr lang="en-US" dirty="0" err="1" smtClean="0"/>
+              <a:t>trong</a:t>
+            </a:r>
+            <a:r>
+              <a:rPr lang="en-US" dirty="0" smtClean="0"/>
+              <a:t> </a:t>
+            </a:r>
+            <a:r>
+              <a:rPr lang="en-US" dirty="0" err="1" smtClean="0"/>
+              <a:t>các</a:t>
+            </a:r>
+            <a:r>
+              <a:rPr lang="en-US" dirty="0" smtClean="0"/>
+              <a:t> </a:t>
+            </a:r>
+            <a:r>
+              <a:rPr lang="en-US" dirty="0" smtClean="0"/>
+              <a:t>work-group.</a:t>
+            </a:r>
+            <a:endParaRPr lang="en-US" dirty="0" smtClean="0"/>
+          </a:p>
+          <a:p>
+            <a:r>
+              <a:rPr lang="en-US" dirty="0" err="1" smtClean="0"/>
+              <a:t>Mỗi</a:t>
+            </a:r>
+            <a:r>
+              <a:rPr lang="en-US" dirty="0" smtClean="0"/>
+              <a:t> </a:t>
+            </a:r>
+            <a:r>
+              <a:rPr lang="en-US" dirty="0" smtClean="0"/>
+              <a:t>work-item </a:t>
+            </a:r>
+            <a:r>
+              <a:rPr lang="en-US" dirty="0" err="1" smtClean="0"/>
+              <a:t>trong</a:t>
+            </a:r>
+            <a:r>
+              <a:rPr lang="en-US" dirty="0" smtClean="0"/>
+              <a:t> </a:t>
+            </a:r>
+            <a:r>
+              <a:rPr lang="en-US" dirty="0" err="1" smtClean="0"/>
+              <a:t>chương</a:t>
+            </a:r>
+            <a:r>
+              <a:rPr lang="en-US" dirty="0" smtClean="0"/>
+              <a:t> </a:t>
+            </a:r>
+            <a:r>
+              <a:rPr lang="en-US" dirty="0" err="1" smtClean="0"/>
+              <a:t>trình</a:t>
+            </a:r>
+            <a:r>
+              <a:rPr lang="en-US" dirty="0" smtClean="0"/>
+              <a:t> </a:t>
+            </a:r>
+            <a:r>
+              <a:rPr lang="en-US" dirty="0" err="1" smtClean="0"/>
+              <a:t>có</a:t>
+            </a:r>
+            <a:r>
+              <a:rPr lang="en-US" dirty="0" smtClean="0"/>
+              <a:t> 1 global ID </a:t>
+            </a:r>
+            <a:r>
+              <a:rPr lang="en-US" dirty="0" err="1" smtClean="0"/>
+              <a:t>duy</a:t>
+            </a:r>
+            <a:r>
+              <a:rPr lang="en-US" dirty="0" smtClean="0"/>
+              <a:t> </a:t>
+            </a:r>
+            <a:r>
+              <a:rPr lang="en-US" dirty="0" err="1" smtClean="0"/>
+              <a:t>nhất</a:t>
+            </a:r>
+            <a:r>
+              <a:rPr lang="en-US" dirty="0" smtClean="0"/>
+              <a:t> </a:t>
+            </a:r>
+            <a:r>
+              <a:rPr lang="en-US" dirty="0" err="1" smtClean="0"/>
+              <a:t>để</a:t>
+            </a:r>
+            <a:r>
+              <a:rPr lang="en-US" dirty="0" smtClean="0"/>
+              <a:t> </a:t>
+            </a:r>
+            <a:r>
+              <a:rPr lang="en-US" dirty="0" err="1" smtClean="0"/>
+              <a:t>truy</a:t>
+            </a:r>
+            <a:r>
+              <a:rPr lang="en-US" dirty="0" smtClean="0"/>
+              <a:t> </a:t>
+            </a:r>
+            <a:r>
+              <a:rPr lang="en-US" dirty="0" err="1" smtClean="0"/>
+              <a:t>xuất</a:t>
+            </a:r>
+            <a:r>
+              <a:rPr lang="en-US" dirty="0" smtClean="0"/>
+              <a:t> </a:t>
+            </a:r>
+            <a:r>
+              <a:rPr lang="en-US" dirty="0" err="1" smtClean="0"/>
+              <a:t>toàn</a:t>
+            </a:r>
+            <a:r>
+              <a:rPr lang="en-US" dirty="0" smtClean="0"/>
+              <a:t> </a:t>
+            </a:r>
+            <a:r>
+              <a:rPr lang="en-US" dirty="0" err="1" smtClean="0"/>
+              <a:t>cục</a:t>
+            </a:r>
+            <a:r>
+              <a:rPr lang="en-US" dirty="0" smtClean="0"/>
+              <a:t>; </a:t>
+            </a:r>
+            <a:r>
+              <a:rPr lang="en-US" dirty="0" err="1" smtClean="0"/>
+              <a:t>tương</a:t>
+            </a:r>
+            <a:r>
+              <a:rPr lang="en-US" dirty="0" smtClean="0"/>
+              <a:t> </a:t>
+            </a:r>
+            <a:r>
+              <a:rPr lang="en-US" dirty="0" err="1" smtClean="0"/>
+              <a:t>tự</a:t>
+            </a:r>
+            <a:r>
+              <a:rPr lang="en-US" dirty="0" smtClean="0"/>
+              <a:t>, ta </a:t>
+            </a:r>
+            <a:r>
+              <a:rPr lang="en-US" dirty="0" err="1" smtClean="0"/>
+              <a:t>cũng</a:t>
+            </a:r>
+            <a:r>
+              <a:rPr lang="en-US" dirty="0" smtClean="0"/>
+              <a:t> </a:t>
+            </a:r>
+            <a:r>
+              <a:rPr lang="en-US" dirty="0" err="1" smtClean="0"/>
+              <a:t>có</a:t>
+            </a:r>
+            <a:r>
+              <a:rPr lang="en-US" dirty="0" smtClean="0"/>
+              <a:t> work-group ID </a:t>
+            </a:r>
+            <a:r>
+              <a:rPr lang="en-US" dirty="0" err="1" smtClean="0"/>
+              <a:t>và</a:t>
+            </a:r>
+            <a:r>
+              <a:rPr lang="en-US" dirty="0" smtClean="0"/>
+              <a:t> local </a:t>
+            </a:r>
+            <a:r>
+              <a:rPr lang="en-US" dirty="0" smtClean="0"/>
+              <a:t>ID.</a:t>
+            </a:r>
+            <a:endParaRPr lang="en-US" dirty="0"/>
           </a:p>
         </p:txBody>
       </p:sp>
@@ -6513,22 +7326,431 @@
               <a:buNone/>
             </a:pPr>
             <a:r>
-              <a:rPr lang="en-US" smtClean="0"/>
-              <a:t>OpenCL hổ trợ 2 mô hình song song phổ biến:</a:t>
-            </a:r>
-          </a:p>
-          <a:p>
-            <a:r>
-              <a:rPr lang="en-US" smtClean="0"/>
-              <a:t>Song song dữ liệu (Data parallel): 1 kernel được thực thi song song trên nhiều compute device khác nhau với tập dữ liệu là khác nhau. Các tập dữ liệu này liên kết với 1 điểm trong không gian chỉ mục</a:t>
-            </a:r>
-          </a:p>
-          <a:p>
-            <a:r>
-              <a:rPr lang="en-US" smtClean="0"/>
-              <a:t>Song song tác vụ (Task parallel): Thực thi các kernels riêng biệt trên các compute device khác nhau.</a:t>
-            </a:r>
-            <a:endParaRPr lang="en-US"/>
+              <a:rPr lang="en-US" dirty="0" err="1" smtClean="0"/>
+              <a:t>OpenCL</a:t>
+            </a:r>
+            <a:r>
+              <a:rPr lang="en-US" dirty="0" smtClean="0"/>
+              <a:t> </a:t>
+            </a:r>
+            <a:r>
+              <a:rPr lang="en-US" dirty="0" err="1" smtClean="0"/>
+              <a:t>hỗ</a:t>
+            </a:r>
+            <a:r>
+              <a:rPr lang="en-US" dirty="0" smtClean="0"/>
+              <a:t> </a:t>
+            </a:r>
+            <a:r>
+              <a:rPr lang="en-US" dirty="0" err="1" smtClean="0"/>
+              <a:t>trợ</a:t>
+            </a:r>
+            <a:r>
+              <a:rPr lang="en-US" dirty="0" smtClean="0"/>
+              <a:t> 2 </a:t>
+            </a:r>
+            <a:r>
+              <a:rPr lang="en-US" dirty="0" err="1" smtClean="0"/>
+              <a:t>mô</a:t>
+            </a:r>
+            <a:r>
+              <a:rPr lang="en-US" dirty="0" smtClean="0"/>
+              <a:t> </a:t>
+            </a:r>
+            <a:r>
+              <a:rPr lang="en-US" dirty="0" err="1" smtClean="0"/>
+              <a:t>hình</a:t>
+            </a:r>
+            <a:r>
+              <a:rPr lang="en-US" dirty="0" smtClean="0"/>
+              <a:t> song </a:t>
+            </a:r>
+            <a:r>
+              <a:rPr lang="en-US" dirty="0" err="1" smtClean="0"/>
+              <a:t>song</a:t>
+            </a:r>
+            <a:r>
+              <a:rPr lang="en-US" dirty="0" smtClean="0"/>
+              <a:t> </a:t>
+            </a:r>
+            <a:r>
+              <a:rPr lang="en-US" dirty="0" err="1" smtClean="0"/>
+              <a:t>phổ</a:t>
+            </a:r>
+            <a:r>
+              <a:rPr lang="en-US" dirty="0" smtClean="0"/>
+              <a:t> </a:t>
+            </a:r>
+            <a:r>
+              <a:rPr lang="en-US" dirty="0" err="1" smtClean="0"/>
+              <a:t>biến</a:t>
+            </a:r>
+            <a:r>
+              <a:rPr lang="en-US" dirty="0" smtClean="0"/>
+              <a:t>:</a:t>
+            </a:r>
+          </a:p>
+          <a:p>
+            <a:r>
+              <a:rPr lang="en-US" dirty="0" smtClean="0"/>
+              <a:t>Song </a:t>
+            </a:r>
+            <a:r>
+              <a:rPr lang="en-US" dirty="0" err="1" smtClean="0"/>
+              <a:t>song</a:t>
+            </a:r>
+            <a:r>
+              <a:rPr lang="en-US" dirty="0" smtClean="0"/>
+              <a:t> </a:t>
+            </a:r>
+            <a:r>
+              <a:rPr lang="en-US" dirty="0" err="1" smtClean="0"/>
+              <a:t>dữ</a:t>
+            </a:r>
+            <a:r>
+              <a:rPr lang="en-US" dirty="0" smtClean="0"/>
+              <a:t> </a:t>
+            </a:r>
+            <a:r>
+              <a:rPr lang="en-US" dirty="0" err="1" smtClean="0"/>
+              <a:t>liệu</a:t>
+            </a:r>
+            <a:r>
+              <a:rPr lang="en-US" dirty="0" smtClean="0"/>
+              <a:t> (Data parallel): 1 kernel </a:t>
+            </a:r>
+            <a:r>
+              <a:rPr lang="en-US" dirty="0" err="1" smtClean="0"/>
+              <a:t>được</a:t>
+            </a:r>
+            <a:r>
+              <a:rPr lang="en-US" dirty="0" smtClean="0"/>
+              <a:t> </a:t>
+            </a:r>
+            <a:r>
+              <a:rPr lang="en-US" dirty="0" err="1" smtClean="0"/>
+              <a:t>thực</a:t>
+            </a:r>
+            <a:r>
+              <a:rPr lang="en-US" dirty="0" smtClean="0"/>
+              <a:t> </a:t>
+            </a:r>
+            <a:r>
+              <a:rPr lang="en-US" dirty="0" err="1" smtClean="0"/>
+              <a:t>thi</a:t>
+            </a:r>
+            <a:r>
+              <a:rPr lang="en-US" dirty="0" smtClean="0"/>
+              <a:t> song </a:t>
+            </a:r>
+            <a:r>
+              <a:rPr lang="en-US" dirty="0" err="1" smtClean="0"/>
+              <a:t>song</a:t>
+            </a:r>
+            <a:r>
+              <a:rPr lang="en-US" dirty="0" smtClean="0"/>
+              <a:t> </a:t>
+            </a:r>
+            <a:r>
+              <a:rPr lang="en-US" dirty="0" err="1" smtClean="0"/>
+              <a:t>trên</a:t>
+            </a:r>
+            <a:r>
+              <a:rPr lang="en-US" dirty="0" smtClean="0"/>
+              <a:t> </a:t>
+            </a:r>
+            <a:r>
+              <a:rPr lang="en-US" dirty="0" err="1" smtClean="0"/>
+              <a:t>nhiều</a:t>
+            </a:r>
+            <a:r>
+              <a:rPr lang="en-US" dirty="0" smtClean="0"/>
+              <a:t> compute device </a:t>
+            </a:r>
+            <a:r>
+              <a:rPr lang="en-US" dirty="0" err="1" smtClean="0"/>
+              <a:t>khác</a:t>
+            </a:r>
+            <a:r>
+              <a:rPr lang="en-US" dirty="0" smtClean="0"/>
+              <a:t> </a:t>
+            </a:r>
+            <a:r>
+              <a:rPr lang="en-US" dirty="0" err="1" smtClean="0"/>
+              <a:t>nhau</a:t>
+            </a:r>
+            <a:r>
+              <a:rPr lang="en-US" dirty="0" smtClean="0"/>
+              <a:t> </a:t>
+            </a:r>
+            <a:r>
+              <a:rPr lang="en-US" dirty="0" err="1" smtClean="0"/>
+              <a:t>với</a:t>
+            </a:r>
+            <a:r>
+              <a:rPr lang="en-US" dirty="0" smtClean="0"/>
+              <a:t> </a:t>
+            </a:r>
+            <a:r>
+              <a:rPr lang="en-US" dirty="0" err="1" smtClean="0"/>
+              <a:t>tập</a:t>
+            </a:r>
+            <a:r>
+              <a:rPr lang="en-US" dirty="0" smtClean="0"/>
+              <a:t> </a:t>
+            </a:r>
+            <a:r>
+              <a:rPr lang="en-US" dirty="0" err="1" smtClean="0"/>
+              <a:t>dữ</a:t>
+            </a:r>
+            <a:r>
+              <a:rPr lang="en-US" dirty="0" smtClean="0"/>
+              <a:t> </a:t>
+            </a:r>
+            <a:r>
+              <a:rPr lang="en-US" dirty="0" err="1" smtClean="0"/>
+              <a:t>liệu</a:t>
+            </a:r>
+            <a:r>
+              <a:rPr lang="en-US" dirty="0" smtClean="0"/>
+              <a:t> </a:t>
+            </a:r>
+            <a:r>
+              <a:rPr lang="en-US" dirty="0" err="1" smtClean="0"/>
+              <a:t>là</a:t>
+            </a:r>
+            <a:r>
+              <a:rPr lang="en-US" dirty="0" smtClean="0"/>
+              <a:t> </a:t>
+            </a:r>
+            <a:r>
+              <a:rPr lang="en-US" dirty="0" err="1" smtClean="0"/>
+              <a:t>khác</a:t>
+            </a:r>
+            <a:r>
+              <a:rPr lang="en-US" dirty="0" smtClean="0"/>
+              <a:t> </a:t>
+            </a:r>
+            <a:r>
+              <a:rPr lang="en-US" dirty="0" err="1" smtClean="0"/>
+              <a:t>nhau</a:t>
+            </a:r>
+            <a:r>
+              <a:rPr lang="en-US" dirty="0" smtClean="0"/>
+              <a:t>. </a:t>
+            </a:r>
+            <a:r>
+              <a:rPr lang="en-US" dirty="0" err="1" smtClean="0"/>
+              <a:t>Các</a:t>
+            </a:r>
+            <a:r>
+              <a:rPr lang="en-US" dirty="0" smtClean="0"/>
+              <a:t> </a:t>
+            </a:r>
+            <a:r>
+              <a:rPr lang="en-US" dirty="0" err="1" smtClean="0"/>
+              <a:t>tập</a:t>
+            </a:r>
+            <a:r>
+              <a:rPr lang="en-US" dirty="0" smtClean="0"/>
+              <a:t> </a:t>
+            </a:r>
+            <a:r>
+              <a:rPr lang="en-US" dirty="0" err="1" smtClean="0"/>
+              <a:t>dữ</a:t>
+            </a:r>
+            <a:r>
+              <a:rPr lang="en-US" dirty="0" smtClean="0"/>
+              <a:t> </a:t>
+            </a:r>
+            <a:r>
+              <a:rPr lang="en-US" dirty="0" err="1" smtClean="0"/>
+              <a:t>liệu</a:t>
+            </a:r>
+            <a:r>
+              <a:rPr lang="en-US" dirty="0" smtClean="0"/>
+              <a:t> </a:t>
+            </a:r>
+            <a:r>
+              <a:rPr lang="en-US" dirty="0" err="1" smtClean="0"/>
+              <a:t>này</a:t>
+            </a:r>
+            <a:r>
+              <a:rPr lang="en-US" dirty="0" smtClean="0"/>
+              <a:t> </a:t>
+            </a:r>
+            <a:r>
+              <a:rPr lang="en-US" dirty="0" err="1" smtClean="0"/>
+              <a:t>liên</a:t>
+            </a:r>
+            <a:r>
+              <a:rPr lang="en-US" dirty="0" smtClean="0"/>
+              <a:t> </a:t>
+            </a:r>
+            <a:r>
+              <a:rPr lang="en-US" dirty="0" err="1" smtClean="0"/>
+              <a:t>kết</a:t>
+            </a:r>
+            <a:r>
+              <a:rPr lang="en-US" dirty="0" smtClean="0"/>
+              <a:t> </a:t>
+            </a:r>
+            <a:r>
+              <a:rPr lang="en-US" dirty="0" err="1" smtClean="0"/>
+              <a:t>với</a:t>
+            </a:r>
+            <a:r>
+              <a:rPr lang="en-US" dirty="0" smtClean="0"/>
+              <a:t> 1 </a:t>
+            </a:r>
+            <a:r>
+              <a:rPr lang="en-US" dirty="0" err="1" smtClean="0"/>
+              <a:t>điểm</a:t>
+            </a:r>
+            <a:r>
+              <a:rPr lang="en-US" dirty="0" smtClean="0"/>
+              <a:t> </a:t>
+            </a:r>
+            <a:r>
+              <a:rPr lang="en-US" dirty="0" err="1" smtClean="0"/>
+              <a:t>trong</a:t>
+            </a:r>
+            <a:r>
+              <a:rPr lang="en-US" dirty="0" smtClean="0"/>
+              <a:t> </a:t>
+            </a:r>
+            <a:r>
+              <a:rPr lang="en-US" dirty="0" err="1" smtClean="0"/>
+              <a:t>không</a:t>
+            </a:r>
+            <a:r>
+              <a:rPr lang="en-US" dirty="0" smtClean="0"/>
+              <a:t> </a:t>
+            </a:r>
+            <a:r>
+              <a:rPr lang="en-US" dirty="0" err="1" smtClean="0"/>
+              <a:t>gian</a:t>
+            </a:r>
+            <a:r>
+              <a:rPr lang="en-US" dirty="0" smtClean="0"/>
+              <a:t> </a:t>
+            </a:r>
+            <a:r>
+              <a:rPr lang="en-US" dirty="0" err="1" smtClean="0"/>
+              <a:t>chỉ</a:t>
+            </a:r>
+            <a:r>
+              <a:rPr lang="en-US" dirty="0" smtClean="0"/>
+              <a:t> </a:t>
+            </a:r>
+            <a:r>
+              <a:rPr lang="en-US" dirty="0" err="1" smtClean="0"/>
+              <a:t>mục</a:t>
+            </a:r>
+            <a:endParaRPr lang="en-US" dirty="0" smtClean="0"/>
+          </a:p>
+          <a:p>
+            <a:r>
+              <a:rPr lang="en-US" dirty="0" smtClean="0"/>
+              <a:t>Song </a:t>
+            </a:r>
+            <a:r>
+              <a:rPr lang="en-US" dirty="0" err="1" smtClean="0"/>
+              <a:t>song</a:t>
+            </a:r>
+            <a:r>
+              <a:rPr lang="en-US" dirty="0" smtClean="0"/>
+              <a:t> </a:t>
+            </a:r>
+            <a:r>
+              <a:rPr lang="en-US" dirty="0" err="1" smtClean="0"/>
+              <a:t>tác</a:t>
+            </a:r>
+            <a:r>
+              <a:rPr lang="en-US" dirty="0" smtClean="0"/>
+              <a:t> </a:t>
+            </a:r>
+            <a:r>
+              <a:rPr lang="en-US" dirty="0" err="1" smtClean="0"/>
+              <a:t>vụ</a:t>
+            </a:r>
+            <a:r>
+              <a:rPr lang="en-US" dirty="0" smtClean="0"/>
+              <a:t> (Task parallel): </a:t>
+            </a:r>
+            <a:r>
+              <a:rPr lang="en-US" dirty="0" err="1" smtClean="0"/>
+              <a:t>Thực</a:t>
+            </a:r>
+            <a:r>
+              <a:rPr lang="en-US" dirty="0" smtClean="0"/>
+              <a:t> </a:t>
+            </a:r>
+            <a:r>
+              <a:rPr lang="en-US" dirty="0" err="1" smtClean="0"/>
+              <a:t>thi</a:t>
+            </a:r>
+            <a:r>
+              <a:rPr lang="en-US" dirty="0" smtClean="0"/>
+              <a:t> </a:t>
+            </a:r>
+            <a:r>
+              <a:rPr lang="en-US" dirty="0" err="1" smtClean="0"/>
+              <a:t>các</a:t>
+            </a:r>
+            <a:r>
+              <a:rPr lang="en-US" dirty="0" smtClean="0"/>
+              <a:t> kernels </a:t>
+            </a:r>
+            <a:r>
+              <a:rPr lang="en-US" dirty="0" err="1" smtClean="0"/>
+              <a:t>riêng</a:t>
+            </a:r>
+            <a:r>
+              <a:rPr lang="en-US" dirty="0" smtClean="0"/>
+              <a:t> </a:t>
+            </a:r>
+            <a:r>
+              <a:rPr lang="en-US" dirty="0" err="1" smtClean="0"/>
+              <a:t>biệt</a:t>
+            </a:r>
+            <a:r>
+              <a:rPr lang="en-US" dirty="0" smtClean="0"/>
+              <a:t> </a:t>
+            </a:r>
+            <a:r>
+              <a:rPr lang="en-US" dirty="0" err="1" smtClean="0"/>
+              <a:t>trên</a:t>
+            </a:r>
+            <a:r>
+              <a:rPr lang="en-US" dirty="0" smtClean="0"/>
+              <a:t> </a:t>
+            </a:r>
+            <a:r>
+              <a:rPr lang="en-US" dirty="0" err="1" smtClean="0"/>
+              <a:t>các</a:t>
+            </a:r>
+            <a:r>
+              <a:rPr lang="en-US" dirty="0" smtClean="0"/>
+              <a:t> compute device </a:t>
+            </a:r>
+            <a:r>
+              <a:rPr lang="en-US" dirty="0" err="1" smtClean="0"/>
+              <a:t>khác</a:t>
+            </a:r>
+            <a:r>
+              <a:rPr lang="en-US" dirty="0" smtClean="0"/>
+              <a:t> </a:t>
+            </a:r>
+            <a:r>
+              <a:rPr lang="en-US" dirty="0" err="1" smtClean="0"/>
+              <a:t>nhau</a:t>
+            </a:r>
+            <a:r>
+              <a:rPr lang="en-US" dirty="0" smtClean="0"/>
+              <a:t>.</a:t>
+            </a:r>
+            <a:endParaRPr lang="en-US" dirty="0"/>
           </a:p>
         </p:txBody>
       </p:sp>
@@ -6607,7 +7829,205 @@
           <a:bodyPr/>
           <a:lstStyle/>
           <a:p>
-            <a:endParaRPr lang="en-US"/>
+            <a:r>
+              <a:rPr lang="en-US" dirty="0" err="1" smtClean="0"/>
+              <a:t>Truy</a:t>
+            </a:r>
+            <a:r>
+              <a:rPr lang="en-US" dirty="0" smtClean="0"/>
+              <a:t> </a:t>
+            </a:r>
+            <a:r>
+              <a:rPr lang="en-US" dirty="0" err="1" smtClean="0"/>
+              <a:t>xuất</a:t>
+            </a:r>
+            <a:r>
+              <a:rPr lang="en-US" dirty="0" smtClean="0"/>
+              <a:t> platform.</a:t>
+            </a:r>
+          </a:p>
+          <a:p>
+            <a:r>
+              <a:rPr lang="en-US" dirty="0" err="1" smtClean="0"/>
+              <a:t>Truy</a:t>
+            </a:r>
+            <a:r>
+              <a:rPr lang="en-US" dirty="0" smtClean="0"/>
+              <a:t> </a:t>
+            </a:r>
+            <a:r>
+              <a:rPr lang="en-US" dirty="0" err="1" smtClean="0"/>
+              <a:t>xuất</a:t>
+            </a:r>
+            <a:r>
+              <a:rPr lang="en-US" dirty="0" smtClean="0"/>
+              <a:t> devices.</a:t>
+            </a:r>
+          </a:p>
+          <a:p>
+            <a:r>
+              <a:rPr lang="en-US" dirty="0" err="1" smtClean="0"/>
+              <a:t>Tạo</a:t>
+            </a:r>
+            <a:r>
+              <a:rPr lang="en-US" dirty="0"/>
+              <a:t> context </a:t>
+            </a:r>
+            <a:r>
+              <a:rPr lang="en-US" dirty="0" err="1" smtClean="0"/>
+              <a:t>và</a:t>
+            </a:r>
+            <a:r>
+              <a:rPr lang="en-US" dirty="0" smtClean="0"/>
+              <a:t> command </a:t>
+            </a:r>
+            <a:r>
+              <a:rPr lang="en-US" dirty="0"/>
+              <a:t>queue.</a:t>
+            </a:r>
+            <a:endParaRPr lang="en-US" dirty="0" smtClean="0"/>
+          </a:p>
+          <a:p>
+            <a:r>
+              <a:rPr lang="en-US" dirty="0" err="1" smtClean="0"/>
+              <a:t>Tạo</a:t>
+            </a:r>
+            <a:r>
+              <a:rPr lang="en-US" dirty="0" smtClean="0"/>
+              <a:t> </a:t>
+            </a:r>
+            <a:r>
+              <a:rPr lang="en-US" dirty="0" err="1" smtClean="0"/>
+              <a:t>và</a:t>
+            </a:r>
+            <a:r>
+              <a:rPr lang="en-US" dirty="0" smtClean="0"/>
+              <a:t> </a:t>
+            </a:r>
+            <a:r>
+              <a:rPr lang="en-US" dirty="0" err="1" smtClean="0"/>
+              <a:t>biên</a:t>
+            </a:r>
+            <a:r>
+              <a:rPr lang="en-US" dirty="0" smtClean="0"/>
+              <a:t> </a:t>
+            </a:r>
+            <a:r>
+              <a:rPr lang="en-US" dirty="0" err="1" smtClean="0"/>
+              <a:t>dịch</a:t>
+            </a:r>
+            <a:r>
+              <a:rPr lang="en-US" dirty="0" smtClean="0"/>
+              <a:t> program object.</a:t>
+            </a:r>
+          </a:p>
+          <a:p>
+            <a:r>
+              <a:rPr lang="en-US" dirty="0" err="1" smtClean="0"/>
+              <a:t>Tạo</a:t>
+            </a:r>
+            <a:r>
+              <a:rPr lang="en-US" dirty="0" smtClean="0"/>
+              <a:t> memory object </a:t>
+            </a:r>
+            <a:r>
+              <a:rPr lang="en-US" dirty="0" err="1" smtClean="0"/>
+              <a:t>cho</a:t>
+            </a:r>
+            <a:r>
+              <a:rPr lang="en-US" dirty="0" smtClean="0"/>
+              <a:t> kernel.</a:t>
+            </a:r>
+          </a:p>
+          <a:p>
+            <a:r>
+              <a:rPr lang="en-US" dirty="0" err="1" smtClean="0"/>
+              <a:t>Tạo</a:t>
+            </a:r>
+            <a:r>
+              <a:rPr lang="en-US" dirty="0" smtClean="0"/>
+              <a:t> </a:t>
+            </a:r>
+            <a:r>
+              <a:rPr lang="en-US" dirty="0" err="1" smtClean="0"/>
+              <a:t>và</a:t>
+            </a:r>
+            <a:r>
+              <a:rPr lang="en-US" dirty="0" smtClean="0"/>
+              <a:t> </a:t>
+            </a:r>
+            <a:r>
+              <a:rPr lang="en-US" dirty="0" err="1" smtClean="0"/>
+              <a:t>thực</a:t>
+            </a:r>
+            <a:r>
+              <a:rPr lang="en-US" dirty="0" smtClean="0"/>
+              <a:t> </a:t>
+            </a:r>
+            <a:r>
+              <a:rPr lang="en-US" dirty="0" err="1" smtClean="0"/>
+              <a:t>thi</a:t>
+            </a:r>
+            <a:r>
+              <a:rPr lang="en-US" dirty="0" smtClean="0"/>
+              <a:t> kernel object.</a:t>
+            </a:r>
+          </a:p>
+          <a:p>
+            <a:r>
+              <a:rPr lang="en-US" dirty="0" err="1" smtClean="0"/>
+              <a:t>Đọc</a:t>
+            </a:r>
+            <a:r>
+              <a:rPr lang="en-US" dirty="0" smtClean="0"/>
+              <a:t> </a:t>
+            </a:r>
+            <a:r>
+              <a:rPr lang="en-US" dirty="0" err="1" smtClean="0"/>
+              <a:t>ghi</a:t>
+            </a:r>
+            <a:r>
+              <a:rPr lang="en-US" dirty="0" smtClean="0"/>
+              <a:t> buffer object.</a:t>
+            </a:r>
+          </a:p>
+          <a:p>
+            <a:r>
+              <a:rPr lang="en-US" dirty="0" err="1" smtClean="0"/>
+              <a:t>Dọn</a:t>
+            </a:r>
+            <a:r>
+              <a:rPr lang="en-US" dirty="0" smtClean="0"/>
+              <a:t> </a:t>
+            </a:r>
+            <a:r>
+              <a:rPr lang="en-US" dirty="0" err="1" smtClean="0"/>
+              <a:t>dẹp</a:t>
+            </a:r>
+            <a:r>
+              <a:rPr lang="en-US" dirty="0" smtClean="0"/>
+              <a:t> </a:t>
+            </a:r>
+            <a:r>
+              <a:rPr lang="en-US" dirty="0" err="1" smtClean="0"/>
+              <a:t>tài</a:t>
+            </a:r>
+            <a:r>
+              <a:rPr lang="en-US" dirty="0" smtClean="0"/>
+              <a:t> </a:t>
+            </a:r>
+            <a:r>
+              <a:rPr lang="en-US" dirty="0" err="1" smtClean="0"/>
+              <a:t>nguyên</a:t>
+            </a:r>
+            <a:r>
+              <a:rPr lang="en-US" dirty="0" smtClean="0"/>
+              <a:t>.</a:t>
+            </a:r>
+            <a:endParaRPr lang="en-US" dirty="0" smtClean="0"/>
+          </a:p>
+          <a:p>
+            <a:endParaRPr lang="en-US" dirty="0"/>
           </a:p>
         </p:txBody>
       </p:sp>
@@ -6664,10 +8084,22 @@
           <a:lstStyle/>
           <a:p>
             <a:r>
-              <a:rPr lang="en-US" smtClean="0"/>
-              <a:t>Tham khảo</a:t>
-            </a:r>
-            <a:endParaRPr lang="en-US"/>
+              <a:rPr lang="en-US" dirty="0" err="1" smtClean="0"/>
+              <a:t>Truy</a:t>
+            </a:r>
+            <a:r>
+              <a:rPr lang="en-US" dirty="0" smtClean="0"/>
+              <a:t> </a:t>
+            </a:r>
+            <a:r>
+              <a:rPr lang="en-US" dirty="0" err="1" smtClean="0"/>
+              <a:t>xuất</a:t>
+            </a:r>
+            <a:r>
+              <a:rPr lang="en-US" dirty="0" smtClean="0"/>
+              <a:t> platform</a:t>
+            </a:r>
+            <a:endParaRPr lang="en-US" dirty="0"/>
           </a:p>
         </p:txBody>
       </p:sp>
@@ -6683,20 +8115,237 @@
         </p:nvSpPr>
         <p:spPr/>
         <p:txBody>
-          <a:bodyPr/>
+          <a:bodyPr>
+            <a:normAutofit/>
+          </a:bodyPr>
           <a:lstStyle/>
           <a:p>
             <a:r>
-              <a:rPr lang="en-US"/>
-              <a:t>The OpenCL Specification version 2.0, Khronos OpenCL Working Group</a:t>
-            </a:r>
+              <a:rPr lang="en-US" dirty="0" smtClean="0"/>
+              <a:t> </a:t>
+            </a:r>
+            <a:r>
+              <a:rPr lang="en-US" dirty="0" err="1" smtClean="0"/>
+              <a:t>Truy</a:t>
+            </a:r>
+            <a:r>
+              <a:rPr lang="en-US" dirty="0" smtClean="0"/>
+              <a:t> </a:t>
+            </a:r>
+            <a:r>
+              <a:rPr lang="en-US" dirty="0" err="1" smtClean="0"/>
+              <a:t>xuất</a:t>
+            </a:r>
+            <a:r>
+              <a:rPr lang="en-US" dirty="0" smtClean="0"/>
+              <a:t> platform </a:t>
+            </a:r>
+            <a:r>
+              <a:rPr lang="en-US" dirty="0" err="1" smtClean="0"/>
+              <a:t>là</a:t>
+            </a:r>
+            <a:r>
+              <a:rPr lang="en-US" dirty="0" smtClean="0"/>
+              <a:t> </a:t>
+            </a:r>
+            <a:r>
+              <a:rPr lang="en-US" dirty="0" err="1" smtClean="0"/>
+              <a:t>bước</a:t>
+            </a:r>
+            <a:r>
+              <a:rPr lang="en-US" dirty="0" smtClean="0"/>
+              <a:t> </a:t>
+            </a:r>
+            <a:r>
+              <a:rPr lang="en-US" dirty="0" err="1" smtClean="0"/>
+              <a:t>đầu</a:t>
+            </a:r>
+            <a:r>
+              <a:rPr lang="en-US" dirty="0" smtClean="0"/>
+              <a:t> </a:t>
+            </a:r>
+            <a:r>
+              <a:rPr lang="en-US" dirty="0" err="1" smtClean="0"/>
+              <a:t>tiên</a:t>
+            </a:r>
+            <a:r>
+              <a:rPr lang="en-US" dirty="0" smtClean="0"/>
+              <a:t> </a:t>
+            </a:r>
+            <a:r>
+              <a:rPr lang="en-US" dirty="0" err="1" smtClean="0"/>
+              <a:t>để</a:t>
+            </a:r>
+            <a:r>
+              <a:rPr lang="en-US" dirty="0" smtClean="0"/>
+              <a:t> </a:t>
+            </a:r>
+            <a:r>
+              <a:rPr lang="en-US" dirty="0" err="1" smtClean="0"/>
+              <a:t>xác</a:t>
+            </a:r>
+            <a:r>
+              <a:rPr lang="en-US" dirty="0" smtClean="0"/>
+              <a:t> </a:t>
+            </a:r>
+            <a:r>
+              <a:rPr lang="en-US" dirty="0" err="1" smtClean="0"/>
+              <a:t>định</a:t>
+            </a:r>
+            <a:r>
+              <a:rPr lang="en-US" dirty="0" smtClean="0"/>
+              <a:t> </a:t>
+            </a:r>
+            <a:r>
+              <a:rPr lang="en-US" dirty="0" err="1" smtClean="0"/>
+              <a:t>môi</a:t>
+            </a:r>
+            <a:r>
+              <a:rPr lang="en-US" dirty="0" smtClean="0"/>
+              <a:t> </a:t>
+            </a:r>
+            <a:r>
+              <a:rPr lang="en-US" dirty="0" err="1" smtClean="0"/>
+              <a:t>trường</a:t>
+            </a:r>
+            <a:r>
+              <a:rPr lang="en-US" dirty="0" smtClean="0"/>
+              <a:t> </a:t>
+            </a:r>
+            <a:r>
+              <a:rPr lang="en-US" dirty="0" err="1" smtClean="0"/>
+              <a:t>thực</a:t>
+            </a:r>
+            <a:r>
+              <a:rPr lang="en-US" dirty="0" smtClean="0"/>
+              <a:t> </a:t>
+            </a:r>
+            <a:r>
+              <a:rPr lang="en-US" dirty="0" err="1" smtClean="0"/>
+              <a:t>thi</a:t>
+            </a:r>
+            <a:r>
+              <a:rPr lang="en-US" dirty="0" smtClean="0"/>
+              <a:t> </a:t>
+            </a:r>
+            <a:r>
+              <a:rPr lang="en-US" dirty="0" err="1" smtClean="0"/>
+              <a:t>của</a:t>
+            </a:r>
+            <a:r>
+              <a:rPr lang="en-US" dirty="0" smtClean="0"/>
+              <a:t> </a:t>
+            </a:r>
+            <a:r>
+              <a:rPr lang="en-US" dirty="0" err="1" smtClean="0"/>
+              <a:t>ứng</a:t>
+            </a:r>
+            <a:r>
+              <a:rPr lang="en-US" dirty="0" smtClean="0"/>
+              <a:t> </a:t>
+            </a:r>
+            <a:r>
+              <a:rPr lang="en-US" dirty="0" err="1" smtClean="0"/>
+              <a:t>dụng</a:t>
+            </a:r>
+            <a:r>
+              <a:rPr lang="en-US" dirty="0" smtClean="0"/>
+              <a:t>.  </a:t>
+            </a:r>
+          </a:p>
+          <a:p>
+            <a:r>
+              <a:rPr lang="en-US" dirty="0" smtClean="0"/>
+              <a:t>Platform </a:t>
+            </a:r>
+            <a:r>
+              <a:rPr lang="en-US" dirty="0" err="1" smtClean="0"/>
+              <a:t>bao</a:t>
+            </a:r>
+            <a:r>
+              <a:rPr lang="en-US" dirty="0" smtClean="0"/>
+              <a:t> </a:t>
+            </a:r>
+            <a:r>
+              <a:rPr lang="en-US" dirty="0" err="1" smtClean="0"/>
+              <a:t>gồm</a:t>
+            </a:r>
+            <a:r>
+              <a:rPr lang="en-US" dirty="0" smtClean="0"/>
+              <a:t> </a:t>
+            </a:r>
+            <a:r>
+              <a:rPr lang="en-US" dirty="0" err="1" smtClean="0"/>
+              <a:t>thông</a:t>
+            </a:r>
+            <a:r>
+              <a:rPr lang="en-US" dirty="0" smtClean="0"/>
+              <a:t> tin </a:t>
+            </a:r>
+            <a:r>
+              <a:rPr lang="en-US" dirty="0" err="1" smtClean="0"/>
+              <a:t>về</a:t>
+            </a:r>
+            <a:r>
+              <a:rPr lang="en-US" dirty="0" smtClean="0"/>
+              <a:t> </a:t>
+            </a:r>
+            <a:r>
+              <a:rPr lang="en-US" dirty="0" err="1" smtClean="0"/>
+              <a:t>hệ</a:t>
+            </a:r>
+            <a:r>
+              <a:rPr lang="en-US" dirty="0" smtClean="0"/>
+              <a:t> </a:t>
+            </a:r>
+            <a:r>
+              <a:rPr lang="en-US" dirty="0" err="1" smtClean="0"/>
+              <a:t>điều</a:t>
+            </a:r>
+            <a:r>
+              <a:rPr lang="en-US" dirty="0" smtClean="0"/>
+              <a:t> </a:t>
+            </a:r>
+            <a:r>
+              <a:rPr lang="en-US" dirty="0" err="1" smtClean="0"/>
+              <a:t>hành</a:t>
+            </a:r>
+            <a:r>
+              <a:rPr lang="en-US" dirty="0" smtClean="0"/>
+              <a:t>, </a:t>
+            </a:r>
+            <a:r>
+              <a:rPr lang="en-US" dirty="0" err="1" smtClean="0"/>
+              <a:t>phiên</a:t>
+            </a:r>
+            <a:r>
+              <a:rPr lang="en-US" dirty="0" smtClean="0"/>
+              <a:t> </a:t>
+            </a:r>
+            <a:r>
+              <a:rPr lang="en-US" dirty="0" err="1" smtClean="0"/>
+              <a:t>bản</a:t>
+            </a:r>
+            <a:r>
+              <a:rPr lang="en-US" dirty="0" smtClean="0"/>
+              <a:t> </a:t>
+            </a:r>
+            <a:r>
+              <a:rPr lang="en-US" dirty="0" err="1" smtClean="0"/>
+              <a:t>opencl</a:t>
+            </a:r>
+            <a:r>
+              <a:rPr lang="en-US" dirty="0" smtClean="0"/>
+              <a:t>, ….</a:t>
+            </a:r>
+            <a:endParaRPr lang="en-US" dirty="0"/>
           </a:p>
         </p:txBody>
       </p:sp>
     </p:spTree>
     <p:extLst>
       <p:ext uri="{BB962C8B-B14F-4D97-AF65-F5344CB8AC3E}">
-        <p14:creationId xmlns:p14="http://schemas.microsoft.com/office/powerpoint/2010/main" val="3485887039"/>
+        <p14:creationId xmlns:p14="http://schemas.microsoft.com/office/powerpoint/2010/main" val="2289623872"/>
       </p:ext>
     </p:extLst>
   </p:cSld>
@@ -6740,29 +8389,132 @@
             <p:ph type="title"/>
           </p:nvPr>
         </p:nvSpPr>
-        <p:spPr>
-          <a:xfrm>
-            <a:off x="1380207" y="3298949"/>
-            <a:ext cx="9404723" cy="1400530"/>
-          </a:xfrm>
-        </p:spPr>
+        <p:spPr/>
         <p:txBody>
           <a:bodyPr/>
           <a:lstStyle/>
           <a:p>
-            <a:pPr algn="ctr"/>
-            <a:r>
-              <a:rPr lang="en-US" smtClean="0"/>
-              <a:t>THE END.</a:t>
-            </a:r>
-            <a:endParaRPr lang="en-US"/>
+            <a:r>
+              <a:rPr lang="en-US" dirty="0" err="1" smtClean="0"/>
+              <a:t>Truy</a:t>
+            </a:r>
+            <a:r>
+              <a:rPr lang="en-US" dirty="0" smtClean="0"/>
+              <a:t> </a:t>
+            </a:r>
+            <a:r>
+              <a:rPr lang="en-US" dirty="0" err="1" smtClean="0"/>
+              <a:t>xuất</a:t>
+            </a:r>
+            <a:r>
+              <a:rPr lang="en-US" dirty="0" smtClean="0"/>
+              <a:t> platform</a:t>
+            </a:r>
+            <a:endParaRPr lang="en-US" dirty="0"/>
+          </a:p>
+        </p:txBody>
+      </p:sp>
+      <p:sp>
+        <p:nvSpPr>
+          <p:cNvPr id="3" name="Content Placeholder 2"/>
+          <p:cNvSpPr>
+            <a:spLocks noGrp="1"/>
+          </p:cNvSpPr>
+          <p:nvPr>
+            <p:ph idx="1"/>
+          </p:nvPr>
+        </p:nvSpPr>
+        <p:spPr/>
+        <p:txBody>
+          <a:bodyPr>
+            <a:normAutofit/>
+          </a:bodyPr>
+          <a:lstStyle/>
+          <a:p>
+            <a:r>
+              <a:rPr lang="en-US" dirty="0" err="1"/>
+              <a:t>cl_int</a:t>
+            </a:r>
+            <a:r>
+              <a:rPr lang="en-US" dirty="0"/>
+              <a:t> </a:t>
+            </a:r>
+            <a:r>
+              <a:rPr lang="en-US" b="1" dirty="0" err="1"/>
+              <a:t>clGetPlatformIDs</a:t>
+            </a:r>
+            <a:r>
+              <a:rPr lang="en-US" b="1" dirty="0"/>
+              <a:t> </a:t>
+            </a:r>
+            <a:r>
+              <a:rPr lang="en-US" dirty="0"/>
+              <a:t>(</a:t>
+            </a:r>
+            <a:r>
+              <a:rPr lang="en-US" dirty="0" err="1"/>
+              <a:t>cl_uint</a:t>
+            </a:r>
+            <a:r>
+              <a:rPr lang="en-US" dirty="0"/>
+              <a:t> </a:t>
+            </a:r>
+            <a:r>
+              <a:rPr lang="en-US" i="1" dirty="0" err="1" smtClean="0"/>
+              <a:t>num_entries</a:t>
+            </a:r>
+            <a:r>
+              <a:rPr lang="en-US" dirty="0" smtClean="0"/>
+              <a:t>, </a:t>
+            </a:r>
+            <a:r>
+              <a:rPr lang="en-US" dirty="0" err="1" smtClean="0"/>
+              <a:t>cl_platform_id</a:t>
+            </a:r>
+            <a:r>
+              <a:rPr lang="en-US" dirty="0" smtClean="0"/>
+              <a:t> </a:t>
+            </a:r>
+            <a:r>
+              <a:rPr lang="en-US" dirty="0"/>
+              <a:t>*</a:t>
+            </a:r>
+            <a:r>
+              <a:rPr lang="en-US" i="1" dirty="0" smtClean="0"/>
+              <a:t>platforms</a:t>
+            </a:r>
+            <a:r>
+              <a:rPr lang="en-US" dirty="0" smtClean="0"/>
+              <a:t>, </a:t>
+            </a:r>
+            <a:r>
+              <a:rPr lang="en-US" dirty="0" err="1" smtClean="0"/>
+              <a:t>cl_uint</a:t>
+            </a:r>
+            <a:r>
+              <a:rPr lang="en-US" dirty="0" smtClean="0"/>
+              <a:t> </a:t>
+            </a:r>
+            <a:r>
+              <a:rPr lang="en-US" dirty="0"/>
+              <a:t>*</a:t>
+            </a:r>
+            <a:r>
+              <a:rPr lang="en-US" i="1" dirty="0" err="1"/>
+              <a:t>num_platforms</a:t>
+            </a:r>
+            <a:r>
+              <a:rPr lang="en-US" dirty="0"/>
+              <a:t>)</a:t>
+            </a:r>
+            <a:endParaRPr lang="en-US" dirty="0"/>
           </a:p>
         </p:txBody>
       </p:sp>
     </p:spTree>
     <p:extLst>
       <p:ext uri="{BB962C8B-B14F-4D97-AF65-F5344CB8AC3E}">
-        <p14:creationId xmlns:p14="http://schemas.microsoft.com/office/powerpoint/2010/main" val="3533468713"/>
+        <p14:creationId xmlns:p14="http://schemas.microsoft.com/office/powerpoint/2010/main" val="1668447249"/>
       </p:ext>
     </p:extLst>
   </p:cSld>
@@ -6776,6 +8528,618 @@
       </p:par>
     </p:tnLst>
   </p:timing>
+</p:sld>
+</file>
+
+<file path=ppt/slides/slide18.xml><?xml version="1.0" encoding="utf-8"?>
+<p:sld xmlns:a="http://schemas.openxmlformats.org/drawingml/2006/main" xmlns:r="http://schemas.openxmlformats.org/officeDocument/2006/relationships" xmlns:p="http://schemas.openxmlformats.org/presentationml/2006/main">
+  <p:cSld>
+    <p:spTree>
+      <p:nvGrpSpPr>
+        <p:cNvPr id="1" name=""/>
+        <p:cNvGrpSpPr/>
+        <p:nvPr/>
+      </p:nvGrpSpPr>
+      <p:grpSpPr>
+        <a:xfrm>
+          <a:off x="0" y="0"/>
+          <a:ext cx="0" cy="0"/>
+          <a:chOff x="0" y="0"/>
+          <a:chExt cx="0" cy="0"/>
+        </a:xfrm>
+      </p:grpSpPr>
+      <p:sp>
+        <p:nvSpPr>
+          <p:cNvPr id="2" name="Title 1"/>
+          <p:cNvSpPr>
+            <a:spLocks noGrp="1"/>
+          </p:cNvSpPr>
+          <p:nvPr>
+            <p:ph type="title"/>
+          </p:nvPr>
+        </p:nvSpPr>
+        <p:spPr/>
+        <p:txBody>
+          <a:bodyPr/>
+          <a:lstStyle/>
+          <a:p>
+            <a:r>
+              <a:rPr lang="en-US" dirty="0" err="1" smtClean="0"/>
+              <a:t>Truy</a:t>
+            </a:r>
+            <a:r>
+              <a:rPr lang="en-US" dirty="0" smtClean="0"/>
+              <a:t> </a:t>
+            </a:r>
+            <a:r>
+              <a:rPr lang="en-US" dirty="0" err="1" smtClean="0"/>
+              <a:t>xuất</a:t>
+            </a:r>
+            <a:r>
+              <a:rPr lang="en-US" dirty="0" smtClean="0"/>
+              <a:t> devices</a:t>
+            </a:r>
+            <a:endParaRPr lang="en-US" dirty="0"/>
+          </a:p>
+        </p:txBody>
+      </p:sp>
+      <p:sp>
+        <p:nvSpPr>
+          <p:cNvPr id="3" name="Content Placeholder 2"/>
+          <p:cNvSpPr>
+            <a:spLocks noGrp="1"/>
+          </p:cNvSpPr>
+          <p:nvPr>
+            <p:ph idx="1"/>
+          </p:nvPr>
+        </p:nvSpPr>
+        <p:spPr/>
+        <p:txBody>
+          <a:bodyPr/>
+          <a:lstStyle/>
+          <a:p>
+            <a:r>
+              <a:rPr lang="en-US" dirty="0" err="1"/>
+              <a:t>Đây</a:t>
+            </a:r>
+            <a:r>
+              <a:rPr lang="en-US" dirty="0"/>
+              <a:t> </a:t>
+            </a:r>
+            <a:r>
+              <a:rPr lang="en-US" dirty="0" err="1"/>
+              <a:t>là</a:t>
+            </a:r>
+            <a:r>
+              <a:rPr lang="en-US" dirty="0"/>
+              <a:t> </a:t>
+            </a:r>
+            <a:r>
+              <a:rPr lang="en-US" dirty="0" err="1"/>
+              <a:t>bước</a:t>
+            </a:r>
+            <a:r>
+              <a:rPr lang="en-US" dirty="0"/>
+              <a:t> </a:t>
+            </a:r>
+            <a:r>
+              <a:rPr lang="en-US" dirty="0" err="1"/>
+              <a:t>xác</a:t>
+            </a:r>
+            <a:r>
+              <a:rPr lang="en-US" dirty="0"/>
+              <a:t> </a:t>
+            </a:r>
+            <a:r>
+              <a:rPr lang="en-US" dirty="0" err="1"/>
+              <a:t>định</a:t>
+            </a:r>
+            <a:r>
+              <a:rPr lang="en-US" dirty="0"/>
+              <a:t> </a:t>
+            </a:r>
+            <a:r>
+              <a:rPr lang="en-US" dirty="0" err="1"/>
+              <a:t>xem</a:t>
+            </a:r>
+            <a:r>
+              <a:rPr lang="en-US" dirty="0"/>
+              <a:t> </a:t>
+            </a:r>
+            <a:r>
+              <a:rPr lang="en-US" dirty="0" err="1"/>
+              <a:t>chương</a:t>
+            </a:r>
+            <a:r>
+              <a:rPr lang="en-US" dirty="0"/>
+              <a:t> </a:t>
+            </a:r>
+            <a:r>
+              <a:rPr lang="en-US" dirty="0" err="1"/>
+              <a:t>trình</a:t>
+            </a:r>
+            <a:r>
+              <a:rPr lang="en-US" dirty="0"/>
+              <a:t> </a:t>
+            </a:r>
+            <a:r>
+              <a:rPr lang="en-US" dirty="0" err="1"/>
+              <a:t>sẽ</a:t>
+            </a:r>
+            <a:r>
+              <a:rPr lang="en-US" dirty="0"/>
+              <a:t> </a:t>
+            </a:r>
+            <a:r>
+              <a:rPr lang="en-US" dirty="0" err="1"/>
+              <a:t>được</a:t>
+            </a:r>
+            <a:r>
+              <a:rPr lang="en-US" dirty="0"/>
+              <a:t> </a:t>
+            </a:r>
+            <a:r>
+              <a:rPr lang="en-US" dirty="0" err="1"/>
+              <a:t>thực</a:t>
+            </a:r>
+            <a:r>
+              <a:rPr lang="en-US" dirty="0"/>
+              <a:t> </a:t>
+            </a:r>
+            <a:r>
+              <a:rPr lang="en-US" dirty="0" err="1"/>
+              <a:t>thi</a:t>
+            </a:r>
+            <a:r>
+              <a:rPr lang="en-US" dirty="0"/>
+              <a:t> </a:t>
+            </a:r>
+            <a:r>
+              <a:rPr lang="en-US" dirty="0" err="1"/>
+              <a:t>trên</a:t>
+            </a:r>
+            <a:r>
+              <a:rPr lang="en-US" dirty="0"/>
+              <a:t> device </a:t>
+            </a:r>
+            <a:r>
+              <a:rPr lang="en-US" dirty="0" err="1"/>
+              <a:t>nào</a:t>
+            </a:r>
+            <a:r>
+              <a:rPr lang="en-US" dirty="0" smtClean="0"/>
+              <a:t>.</a:t>
+            </a:r>
+          </a:p>
+          <a:p>
+            <a:r>
+              <a:rPr lang="en-US" dirty="0" err="1" smtClean="0"/>
+              <a:t>Opencl</a:t>
+            </a:r>
+            <a:r>
+              <a:rPr lang="en-US" dirty="0" smtClean="0"/>
+              <a:t> </a:t>
+            </a:r>
+            <a:r>
+              <a:rPr lang="en-US" dirty="0" err="1" smtClean="0"/>
+              <a:t>hỗ</a:t>
+            </a:r>
+            <a:r>
+              <a:rPr lang="en-US" dirty="0" smtClean="0"/>
+              <a:t> </a:t>
+            </a:r>
+            <a:r>
+              <a:rPr lang="en-US" dirty="0" err="1" smtClean="0"/>
+              <a:t>trợ</a:t>
+            </a:r>
+            <a:r>
+              <a:rPr lang="en-US" dirty="0" smtClean="0"/>
+              <a:t> </a:t>
+            </a:r>
+            <a:r>
+              <a:rPr lang="en-US" dirty="0" err="1" smtClean="0"/>
+              <a:t>truy</a:t>
+            </a:r>
+            <a:r>
+              <a:rPr lang="en-US" dirty="0" smtClean="0"/>
+              <a:t> </a:t>
+            </a:r>
+            <a:r>
+              <a:rPr lang="en-US" dirty="0" err="1" smtClean="0"/>
+              <a:t>xuất</a:t>
+            </a:r>
+            <a:r>
+              <a:rPr lang="en-US" dirty="0" smtClean="0"/>
+              <a:t> 2 </a:t>
+            </a:r>
+            <a:r>
+              <a:rPr lang="en-US" dirty="0" err="1" smtClean="0"/>
+              <a:t>loại</a:t>
+            </a:r>
+            <a:r>
+              <a:rPr lang="en-US" dirty="0" smtClean="0"/>
+              <a:t> device: CPU </a:t>
+            </a:r>
+            <a:r>
+              <a:rPr lang="en-US" dirty="0" err="1" smtClean="0"/>
+              <a:t>và</a:t>
+            </a:r>
+            <a:r>
+              <a:rPr lang="en-US" dirty="0" smtClean="0"/>
+              <a:t> GPU.</a:t>
+            </a:r>
+          </a:p>
+          <a:p>
+            <a:r>
+              <a:rPr lang="en-US" dirty="0" err="1" smtClean="0"/>
+              <a:t>Thông</a:t>
+            </a:r>
+            <a:r>
+              <a:rPr lang="en-US" dirty="0" smtClean="0"/>
+              <a:t> tin </a:t>
+            </a:r>
+            <a:r>
+              <a:rPr lang="en-US" dirty="0" err="1" smtClean="0"/>
+              <a:t>về</a:t>
+            </a:r>
+            <a:r>
+              <a:rPr lang="en-US" dirty="0" smtClean="0"/>
+              <a:t> 1 device </a:t>
+            </a:r>
+            <a:r>
+              <a:rPr lang="en-US" dirty="0" err="1" smtClean="0"/>
+              <a:t>bao</a:t>
+            </a:r>
+            <a:r>
+              <a:rPr lang="en-US" dirty="0" smtClean="0"/>
+              <a:t> </a:t>
+            </a:r>
+            <a:r>
+              <a:rPr lang="en-US" dirty="0" err="1" smtClean="0"/>
+              <a:t>gồm</a:t>
+            </a:r>
+            <a:r>
+              <a:rPr lang="en-US" dirty="0" smtClean="0"/>
+              <a:t> ID, </a:t>
+            </a:r>
+            <a:r>
+              <a:rPr lang="en-US" dirty="0" err="1" smtClean="0"/>
+              <a:t>số</a:t>
+            </a:r>
+            <a:r>
+              <a:rPr lang="en-US" dirty="0" smtClean="0"/>
+              <a:t> </a:t>
+            </a:r>
+            <a:r>
+              <a:rPr lang="en-US" dirty="0" err="1" smtClean="0"/>
+              <a:t>lượng</a:t>
+            </a:r>
+            <a:r>
+              <a:rPr lang="en-US" dirty="0" smtClean="0"/>
+              <a:t> compute unit,  </a:t>
+            </a:r>
+            <a:r>
+              <a:rPr lang="en-US" dirty="0" err="1" smtClean="0"/>
+              <a:t>số</a:t>
+            </a:r>
+            <a:r>
+              <a:rPr lang="en-US" dirty="0" smtClean="0"/>
+              <a:t> </a:t>
+            </a:r>
+            <a:r>
+              <a:rPr lang="en-US" dirty="0" err="1" smtClean="0"/>
+              <a:t>chiều</a:t>
+            </a:r>
+            <a:r>
+              <a:rPr lang="en-US" dirty="0" smtClean="0"/>
+              <a:t> </a:t>
+            </a:r>
+            <a:r>
+              <a:rPr lang="en-US" dirty="0" err="1" smtClean="0"/>
+              <a:t>cho</a:t>
+            </a:r>
+            <a:r>
+              <a:rPr lang="en-US" dirty="0" smtClean="0"/>
+              <a:t> global/local work item, </a:t>
+            </a:r>
+            <a:r>
+              <a:rPr lang="en-US" dirty="0" err="1" smtClean="0"/>
+              <a:t>số</a:t>
+            </a:r>
+            <a:r>
+              <a:rPr lang="en-US" dirty="0" smtClean="0"/>
+              <a:t> work item </a:t>
+            </a:r>
+            <a:r>
+              <a:rPr lang="en-US" dirty="0" err="1" smtClean="0"/>
+              <a:t>trong</a:t>
+            </a:r>
+            <a:r>
+              <a:rPr lang="en-US" dirty="0" smtClean="0"/>
+              <a:t> 1 </a:t>
+            </a:r>
+            <a:r>
+              <a:rPr lang="en-US" dirty="0" err="1" smtClean="0"/>
+              <a:t>chiều</a:t>
+            </a:r>
+            <a:r>
+              <a:rPr lang="en-US" dirty="0" smtClean="0"/>
+              <a:t> </a:t>
+            </a:r>
+            <a:r>
+              <a:rPr lang="en-US" dirty="0" err="1" smtClean="0"/>
+              <a:t>và</a:t>
+            </a:r>
+            <a:r>
+              <a:rPr lang="en-US" dirty="0" smtClean="0"/>
+              <a:t> </a:t>
+            </a:r>
+            <a:r>
+              <a:rPr lang="en-US" dirty="0" err="1" smtClean="0"/>
+              <a:t>số</a:t>
+            </a:r>
+            <a:r>
+              <a:rPr lang="en-US" dirty="0" smtClean="0"/>
+              <a:t> work item </a:t>
+            </a:r>
+            <a:r>
+              <a:rPr lang="en-US" dirty="0" err="1" smtClean="0"/>
+              <a:t>trong</a:t>
+            </a:r>
+            <a:r>
+              <a:rPr lang="en-US" dirty="0" smtClean="0"/>
+              <a:t> 1 work group.</a:t>
+            </a:r>
+          </a:p>
+          <a:p>
+            <a:endParaRPr lang="en-US" dirty="0" smtClean="0"/>
+          </a:p>
+        </p:txBody>
+      </p:sp>
+    </p:spTree>
+    <p:extLst>
+      <p:ext uri="{BB962C8B-B14F-4D97-AF65-F5344CB8AC3E}">
+        <p14:creationId xmlns:p14="http://schemas.microsoft.com/office/powerpoint/2010/main" val="1142087431"/>
+      </p:ext>
+    </p:extLst>
+  </p:cSld>
+  <p:clrMapOvr>
+    <a:masterClrMapping/>
+  </p:clrMapOvr>
+</p:sld>
+</file>
+
+<file path=ppt/slides/slide19.xml><?xml version="1.0" encoding="utf-8"?>
+<p:sld xmlns:a="http://schemas.openxmlformats.org/drawingml/2006/main" xmlns:r="http://schemas.openxmlformats.org/officeDocument/2006/relationships" xmlns:p="http://schemas.openxmlformats.org/presentationml/2006/main">
+  <p:cSld>
+    <p:spTree>
+      <p:nvGrpSpPr>
+        <p:cNvPr id="1" name=""/>
+        <p:cNvGrpSpPr/>
+        <p:nvPr/>
+      </p:nvGrpSpPr>
+      <p:grpSpPr>
+        <a:xfrm>
+          <a:off x="0" y="0"/>
+          <a:ext cx="0" cy="0"/>
+          <a:chOff x="0" y="0"/>
+          <a:chExt cx="0" cy="0"/>
+        </a:xfrm>
+      </p:grpSpPr>
+      <p:sp>
+        <p:nvSpPr>
+          <p:cNvPr id="2" name="Title 1"/>
+          <p:cNvSpPr>
+            <a:spLocks noGrp="1"/>
+          </p:cNvSpPr>
+          <p:nvPr>
+            <p:ph type="title"/>
+          </p:nvPr>
+        </p:nvSpPr>
+        <p:spPr/>
+        <p:txBody>
+          <a:bodyPr/>
+          <a:lstStyle/>
+          <a:p>
+            <a:r>
+              <a:rPr lang="en-US" dirty="0" err="1" smtClean="0"/>
+              <a:t>Truy</a:t>
+            </a:r>
+            <a:r>
+              <a:rPr lang="en-US" dirty="0" smtClean="0"/>
+              <a:t> </a:t>
+            </a:r>
+            <a:r>
+              <a:rPr lang="en-US" dirty="0" err="1" smtClean="0"/>
+              <a:t>xuất</a:t>
+            </a:r>
+            <a:r>
+              <a:rPr lang="en-US" dirty="0" smtClean="0"/>
+              <a:t> devices</a:t>
+            </a:r>
+            <a:endParaRPr lang="en-US" dirty="0"/>
+          </a:p>
+        </p:txBody>
+      </p:sp>
+      <p:sp>
+        <p:nvSpPr>
+          <p:cNvPr id="3" name="Content Placeholder 2"/>
+          <p:cNvSpPr>
+            <a:spLocks noGrp="1"/>
+          </p:cNvSpPr>
+          <p:nvPr>
+            <p:ph idx="1"/>
+          </p:nvPr>
+        </p:nvSpPr>
+        <p:spPr/>
+        <p:txBody>
+          <a:bodyPr>
+            <a:normAutofit/>
+          </a:bodyPr>
+          <a:lstStyle/>
+          <a:p>
+            <a:r>
+              <a:rPr lang="en-US" dirty="0" err="1"/>
+              <a:t>cl_int</a:t>
+            </a:r>
+            <a:r>
+              <a:rPr lang="en-US" dirty="0"/>
+              <a:t> </a:t>
+            </a:r>
+            <a:r>
+              <a:rPr lang="en-US" b="1" dirty="0"/>
+              <a:t>clGetDeviceIDs4 </a:t>
+            </a:r>
+            <a:r>
+              <a:rPr lang="en-US" dirty="0"/>
+              <a:t>(</a:t>
+            </a:r>
+            <a:r>
+              <a:rPr lang="en-US" dirty="0" err="1"/>
+              <a:t>cl_platform_id</a:t>
+            </a:r>
+            <a:r>
+              <a:rPr lang="en-US" dirty="0"/>
+              <a:t> </a:t>
+            </a:r>
+            <a:r>
+              <a:rPr lang="en-US" i="1" dirty="0" smtClean="0"/>
+              <a:t>platform</a:t>
+            </a:r>
+            <a:r>
+              <a:rPr lang="en-US" dirty="0" smtClean="0"/>
+              <a:t>, </a:t>
+            </a:r>
+            <a:r>
+              <a:rPr lang="en-US" dirty="0" err="1" smtClean="0"/>
+              <a:t>cl_device_type</a:t>
+            </a:r>
+            <a:r>
+              <a:rPr lang="en-US" dirty="0" smtClean="0"/>
+              <a:t> </a:t>
+            </a:r>
+            <a:r>
+              <a:rPr lang="en-US" i="1" dirty="0" err="1" smtClean="0"/>
+              <a:t>device_type</a:t>
+            </a:r>
+            <a:r>
+              <a:rPr lang="en-US" i="1" dirty="0" smtClean="0"/>
+              <a:t>, </a:t>
+            </a:r>
+            <a:r>
+              <a:rPr lang="en-US" dirty="0" err="1" smtClean="0"/>
+              <a:t>cl_uint</a:t>
+            </a:r>
+            <a:r>
+              <a:rPr lang="en-US" dirty="0" smtClean="0"/>
+              <a:t> </a:t>
+            </a:r>
+            <a:r>
+              <a:rPr lang="en-US" i="1" dirty="0" err="1" smtClean="0"/>
+              <a:t>num_entries</a:t>
+            </a:r>
+            <a:r>
+              <a:rPr lang="en-US" dirty="0" smtClean="0"/>
+              <a:t>, </a:t>
+            </a:r>
+            <a:r>
+              <a:rPr lang="en-US" dirty="0" err="1" smtClean="0"/>
+              <a:t>cl_device_id</a:t>
+            </a:r>
+            <a:r>
+              <a:rPr lang="en-US" dirty="0" smtClean="0"/>
+              <a:t> </a:t>
+            </a:r>
+            <a:r>
+              <a:rPr lang="en-US" dirty="0"/>
+              <a:t>*</a:t>
+            </a:r>
+            <a:r>
+              <a:rPr lang="en-US" i="1" dirty="0" smtClean="0"/>
+              <a:t>devices</a:t>
+            </a:r>
+            <a:r>
+              <a:rPr lang="en-US" dirty="0" smtClean="0"/>
+              <a:t>, </a:t>
+            </a:r>
+            <a:r>
+              <a:rPr lang="en-US" dirty="0" err="1" smtClean="0"/>
+              <a:t>cl_uint</a:t>
+            </a:r>
+            <a:r>
+              <a:rPr lang="en-US" dirty="0" smtClean="0"/>
+              <a:t> </a:t>
+            </a:r>
+            <a:r>
+              <a:rPr lang="en-US" dirty="0"/>
+              <a:t>*</a:t>
+            </a:r>
+            <a:r>
+              <a:rPr lang="en-US" i="1" dirty="0" err="1"/>
+              <a:t>num_devices</a:t>
+            </a:r>
+            <a:r>
+              <a:rPr lang="en-US" dirty="0" smtClean="0"/>
+              <a:t>)</a:t>
+            </a:r>
+          </a:p>
+          <a:p>
+            <a:r>
+              <a:rPr lang="en-US" dirty="0" smtClean="0"/>
+              <a:t>2 device type </a:t>
+            </a:r>
+            <a:r>
+              <a:rPr lang="en-US" dirty="0" err="1" smtClean="0"/>
+              <a:t>thường</a:t>
+            </a:r>
+            <a:r>
+              <a:rPr lang="en-US" dirty="0" smtClean="0"/>
+              <a:t> </a:t>
+            </a:r>
+            <a:r>
+              <a:rPr lang="en-US" dirty="0" err="1" smtClean="0"/>
+              <a:t>dùng</a:t>
+            </a:r>
+            <a:r>
+              <a:rPr lang="en-US" dirty="0" smtClean="0"/>
+              <a:t> </a:t>
+            </a:r>
+            <a:r>
+              <a:rPr lang="en-US" dirty="0" err="1" smtClean="0"/>
+              <a:t>là</a:t>
+            </a:r>
+            <a:r>
+              <a:rPr lang="en-US" dirty="0" smtClean="0"/>
+              <a:t>:</a:t>
+            </a:r>
+          </a:p>
+          <a:p>
+            <a:pPr lvl="1"/>
+            <a:r>
+              <a:rPr lang="en-US" b="1" dirty="0" smtClean="0"/>
+              <a:t>CL_DEVICE_TYPE_CPU</a:t>
+            </a:r>
+          </a:p>
+          <a:p>
+            <a:pPr lvl="1"/>
+            <a:r>
+              <a:rPr lang="en-US" b="1" dirty="0"/>
+              <a:t>CL_DEVICE_TYPE_GPU</a:t>
+            </a:r>
+            <a:endParaRPr lang="en-US" dirty="0"/>
+          </a:p>
+        </p:txBody>
+      </p:sp>
+    </p:spTree>
+    <p:extLst>
+      <p:ext uri="{BB962C8B-B14F-4D97-AF65-F5344CB8AC3E}">
+        <p14:creationId xmlns:p14="http://schemas.microsoft.com/office/powerpoint/2010/main" val="1770890114"/>
+      </p:ext>
+    </p:extLst>
+  </p:cSld>
+  <p:clrMapOvr>
+    <a:masterClrMapping/>
+  </p:clrMapOvr>
 </p:sld>
 </file>
 
@@ -6874,6 +9238,3565 @@
 </p:sld>
 </file>
 
+<file path=ppt/slides/slide20.xml><?xml version="1.0" encoding="utf-8"?>
+<p:sld xmlns:a="http://schemas.openxmlformats.org/drawingml/2006/main" xmlns:r="http://schemas.openxmlformats.org/officeDocument/2006/relationships" xmlns:p="http://schemas.openxmlformats.org/presentationml/2006/main">
+  <p:cSld>
+    <p:spTree>
+      <p:nvGrpSpPr>
+        <p:cNvPr id="1" name=""/>
+        <p:cNvGrpSpPr/>
+        <p:nvPr/>
+      </p:nvGrpSpPr>
+      <p:grpSpPr>
+        <a:xfrm>
+          <a:off x="0" y="0"/>
+          <a:ext cx="0" cy="0"/>
+          <a:chOff x="0" y="0"/>
+          <a:chExt cx="0" cy="0"/>
+        </a:xfrm>
+      </p:grpSpPr>
+      <p:sp>
+        <p:nvSpPr>
+          <p:cNvPr id="2" name="Title 1"/>
+          <p:cNvSpPr>
+            <a:spLocks noGrp="1"/>
+          </p:cNvSpPr>
+          <p:nvPr>
+            <p:ph type="title"/>
+          </p:nvPr>
+        </p:nvSpPr>
+        <p:spPr/>
+        <p:txBody>
+          <a:bodyPr/>
+          <a:lstStyle/>
+          <a:p>
+            <a:r>
+              <a:rPr lang="en-US" dirty="0" err="1" smtClean="0"/>
+              <a:t>Tạo</a:t>
+            </a:r>
+            <a:r>
+              <a:rPr lang="en-US" dirty="0" smtClean="0"/>
+              <a:t> context </a:t>
+            </a:r>
+            <a:r>
+              <a:rPr lang="en-US" dirty="0" err="1" smtClean="0"/>
+              <a:t>và</a:t>
+            </a:r>
+            <a:r>
+              <a:rPr lang="en-US" dirty="0" smtClean="0"/>
+              <a:t> command queue</a:t>
+            </a:r>
+            <a:endParaRPr lang="en-US" dirty="0"/>
+          </a:p>
+        </p:txBody>
+      </p:sp>
+      <p:sp>
+        <p:nvSpPr>
+          <p:cNvPr id="3" name="Content Placeholder 2"/>
+          <p:cNvSpPr>
+            <a:spLocks noGrp="1"/>
+          </p:cNvSpPr>
+          <p:nvPr>
+            <p:ph idx="1"/>
+          </p:nvPr>
+        </p:nvSpPr>
+        <p:spPr/>
+        <p:txBody>
+          <a:bodyPr/>
+          <a:lstStyle/>
+          <a:p>
+            <a:r>
+              <a:rPr lang="en-US" dirty="0" err="1" smtClean="0"/>
+              <a:t>OpenCl</a:t>
+            </a:r>
+            <a:r>
+              <a:rPr lang="en-US" dirty="0" smtClean="0"/>
+              <a:t> run time </a:t>
+            </a:r>
+            <a:r>
+              <a:rPr lang="en-US" dirty="0" err="1" smtClean="0"/>
+              <a:t>sử</a:t>
+            </a:r>
+            <a:r>
+              <a:rPr lang="en-US" dirty="0" smtClean="0"/>
+              <a:t> </a:t>
+            </a:r>
+            <a:r>
+              <a:rPr lang="en-US" dirty="0" err="1" smtClean="0"/>
+              <a:t>dụng</a:t>
+            </a:r>
+            <a:r>
+              <a:rPr lang="en-US" dirty="0" smtClean="0"/>
+              <a:t> context </a:t>
+            </a:r>
+            <a:r>
+              <a:rPr lang="en-US" dirty="0" err="1" smtClean="0"/>
+              <a:t>để</a:t>
+            </a:r>
+            <a:r>
+              <a:rPr lang="en-US" dirty="0" smtClean="0"/>
+              <a:t> </a:t>
+            </a:r>
+            <a:r>
+              <a:rPr lang="en-US" dirty="0" err="1" smtClean="0"/>
+              <a:t>quản</a:t>
+            </a:r>
+            <a:r>
+              <a:rPr lang="en-US" dirty="0" smtClean="0"/>
+              <a:t> </a:t>
+            </a:r>
+            <a:r>
+              <a:rPr lang="en-US" dirty="0" err="1" smtClean="0"/>
+              <a:t>lý</a:t>
+            </a:r>
+            <a:r>
+              <a:rPr lang="en-US" dirty="0" smtClean="0"/>
+              <a:t> </a:t>
+            </a:r>
+            <a:r>
+              <a:rPr lang="en-US" dirty="0" err="1" smtClean="0"/>
+              <a:t>các</a:t>
+            </a:r>
+            <a:r>
+              <a:rPr lang="en-US" dirty="0" smtClean="0"/>
+              <a:t> object </a:t>
+            </a:r>
+            <a:r>
+              <a:rPr lang="en-US" dirty="0" err="1" smtClean="0"/>
+              <a:t>như</a:t>
+            </a:r>
+            <a:r>
+              <a:rPr lang="en-US" dirty="0" smtClean="0"/>
+              <a:t> command queue, memory, program, kernel object, </a:t>
+            </a:r>
+            <a:r>
+              <a:rPr lang="en-US" dirty="0" err="1" smtClean="0"/>
+              <a:t>và</a:t>
+            </a:r>
+            <a:r>
+              <a:rPr lang="en-US" dirty="0" smtClean="0"/>
+              <a:t> </a:t>
+            </a:r>
+            <a:r>
+              <a:rPr lang="en-US" dirty="0" err="1" smtClean="0"/>
+              <a:t>thực</a:t>
+            </a:r>
+            <a:r>
+              <a:rPr lang="en-US" dirty="0" smtClean="0"/>
+              <a:t> </a:t>
+            </a:r>
+            <a:r>
+              <a:rPr lang="en-US" dirty="0" err="1" smtClean="0"/>
+              <a:t>thi</a:t>
+            </a:r>
+            <a:r>
+              <a:rPr lang="en-US" dirty="0" smtClean="0"/>
+              <a:t> kernel </a:t>
+            </a:r>
+            <a:r>
+              <a:rPr lang="en-US" dirty="0" err="1" smtClean="0"/>
+              <a:t>trên</a:t>
+            </a:r>
+            <a:r>
+              <a:rPr lang="en-US" dirty="0" smtClean="0"/>
+              <a:t> 1 hay </a:t>
+            </a:r>
+            <a:r>
+              <a:rPr lang="en-US" dirty="0" err="1" smtClean="0"/>
+              <a:t>nhiều</a:t>
+            </a:r>
+            <a:r>
+              <a:rPr lang="en-US" dirty="0" smtClean="0"/>
+              <a:t> device </a:t>
+            </a:r>
+            <a:r>
+              <a:rPr lang="en-US" dirty="0" err="1" smtClean="0"/>
+              <a:t>được</a:t>
+            </a:r>
+            <a:r>
+              <a:rPr lang="en-US" dirty="0" smtClean="0"/>
+              <a:t> </a:t>
+            </a:r>
+            <a:r>
+              <a:rPr lang="en-US" dirty="0" err="1" smtClean="0"/>
+              <a:t>đặc</a:t>
+            </a:r>
+            <a:r>
+              <a:rPr lang="en-US" dirty="0" smtClean="0"/>
+              <a:t> </a:t>
+            </a:r>
+            <a:r>
+              <a:rPr lang="en-US" dirty="0" err="1" smtClean="0"/>
+              <a:t>tả</a:t>
+            </a:r>
+            <a:r>
+              <a:rPr lang="en-US" dirty="0" smtClean="0"/>
+              <a:t> </a:t>
+            </a:r>
+            <a:r>
+              <a:rPr lang="en-US" dirty="0" err="1" smtClean="0"/>
+              <a:t>trong</a:t>
+            </a:r>
+            <a:r>
+              <a:rPr lang="en-US" dirty="0" smtClean="0"/>
+              <a:t> context.</a:t>
+            </a:r>
+          </a:p>
+          <a:p>
+            <a:r>
+              <a:rPr lang="en-US" dirty="0" smtClean="0"/>
+              <a:t>Command queue </a:t>
+            </a:r>
+            <a:r>
+              <a:rPr lang="en-US" dirty="0" err="1" smtClean="0"/>
+              <a:t>cho</a:t>
+            </a:r>
+            <a:r>
+              <a:rPr lang="en-US" dirty="0" smtClean="0"/>
+              <a:t> </a:t>
+            </a:r>
+            <a:r>
+              <a:rPr lang="en-US" dirty="0" err="1" smtClean="0"/>
+              <a:t>phép</a:t>
+            </a:r>
+            <a:r>
+              <a:rPr lang="en-US" dirty="0" smtClean="0"/>
+              <a:t> </a:t>
+            </a:r>
+            <a:r>
+              <a:rPr lang="en-US" dirty="0" err="1" smtClean="0"/>
+              <a:t>gửi</a:t>
+            </a:r>
+            <a:r>
+              <a:rPr lang="en-US" dirty="0" smtClean="0"/>
+              <a:t> 1 hay </a:t>
+            </a:r>
+            <a:r>
+              <a:rPr lang="en-US" dirty="0" err="1" smtClean="0"/>
+              <a:t>nhiều</a:t>
+            </a:r>
+            <a:r>
+              <a:rPr lang="en-US" dirty="0" smtClean="0"/>
+              <a:t> kernel </a:t>
+            </a:r>
+            <a:r>
+              <a:rPr lang="en-US" dirty="0" err="1" smtClean="0"/>
+              <a:t>từ</a:t>
+            </a:r>
+            <a:r>
+              <a:rPr lang="en-US" dirty="0" smtClean="0"/>
+              <a:t> </a:t>
+            </a:r>
+            <a:r>
+              <a:rPr lang="en-US" dirty="0" err="1" smtClean="0"/>
+              <a:t>chương</a:t>
+            </a:r>
+            <a:r>
+              <a:rPr lang="en-US" dirty="0" smtClean="0"/>
+              <a:t> </a:t>
+            </a:r>
+            <a:r>
+              <a:rPr lang="en-US" dirty="0" err="1" smtClean="0"/>
+              <a:t>trình</a:t>
+            </a:r>
+            <a:r>
+              <a:rPr lang="en-US" dirty="0" smtClean="0"/>
+              <a:t> </a:t>
+            </a:r>
+            <a:r>
+              <a:rPr lang="en-US" dirty="0" err="1" smtClean="0"/>
+              <a:t>tới</a:t>
+            </a:r>
+            <a:r>
+              <a:rPr lang="en-US" dirty="0" smtClean="0"/>
+              <a:t> device.</a:t>
+            </a:r>
+          </a:p>
+          <a:p>
+            <a:r>
+              <a:rPr lang="en-US" dirty="0" err="1" smtClean="0"/>
+              <a:t>Trong</a:t>
+            </a:r>
+            <a:r>
+              <a:rPr lang="en-US" dirty="0" smtClean="0"/>
+              <a:t> 1 </a:t>
+            </a:r>
+            <a:r>
+              <a:rPr lang="en-US" dirty="0" err="1" smtClean="0"/>
+              <a:t>chương</a:t>
+            </a:r>
+            <a:r>
+              <a:rPr lang="en-US" dirty="0" smtClean="0"/>
+              <a:t> </a:t>
+            </a:r>
+            <a:r>
+              <a:rPr lang="en-US" dirty="0" err="1" smtClean="0"/>
+              <a:t>trình</a:t>
+            </a:r>
+            <a:r>
+              <a:rPr lang="en-US" dirty="0" smtClean="0"/>
+              <a:t> </a:t>
+            </a:r>
+            <a:r>
+              <a:rPr lang="en-US" dirty="0" err="1" smtClean="0"/>
+              <a:t>có</a:t>
+            </a:r>
+            <a:r>
+              <a:rPr lang="en-US" dirty="0" smtClean="0"/>
+              <a:t> </a:t>
+            </a:r>
+            <a:r>
+              <a:rPr lang="en-US" dirty="0" err="1" smtClean="0"/>
+              <a:t>thể</a:t>
+            </a:r>
+            <a:r>
+              <a:rPr lang="en-US" dirty="0" smtClean="0"/>
+              <a:t> </a:t>
+            </a:r>
+            <a:r>
+              <a:rPr lang="en-US" dirty="0" err="1" smtClean="0"/>
+              <a:t>có</a:t>
+            </a:r>
+            <a:r>
+              <a:rPr lang="en-US" dirty="0" smtClean="0"/>
+              <a:t> </a:t>
+            </a:r>
+            <a:r>
+              <a:rPr lang="en-US" dirty="0" err="1" smtClean="0"/>
+              <a:t>nhiều</a:t>
+            </a:r>
+            <a:r>
+              <a:rPr lang="en-US" dirty="0" smtClean="0"/>
+              <a:t> command queue. </a:t>
+            </a:r>
+            <a:r>
+              <a:rPr lang="en-US" dirty="0" err="1" smtClean="0"/>
+              <a:t>Mỗi</a:t>
+            </a:r>
+            <a:r>
+              <a:rPr lang="en-US" dirty="0" smtClean="0"/>
+              <a:t> command queue </a:t>
+            </a:r>
+            <a:r>
+              <a:rPr lang="en-US" dirty="0" err="1" smtClean="0"/>
+              <a:t>có</a:t>
+            </a:r>
+            <a:r>
+              <a:rPr lang="en-US" dirty="0" smtClean="0"/>
+              <a:t> </a:t>
+            </a:r>
+            <a:r>
+              <a:rPr lang="en-US" dirty="0" err="1" smtClean="0"/>
+              <a:t>thể</a:t>
+            </a:r>
+            <a:r>
+              <a:rPr lang="en-US" dirty="0" smtClean="0"/>
+              <a:t> </a:t>
+            </a:r>
+            <a:r>
+              <a:rPr lang="en-US" dirty="0" err="1" smtClean="0"/>
+              <a:t>thực</a:t>
+            </a:r>
+            <a:r>
+              <a:rPr lang="en-US" dirty="0" smtClean="0"/>
+              <a:t> </a:t>
+            </a:r>
+            <a:r>
+              <a:rPr lang="en-US" dirty="0" err="1" smtClean="0"/>
+              <a:t>hiện</a:t>
+            </a:r>
+            <a:r>
+              <a:rPr lang="en-US" dirty="0" smtClean="0"/>
+              <a:t> </a:t>
+            </a:r>
+            <a:r>
+              <a:rPr lang="en-US" dirty="0" err="1" smtClean="0"/>
+              <a:t>theo</a:t>
+            </a:r>
+            <a:r>
+              <a:rPr lang="en-US" dirty="0" smtClean="0"/>
+              <a:t> </a:t>
+            </a:r>
+            <a:r>
+              <a:rPr lang="en-US" dirty="0" err="1" smtClean="0"/>
+              <a:t>cơ</a:t>
+            </a:r>
+            <a:r>
+              <a:rPr lang="en-US" dirty="0" smtClean="0"/>
+              <a:t> </a:t>
+            </a:r>
+            <a:r>
+              <a:rPr lang="en-US" dirty="0" err="1" smtClean="0"/>
+              <a:t>chế</a:t>
+            </a:r>
+            <a:r>
+              <a:rPr lang="en-US" dirty="0" smtClean="0"/>
+              <a:t> </a:t>
+            </a:r>
+            <a:r>
+              <a:rPr lang="en-US" dirty="0" err="1" smtClean="0"/>
+              <a:t>đồng</a:t>
+            </a:r>
+            <a:r>
+              <a:rPr lang="en-US" dirty="0" smtClean="0"/>
+              <a:t> </a:t>
+            </a:r>
+            <a:r>
+              <a:rPr lang="en-US" dirty="0" err="1" smtClean="0"/>
+              <a:t>bộ</a:t>
+            </a:r>
+            <a:r>
+              <a:rPr lang="en-US" dirty="0" smtClean="0"/>
+              <a:t> </a:t>
+            </a:r>
+            <a:r>
+              <a:rPr lang="en-US" dirty="0" err="1" smtClean="0"/>
+              <a:t>hoặc</a:t>
+            </a:r>
+            <a:r>
+              <a:rPr lang="en-US" dirty="0" smtClean="0"/>
+              <a:t> </a:t>
+            </a:r>
+            <a:r>
+              <a:rPr lang="en-US" dirty="0" err="1" smtClean="0"/>
+              <a:t>bất</a:t>
+            </a:r>
+            <a:r>
+              <a:rPr lang="en-US" dirty="0" smtClean="0"/>
+              <a:t> </a:t>
+            </a:r>
+            <a:r>
+              <a:rPr lang="en-US" dirty="0" err="1" smtClean="0"/>
+              <a:t>đồng</a:t>
+            </a:r>
+            <a:r>
+              <a:rPr lang="en-US" dirty="0" smtClean="0"/>
+              <a:t> </a:t>
+            </a:r>
+            <a:r>
+              <a:rPr lang="en-US" dirty="0" err="1" smtClean="0"/>
+              <a:t>bộ</a:t>
+            </a:r>
+            <a:r>
+              <a:rPr lang="en-US" dirty="0" smtClean="0"/>
+              <a:t>. </a:t>
+            </a:r>
+            <a:endParaRPr lang="en-US" dirty="0"/>
+          </a:p>
+        </p:txBody>
+      </p:sp>
+    </p:spTree>
+    <p:extLst>
+      <p:ext uri="{BB962C8B-B14F-4D97-AF65-F5344CB8AC3E}">
+        <p14:creationId xmlns:p14="http://schemas.microsoft.com/office/powerpoint/2010/main" val="2928255724"/>
+      </p:ext>
+    </p:extLst>
+  </p:cSld>
+  <p:clrMapOvr>
+    <a:masterClrMapping/>
+  </p:clrMapOvr>
+</p:sld>
+</file>
+
+<file path=ppt/slides/slide21.xml><?xml version="1.0" encoding="utf-8"?>
+<p:sld xmlns:a="http://schemas.openxmlformats.org/drawingml/2006/main" xmlns:r="http://schemas.openxmlformats.org/officeDocument/2006/relationships" xmlns:p="http://schemas.openxmlformats.org/presentationml/2006/main">
+  <p:cSld>
+    <p:spTree>
+      <p:nvGrpSpPr>
+        <p:cNvPr id="1" name=""/>
+        <p:cNvGrpSpPr/>
+        <p:nvPr/>
+      </p:nvGrpSpPr>
+      <p:grpSpPr>
+        <a:xfrm>
+          <a:off x="0" y="0"/>
+          <a:ext cx="0" cy="0"/>
+          <a:chOff x="0" y="0"/>
+          <a:chExt cx="0" cy="0"/>
+        </a:xfrm>
+      </p:grpSpPr>
+      <p:sp>
+        <p:nvSpPr>
+          <p:cNvPr id="2" name="Title 1"/>
+          <p:cNvSpPr>
+            <a:spLocks noGrp="1"/>
+          </p:cNvSpPr>
+          <p:nvPr>
+            <p:ph type="title"/>
+          </p:nvPr>
+        </p:nvSpPr>
+        <p:spPr/>
+        <p:txBody>
+          <a:bodyPr/>
+          <a:lstStyle/>
+          <a:p>
+            <a:r>
+              <a:rPr lang="en-US" dirty="0" err="1" smtClean="0"/>
+              <a:t>Tạo</a:t>
+            </a:r>
+            <a:r>
+              <a:rPr lang="en-US" dirty="0" smtClean="0"/>
+              <a:t> context </a:t>
+            </a:r>
+            <a:r>
+              <a:rPr lang="en-US" dirty="0" err="1" smtClean="0"/>
+              <a:t>và</a:t>
+            </a:r>
+            <a:r>
+              <a:rPr lang="en-US" dirty="0" smtClean="0"/>
+              <a:t> command queue</a:t>
+            </a:r>
+            <a:endParaRPr lang="en-US" dirty="0"/>
+          </a:p>
+        </p:txBody>
+      </p:sp>
+      <p:sp>
+        <p:nvSpPr>
+          <p:cNvPr id="3" name="Content Placeholder 2"/>
+          <p:cNvSpPr>
+            <a:spLocks noGrp="1"/>
+          </p:cNvSpPr>
+          <p:nvPr>
+            <p:ph idx="1"/>
+          </p:nvPr>
+        </p:nvSpPr>
+        <p:spPr/>
+        <p:txBody>
+          <a:bodyPr/>
+          <a:lstStyle/>
+          <a:p>
+            <a:r>
+              <a:rPr lang="en-US" dirty="0" smtClean="0"/>
+              <a:t>/*Create </a:t>
+            </a:r>
+            <a:r>
+              <a:rPr lang="en-US" dirty="0"/>
+              <a:t>context.*/</a:t>
+            </a:r>
+          </a:p>
+          <a:p>
+            <a:r>
+              <a:rPr lang="en-US" dirty="0"/>
+              <a:t>	</a:t>
+            </a:r>
+            <a:r>
+              <a:rPr lang="en-US" dirty="0" err="1"/>
+              <a:t>cl_context</a:t>
+            </a:r>
+            <a:r>
+              <a:rPr lang="en-US" dirty="0"/>
+              <a:t> context = </a:t>
+            </a:r>
+            <a:r>
+              <a:rPr lang="en-US" dirty="0" err="1"/>
+              <a:t>clCreateContext</a:t>
+            </a:r>
+            <a:r>
+              <a:rPr lang="en-US" dirty="0"/>
+              <a:t>(NULL,1, </a:t>
+            </a:r>
+            <a:r>
+              <a:rPr lang="en-US" dirty="0" err="1"/>
+              <a:t>devices,NULL,NULL,NULL</a:t>
+            </a:r>
+            <a:r>
+              <a:rPr lang="en-US" dirty="0" smtClean="0"/>
+              <a:t>);</a:t>
+            </a:r>
+            <a:r>
+              <a:rPr lang="en-US" dirty="0"/>
+              <a:t>	</a:t>
+            </a:r>
+          </a:p>
+          <a:p>
+            <a:r>
+              <a:rPr lang="en-US" dirty="0"/>
+              <a:t>	</a:t>
+            </a:r>
+            <a:r>
+              <a:rPr lang="en-US" dirty="0" smtClean="0"/>
+              <a:t>/*Creating </a:t>
+            </a:r>
+            <a:r>
+              <a:rPr lang="en-US" dirty="0"/>
+              <a:t>command queue associate with </a:t>
+            </a:r>
+            <a:r>
+              <a:rPr lang="en-US" dirty="0" smtClean="0"/>
+              <a:t>the context.*/</a:t>
+            </a:r>
+            <a:endParaRPr lang="en-US" dirty="0"/>
+          </a:p>
+          <a:p>
+            <a:r>
+              <a:rPr lang="en-US" dirty="0"/>
+              <a:t>	</a:t>
+            </a:r>
+            <a:r>
+              <a:rPr lang="en-US" dirty="0" err="1"/>
+              <a:t>cl_command_queue</a:t>
+            </a:r>
+            <a:r>
+              <a:rPr lang="en-US" dirty="0"/>
+              <a:t> </a:t>
+            </a:r>
+            <a:r>
+              <a:rPr lang="en-US" dirty="0" err="1"/>
+              <a:t>commandQueue</a:t>
+            </a:r>
+            <a:r>
+              <a:rPr lang="en-US" dirty="0"/>
+              <a:t> = </a:t>
+            </a:r>
+            <a:r>
+              <a:rPr lang="en-US" dirty="0" err="1"/>
+              <a:t>clCreateCommandQueue</a:t>
+            </a:r>
+            <a:r>
+              <a:rPr lang="en-US" dirty="0"/>
+              <a:t>(context, devices[0], 0, NULL);</a:t>
+            </a:r>
+          </a:p>
+        </p:txBody>
+      </p:sp>
+    </p:spTree>
+    <p:extLst>
+      <p:ext uri="{BB962C8B-B14F-4D97-AF65-F5344CB8AC3E}">
+        <p14:creationId xmlns:p14="http://schemas.microsoft.com/office/powerpoint/2010/main" val="2904431667"/>
+      </p:ext>
+    </p:extLst>
+  </p:cSld>
+  <p:clrMapOvr>
+    <a:masterClrMapping/>
+  </p:clrMapOvr>
+</p:sld>
+</file>
+
+<file path=ppt/slides/slide22.xml><?xml version="1.0" encoding="utf-8"?>
+<p:sld xmlns:a="http://schemas.openxmlformats.org/drawingml/2006/main" xmlns:r="http://schemas.openxmlformats.org/officeDocument/2006/relationships" xmlns:p="http://schemas.openxmlformats.org/presentationml/2006/main">
+  <p:cSld>
+    <p:spTree>
+      <p:nvGrpSpPr>
+        <p:cNvPr id="1" name=""/>
+        <p:cNvGrpSpPr/>
+        <p:nvPr/>
+      </p:nvGrpSpPr>
+      <p:grpSpPr>
+        <a:xfrm>
+          <a:off x="0" y="0"/>
+          <a:ext cx="0" cy="0"/>
+          <a:chOff x="0" y="0"/>
+          <a:chExt cx="0" cy="0"/>
+        </a:xfrm>
+      </p:grpSpPr>
+      <p:sp>
+        <p:nvSpPr>
+          <p:cNvPr id="2" name="Title 1"/>
+          <p:cNvSpPr>
+            <a:spLocks noGrp="1"/>
+          </p:cNvSpPr>
+          <p:nvPr>
+            <p:ph type="title"/>
+          </p:nvPr>
+        </p:nvSpPr>
+        <p:spPr/>
+        <p:txBody>
+          <a:bodyPr/>
+          <a:lstStyle/>
+          <a:p>
+            <a:r>
+              <a:rPr lang="en-US" dirty="0" err="1"/>
+              <a:t>Tạo</a:t>
+            </a:r>
+            <a:r>
+              <a:rPr lang="en-US" dirty="0"/>
+              <a:t> </a:t>
+            </a:r>
+            <a:r>
+              <a:rPr lang="en-US" dirty="0" err="1"/>
+              <a:t>và</a:t>
+            </a:r>
+            <a:r>
+              <a:rPr lang="en-US" dirty="0"/>
+              <a:t> </a:t>
+            </a:r>
+            <a:r>
+              <a:rPr lang="en-US" dirty="0" err="1"/>
+              <a:t>biên</a:t>
+            </a:r>
+            <a:r>
+              <a:rPr lang="en-US" dirty="0"/>
+              <a:t> </a:t>
+            </a:r>
+            <a:r>
+              <a:rPr lang="en-US" dirty="0" err="1"/>
+              <a:t>dịch</a:t>
+            </a:r>
+            <a:r>
+              <a:rPr lang="en-US" dirty="0"/>
+              <a:t> program </a:t>
+            </a:r>
+            <a:r>
+              <a:rPr lang="en-US" dirty="0" smtClean="0"/>
+              <a:t>object</a:t>
+            </a:r>
+            <a:endParaRPr lang="en-US" dirty="0"/>
+          </a:p>
+        </p:txBody>
+      </p:sp>
+      <p:sp>
+        <p:nvSpPr>
+          <p:cNvPr id="3" name="Content Placeholder 2"/>
+          <p:cNvSpPr>
+            <a:spLocks noGrp="1"/>
+          </p:cNvSpPr>
+          <p:nvPr>
+            <p:ph idx="1"/>
+          </p:nvPr>
+        </p:nvSpPr>
+        <p:spPr/>
+        <p:txBody>
+          <a:bodyPr/>
+          <a:lstStyle/>
+          <a:p>
+            <a:r>
+              <a:rPr lang="en-US" dirty="0" err="1" smtClean="0"/>
+              <a:t>Một</a:t>
+            </a:r>
+            <a:r>
+              <a:rPr lang="en-US" dirty="0" smtClean="0"/>
+              <a:t> program </a:t>
+            </a:r>
+            <a:r>
+              <a:rPr lang="en-US" dirty="0" err="1" smtClean="0"/>
+              <a:t>trong</a:t>
+            </a:r>
+            <a:r>
+              <a:rPr lang="en-US" dirty="0" smtClean="0"/>
+              <a:t> </a:t>
+            </a:r>
+            <a:r>
+              <a:rPr lang="en-US" dirty="0" err="1" smtClean="0"/>
+              <a:t>opencl</a:t>
+            </a:r>
+            <a:r>
+              <a:rPr lang="en-US" dirty="0" smtClean="0"/>
+              <a:t> </a:t>
+            </a:r>
+            <a:r>
+              <a:rPr lang="en-US" dirty="0" err="1" smtClean="0"/>
+              <a:t>chứa</a:t>
+            </a:r>
+            <a:r>
+              <a:rPr lang="en-US" dirty="0" smtClean="0"/>
+              <a:t> </a:t>
+            </a:r>
+            <a:r>
+              <a:rPr lang="en-US" dirty="0" err="1" smtClean="0"/>
+              <a:t>các</a:t>
+            </a:r>
+            <a:r>
+              <a:rPr lang="en-US" dirty="0" smtClean="0"/>
+              <a:t> kernel </a:t>
+            </a:r>
+            <a:r>
+              <a:rPr lang="en-US" dirty="0" err="1" smtClean="0"/>
+              <a:t>được</a:t>
+            </a:r>
+            <a:r>
+              <a:rPr lang="en-US" dirty="0" smtClean="0"/>
+              <a:t> </a:t>
+            </a:r>
+            <a:r>
+              <a:rPr lang="en-US" dirty="0" err="1" smtClean="0"/>
+              <a:t>định</a:t>
+            </a:r>
+            <a:r>
+              <a:rPr lang="en-US" dirty="0" smtClean="0"/>
+              <a:t> </a:t>
+            </a:r>
+            <a:r>
+              <a:rPr lang="en-US" dirty="0" err="1" smtClean="0"/>
+              <a:t>nghĩa</a:t>
+            </a:r>
+            <a:r>
+              <a:rPr lang="en-US" dirty="0" smtClean="0"/>
+              <a:t> </a:t>
+            </a:r>
+            <a:r>
+              <a:rPr lang="en-US" dirty="0" err="1" smtClean="0"/>
+              <a:t>như</a:t>
+            </a:r>
+            <a:r>
+              <a:rPr lang="en-US" dirty="0" smtClean="0"/>
+              <a:t> </a:t>
+            </a:r>
+            <a:r>
+              <a:rPr lang="en-US" dirty="0" err="1" smtClean="0"/>
+              <a:t>là</a:t>
+            </a:r>
+            <a:r>
+              <a:rPr lang="en-US" dirty="0" smtClean="0"/>
+              <a:t> 1 </a:t>
+            </a:r>
+            <a:r>
+              <a:rPr lang="en-US" dirty="0" err="1" smtClean="0"/>
+              <a:t>hàm</a:t>
+            </a:r>
+            <a:r>
+              <a:rPr lang="en-US" dirty="0" smtClean="0"/>
+              <a:t> </a:t>
+            </a:r>
+            <a:r>
+              <a:rPr lang="en-US" dirty="0" err="1" smtClean="0"/>
+              <a:t>và</a:t>
+            </a:r>
+            <a:r>
+              <a:rPr lang="en-US" dirty="0" smtClean="0"/>
+              <a:t> </a:t>
+            </a:r>
+            <a:r>
+              <a:rPr lang="en-US" dirty="0" err="1" smtClean="0"/>
+              <a:t>được</a:t>
+            </a:r>
+            <a:r>
+              <a:rPr lang="en-US" dirty="0" smtClean="0"/>
+              <a:t> </a:t>
+            </a:r>
+            <a:r>
+              <a:rPr lang="en-US" dirty="0" err="1" smtClean="0"/>
+              <a:t>khai</a:t>
+            </a:r>
+            <a:r>
+              <a:rPr lang="en-US" dirty="0" smtClean="0"/>
+              <a:t> </a:t>
+            </a:r>
+            <a:r>
+              <a:rPr lang="en-US" dirty="0" err="1" smtClean="0"/>
+              <a:t>báo</a:t>
+            </a:r>
+            <a:r>
+              <a:rPr lang="en-US" dirty="0" smtClean="0"/>
+              <a:t> </a:t>
+            </a:r>
+            <a:r>
+              <a:rPr lang="en-US" dirty="0" err="1" smtClean="0"/>
+              <a:t>với</a:t>
+            </a:r>
+            <a:r>
+              <a:rPr lang="en-US" dirty="0" smtClean="0"/>
+              <a:t> </a:t>
+            </a:r>
+            <a:r>
+              <a:rPr lang="en-US" dirty="0" err="1" smtClean="0"/>
+              <a:t>từ</a:t>
+            </a:r>
+            <a:r>
+              <a:rPr lang="en-US" dirty="0" smtClean="0"/>
+              <a:t> </a:t>
+            </a:r>
+            <a:r>
+              <a:rPr lang="en-US" dirty="0" err="1" smtClean="0"/>
+              <a:t>khóa</a:t>
+            </a:r>
+            <a:r>
+              <a:rPr lang="en-US" dirty="0" smtClean="0"/>
+              <a:t> _kernel </a:t>
+            </a:r>
+          </a:p>
+          <a:p>
+            <a:r>
+              <a:rPr lang="en-US" dirty="0" err="1" smtClean="0"/>
+              <a:t>Các</a:t>
+            </a:r>
+            <a:r>
+              <a:rPr lang="en-US" dirty="0" smtClean="0"/>
+              <a:t> kernel code </a:t>
+            </a:r>
+            <a:r>
+              <a:rPr lang="en-US" dirty="0" err="1" smtClean="0"/>
+              <a:t>của</a:t>
+            </a:r>
+            <a:r>
+              <a:rPr lang="en-US" dirty="0" smtClean="0"/>
+              <a:t> program </a:t>
+            </a:r>
+            <a:r>
+              <a:rPr lang="en-US" dirty="0" err="1" smtClean="0"/>
+              <a:t>được</a:t>
+            </a:r>
+            <a:r>
+              <a:rPr lang="en-US" dirty="0" smtClean="0"/>
+              <a:t> </a:t>
+            </a:r>
+            <a:r>
+              <a:rPr lang="en-US" dirty="0" err="1" smtClean="0"/>
+              <a:t>viết</a:t>
+            </a:r>
+            <a:r>
+              <a:rPr lang="en-US" dirty="0" smtClean="0"/>
+              <a:t> </a:t>
+            </a:r>
+            <a:r>
+              <a:rPr lang="en-US" dirty="0" err="1" smtClean="0"/>
+              <a:t>riêng</a:t>
+            </a:r>
+            <a:r>
+              <a:rPr lang="en-US" dirty="0" smtClean="0"/>
+              <a:t> </a:t>
+            </a:r>
+            <a:r>
+              <a:rPr lang="en-US" dirty="0" err="1" smtClean="0"/>
+              <a:t>trong</a:t>
+            </a:r>
+            <a:r>
+              <a:rPr lang="en-US" dirty="0" smtClean="0"/>
+              <a:t> </a:t>
+            </a:r>
+            <a:r>
+              <a:rPr lang="en-US" dirty="0" err="1" smtClean="0"/>
+              <a:t>một</a:t>
+            </a:r>
+            <a:r>
+              <a:rPr lang="en-US" dirty="0" smtClean="0"/>
+              <a:t> file </a:t>
+            </a:r>
+            <a:r>
+              <a:rPr lang="en-US" dirty="0" err="1" smtClean="0"/>
+              <a:t>có</a:t>
+            </a:r>
+            <a:r>
+              <a:rPr lang="en-US" dirty="0" smtClean="0"/>
+              <a:t> </a:t>
+            </a:r>
+            <a:r>
+              <a:rPr lang="en-US" dirty="0" err="1" smtClean="0"/>
+              <a:t>phần</a:t>
+            </a:r>
+            <a:r>
+              <a:rPr lang="en-US" dirty="0" smtClean="0"/>
+              <a:t> </a:t>
+            </a:r>
+            <a:r>
+              <a:rPr lang="en-US" dirty="0" err="1" smtClean="0"/>
+              <a:t>mở</a:t>
+            </a:r>
+            <a:r>
+              <a:rPr lang="en-US" dirty="0" smtClean="0"/>
+              <a:t> </a:t>
+            </a:r>
+            <a:r>
+              <a:rPr lang="en-US" dirty="0" err="1" smtClean="0"/>
+              <a:t>rộng</a:t>
+            </a:r>
+            <a:r>
+              <a:rPr lang="en-US" dirty="0" smtClean="0"/>
+              <a:t> </a:t>
+            </a:r>
+            <a:r>
+              <a:rPr lang="en-US" dirty="0" err="1" smtClean="0"/>
+              <a:t>là</a:t>
+            </a:r>
+            <a:r>
+              <a:rPr lang="en-US" dirty="0" smtClean="0"/>
+              <a:t> .cl.</a:t>
+            </a:r>
+          </a:p>
+          <a:p>
+            <a:r>
+              <a:rPr lang="en-US" dirty="0"/>
+              <a:t>K</a:t>
+            </a:r>
+            <a:r>
+              <a:rPr lang="en-US" dirty="0" smtClean="0"/>
+              <a:t>ernel code </a:t>
+            </a:r>
+            <a:r>
+              <a:rPr lang="en-US" dirty="0" err="1" smtClean="0"/>
+              <a:t>của</a:t>
+            </a:r>
+            <a:r>
+              <a:rPr lang="en-US" dirty="0" smtClean="0"/>
+              <a:t> program </a:t>
+            </a:r>
+            <a:r>
+              <a:rPr lang="en-US" dirty="0" err="1" smtClean="0"/>
+              <a:t>sẽ</a:t>
+            </a:r>
+            <a:r>
+              <a:rPr lang="en-US" dirty="0" smtClean="0"/>
+              <a:t> </a:t>
+            </a:r>
+            <a:r>
+              <a:rPr lang="en-US" dirty="0" err="1" smtClean="0"/>
+              <a:t>được</a:t>
+            </a:r>
+            <a:r>
+              <a:rPr lang="en-US" dirty="0" smtClean="0"/>
+              <a:t> </a:t>
+            </a:r>
+            <a:r>
+              <a:rPr lang="en-US" dirty="0" err="1" smtClean="0"/>
+              <a:t>biên</a:t>
+            </a:r>
+            <a:r>
+              <a:rPr lang="en-US" dirty="0" smtClean="0"/>
+              <a:t> </a:t>
+            </a:r>
+            <a:r>
+              <a:rPr lang="en-US" dirty="0" err="1" smtClean="0"/>
+              <a:t>dịch</a:t>
+            </a:r>
+            <a:r>
+              <a:rPr lang="en-US" dirty="0" smtClean="0"/>
+              <a:t> </a:t>
+            </a:r>
+            <a:r>
+              <a:rPr lang="en-US" dirty="0" err="1" smtClean="0"/>
+              <a:t>và</a:t>
+            </a:r>
+            <a:r>
+              <a:rPr lang="en-US" dirty="0" smtClean="0"/>
+              <a:t> </a:t>
+            </a:r>
+            <a:r>
+              <a:rPr lang="en-US" dirty="0" err="1" smtClean="0"/>
+              <a:t>thực</a:t>
+            </a:r>
+            <a:r>
+              <a:rPr lang="en-US" dirty="0" smtClean="0"/>
+              <a:t> </a:t>
+            </a:r>
+            <a:r>
+              <a:rPr lang="en-US" dirty="0" err="1" smtClean="0"/>
+              <a:t>thi</a:t>
+            </a:r>
+            <a:r>
+              <a:rPr lang="en-US" dirty="0" smtClean="0"/>
+              <a:t> song </a:t>
+            </a:r>
+            <a:r>
+              <a:rPr lang="en-US" dirty="0" err="1" smtClean="0"/>
+              <a:t>song</a:t>
+            </a:r>
+            <a:r>
+              <a:rPr lang="en-US" dirty="0" smtClean="0"/>
+              <a:t> </a:t>
+            </a:r>
+            <a:r>
+              <a:rPr lang="en-US" dirty="0" err="1" smtClean="0"/>
+              <a:t>trên</a:t>
+            </a:r>
+            <a:r>
+              <a:rPr lang="en-US" dirty="0" smtClean="0"/>
+              <a:t> device </a:t>
+            </a:r>
+            <a:r>
+              <a:rPr lang="en-US" dirty="0" err="1" smtClean="0"/>
+              <a:t>đã</a:t>
+            </a:r>
+            <a:r>
+              <a:rPr lang="en-US" dirty="0" smtClean="0"/>
+              <a:t> </a:t>
+            </a:r>
+            <a:r>
+              <a:rPr lang="en-US" dirty="0" err="1" smtClean="0"/>
+              <a:t>chọn</a:t>
+            </a:r>
+            <a:r>
+              <a:rPr lang="en-US" dirty="0" smtClean="0"/>
+              <a:t>.</a:t>
+            </a:r>
+          </a:p>
+          <a:p>
+            <a:endParaRPr lang="en-US" dirty="0"/>
+          </a:p>
+        </p:txBody>
+      </p:sp>
+    </p:spTree>
+    <p:extLst>
+      <p:ext uri="{BB962C8B-B14F-4D97-AF65-F5344CB8AC3E}">
+        <p14:creationId xmlns:p14="http://schemas.microsoft.com/office/powerpoint/2010/main" val="384820340"/>
+      </p:ext>
+    </p:extLst>
+  </p:cSld>
+  <p:clrMapOvr>
+    <a:masterClrMapping/>
+  </p:clrMapOvr>
+</p:sld>
+</file>
+
+<file path=ppt/slides/slide23.xml><?xml version="1.0" encoding="utf-8"?>
+<p:sld xmlns:a="http://schemas.openxmlformats.org/drawingml/2006/main" xmlns:r="http://schemas.openxmlformats.org/officeDocument/2006/relationships" xmlns:p="http://schemas.openxmlformats.org/presentationml/2006/main">
+  <p:cSld>
+    <p:spTree>
+      <p:nvGrpSpPr>
+        <p:cNvPr id="1" name=""/>
+        <p:cNvGrpSpPr/>
+        <p:nvPr/>
+      </p:nvGrpSpPr>
+      <p:grpSpPr>
+        <a:xfrm>
+          <a:off x="0" y="0"/>
+          <a:ext cx="0" cy="0"/>
+          <a:chOff x="0" y="0"/>
+          <a:chExt cx="0" cy="0"/>
+        </a:xfrm>
+      </p:grpSpPr>
+      <p:sp>
+        <p:nvSpPr>
+          <p:cNvPr id="2" name="Title 1"/>
+          <p:cNvSpPr>
+            <a:spLocks noGrp="1"/>
+          </p:cNvSpPr>
+          <p:nvPr>
+            <p:ph type="title"/>
+          </p:nvPr>
+        </p:nvSpPr>
+        <p:spPr/>
+        <p:txBody>
+          <a:bodyPr/>
+          <a:lstStyle/>
+          <a:p>
+            <a:r>
+              <a:rPr lang="en-US" dirty="0" err="1"/>
+              <a:t>Tạo</a:t>
+            </a:r>
+            <a:r>
+              <a:rPr lang="en-US" dirty="0"/>
+              <a:t> </a:t>
+            </a:r>
+            <a:r>
+              <a:rPr lang="en-US" dirty="0" err="1"/>
+              <a:t>và</a:t>
+            </a:r>
+            <a:r>
+              <a:rPr lang="en-US" dirty="0"/>
+              <a:t> </a:t>
+            </a:r>
+            <a:r>
+              <a:rPr lang="en-US" dirty="0" err="1"/>
+              <a:t>biên</a:t>
+            </a:r>
+            <a:r>
+              <a:rPr lang="en-US" dirty="0"/>
+              <a:t> </a:t>
+            </a:r>
+            <a:r>
+              <a:rPr lang="en-US" dirty="0" err="1"/>
+              <a:t>dịch</a:t>
+            </a:r>
+            <a:r>
+              <a:rPr lang="en-US" dirty="0"/>
+              <a:t> program </a:t>
+            </a:r>
+            <a:r>
+              <a:rPr lang="en-US" dirty="0" smtClean="0"/>
+              <a:t>object</a:t>
+            </a:r>
+            <a:endParaRPr lang="en-US" dirty="0"/>
+          </a:p>
+        </p:txBody>
+      </p:sp>
+      <p:sp>
+        <p:nvSpPr>
+          <p:cNvPr id="3" name="Content Placeholder 2"/>
+          <p:cNvSpPr>
+            <a:spLocks noGrp="1"/>
+          </p:cNvSpPr>
+          <p:nvPr>
+            <p:ph idx="1"/>
+          </p:nvPr>
+        </p:nvSpPr>
+        <p:spPr/>
+        <p:txBody>
+          <a:bodyPr>
+            <a:normAutofit/>
+          </a:bodyPr>
+          <a:lstStyle/>
+          <a:p>
+            <a:r>
+              <a:rPr lang="en-US" dirty="0" err="1" smtClean="0"/>
+              <a:t>Tạo</a:t>
+            </a:r>
+            <a:r>
+              <a:rPr lang="en-US" dirty="0" smtClean="0"/>
+              <a:t> program object</a:t>
+            </a:r>
+            <a:endParaRPr lang="en-US" dirty="0"/>
+          </a:p>
+          <a:p>
+            <a:r>
+              <a:rPr lang="en-US" dirty="0" err="1"/>
+              <a:t>cl_program</a:t>
+            </a:r>
+            <a:r>
+              <a:rPr lang="en-US" dirty="0"/>
+              <a:t> </a:t>
+            </a:r>
+            <a:r>
+              <a:rPr lang="en-US" b="1" dirty="0" err="1"/>
+              <a:t>clCreateProgramWithSource</a:t>
+            </a:r>
+            <a:r>
+              <a:rPr lang="en-US" b="1" dirty="0"/>
+              <a:t> </a:t>
+            </a:r>
+            <a:r>
+              <a:rPr lang="en-US" dirty="0"/>
+              <a:t>(</a:t>
+            </a:r>
+            <a:r>
+              <a:rPr lang="en-US" dirty="0" err="1"/>
+              <a:t>cl_context</a:t>
+            </a:r>
+            <a:r>
+              <a:rPr lang="en-US" dirty="0"/>
+              <a:t> </a:t>
+            </a:r>
+            <a:r>
+              <a:rPr lang="en-US" i="1" dirty="0" smtClean="0"/>
+              <a:t>context</a:t>
+            </a:r>
+            <a:r>
+              <a:rPr lang="en-US" dirty="0" smtClean="0"/>
+              <a:t>, </a:t>
+            </a:r>
+            <a:r>
+              <a:rPr lang="en-US" dirty="0" err="1" smtClean="0"/>
+              <a:t>cl_uint</a:t>
+            </a:r>
+            <a:r>
+              <a:rPr lang="en-US" dirty="0" smtClean="0"/>
+              <a:t> </a:t>
+            </a:r>
+            <a:r>
+              <a:rPr lang="en-US" i="1" dirty="0" smtClean="0"/>
+              <a:t>count</a:t>
+            </a:r>
+            <a:r>
+              <a:rPr lang="en-US" dirty="0" smtClean="0"/>
+              <a:t>, </a:t>
+            </a:r>
+            <a:r>
+              <a:rPr lang="en-US" dirty="0" err="1" smtClean="0"/>
+              <a:t>const</a:t>
+            </a:r>
+            <a:r>
+              <a:rPr lang="en-US" dirty="0" smtClean="0"/>
+              <a:t> </a:t>
+            </a:r>
+            <a:r>
+              <a:rPr lang="en-US" dirty="0"/>
+              <a:t>char **</a:t>
+            </a:r>
+            <a:r>
+              <a:rPr lang="en-US" i="1" dirty="0" smtClean="0"/>
+              <a:t>strings</a:t>
+            </a:r>
+            <a:r>
+              <a:rPr lang="en-US" dirty="0" smtClean="0"/>
+              <a:t>, </a:t>
+            </a:r>
+            <a:r>
+              <a:rPr lang="en-US" dirty="0" err="1" smtClean="0"/>
+              <a:t>const</a:t>
+            </a:r>
+            <a:r>
+              <a:rPr lang="en-US" dirty="0" smtClean="0"/>
+              <a:t> </a:t>
+            </a:r>
+            <a:r>
+              <a:rPr lang="en-US" dirty="0" err="1"/>
+              <a:t>size_t</a:t>
+            </a:r>
+            <a:r>
+              <a:rPr lang="en-US" dirty="0"/>
+              <a:t> *</a:t>
+            </a:r>
+            <a:r>
+              <a:rPr lang="en-US" i="1" dirty="0" smtClean="0"/>
+              <a:t>lengths</a:t>
+            </a:r>
+            <a:r>
+              <a:rPr lang="en-US" dirty="0" smtClean="0"/>
+              <a:t>, </a:t>
+            </a:r>
+            <a:r>
+              <a:rPr lang="en-US" dirty="0" err="1" smtClean="0"/>
+              <a:t>cl_int</a:t>
+            </a:r>
+            <a:r>
+              <a:rPr lang="en-US" dirty="0" smtClean="0"/>
+              <a:t> </a:t>
+            </a:r>
+            <a:r>
+              <a:rPr lang="en-US" dirty="0"/>
+              <a:t>*</a:t>
+            </a:r>
+            <a:r>
+              <a:rPr lang="en-US" i="1" dirty="0" err="1"/>
+              <a:t>errcode_ret</a:t>
+            </a:r>
+            <a:r>
+              <a:rPr lang="en-US" dirty="0"/>
+              <a:t>)</a:t>
+            </a:r>
+          </a:p>
+          <a:p>
+            <a:r>
+              <a:rPr lang="en-US" dirty="0" err="1" smtClean="0"/>
+              <a:t>Dịch</a:t>
+            </a:r>
+            <a:r>
+              <a:rPr lang="en-US" dirty="0" smtClean="0"/>
+              <a:t>  program</a:t>
+            </a:r>
+            <a:endParaRPr lang="en-US" dirty="0"/>
+          </a:p>
+          <a:p>
+            <a:r>
+              <a:rPr lang="en-US" dirty="0" err="1"/>
+              <a:t>cl_int</a:t>
+            </a:r>
+            <a:r>
+              <a:rPr lang="en-US" dirty="0"/>
+              <a:t> </a:t>
+            </a:r>
+            <a:r>
+              <a:rPr lang="en-US" b="1" dirty="0" err="1"/>
+              <a:t>clBuildProgram</a:t>
+            </a:r>
+            <a:r>
+              <a:rPr lang="en-US" b="1" dirty="0"/>
+              <a:t> </a:t>
+            </a:r>
+            <a:r>
+              <a:rPr lang="en-US" dirty="0"/>
+              <a:t>(</a:t>
+            </a:r>
+            <a:r>
+              <a:rPr lang="en-US" dirty="0" err="1"/>
+              <a:t>cl_program</a:t>
+            </a:r>
+            <a:r>
+              <a:rPr lang="en-US" dirty="0"/>
+              <a:t> </a:t>
+            </a:r>
+            <a:r>
+              <a:rPr lang="en-US" i="1" dirty="0" smtClean="0"/>
+              <a:t>program</a:t>
+            </a:r>
+            <a:r>
+              <a:rPr lang="en-US" dirty="0" smtClean="0"/>
+              <a:t>, </a:t>
+            </a:r>
+            <a:r>
+              <a:rPr lang="en-US" dirty="0" err="1" smtClean="0"/>
+              <a:t>cl_uint</a:t>
+            </a:r>
+            <a:r>
+              <a:rPr lang="en-US" dirty="0" smtClean="0"/>
+              <a:t> </a:t>
+            </a:r>
+            <a:r>
+              <a:rPr lang="en-US" i="1" dirty="0" err="1" smtClean="0"/>
+              <a:t>num_devices</a:t>
+            </a:r>
+            <a:r>
+              <a:rPr lang="en-US" dirty="0" smtClean="0"/>
+              <a:t>, </a:t>
+            </a:r>
+            <a:r>
+              <a:rPr lang="en-US" dirty="0" err="1" smtClean="0"/>
+              <a:t>const</a:t>
+            </a:r>
+            <a:r>
+              <a:rPr lang="en-US" dirty="0" smtClean="0"/>
+              <a:t> </a:t>
+            </a:r>
+            <a:r>
+              <a:rPr lang="en-US" dirty="0" err="1"/>
+              <a:t>cl_device_id</a:t>
+            </a:r>
+            <a:r>
+              <a:rPr lang="en-US" dirty="0"/>
+              <a:t> *</a:t>
+            </a:r>
+            <a:r>
+              <a:rPr lang="en-US" i="1" dirty="0" err="1" smtClean="0"/>
+              <a:t>device_list</a:t>
+            </a:r>
+            <a:r>
+              <a:rPr lang="en-US" dirty="0" smtClean="0"/>
+              <a:t>, </a:t>
+            </a:r>
+            <a:r>
+              <a:rPr lang="en-US" dirty="0" err="1" smtClean="0"/>
+              <a:t>const</a:t>
+            </a:r>
+            <a:r>
+              <a:rPr lang="en-US" dirty="0" smtClean="0"/>
+              <a:t> </a:t>
+            </a:r>
+            <a:r>
+              <a:rPr lang="en-US" dirty="0"/>
+              <a:t>char *</a:t>
+            </a:r>
+            <a:r>
+              <a:rPr lang="en-US" i="1" dirty="0" smtClean="0"/>
+              <a:t>options</a:t>
+            </a:r>
+            <a:r>
+              <a:rPr lang="en-US" dirty="0" smtClean="0"/>
+              <a:t>, void </a:t>
+            </a:r>
+            <a:r>
+              <a:rPr lang="en-US" i="1" dirty="0"/>
+              <a:t>(</a:t>
+            </a:r>
+            <a:r>
+              <a:rPr lang="en-US" dirty="0"/>
+              <a:t>CL_CALLBACK </a:t>
+            </a:r>
+            <a:r>
+              <a:rPr lang="en-US" i="1" dirty="0"/>
+              <a:t>*</a:t>
+            </a:r>
+            <a:r>
+              <a:rPr lang="en-US" i="1" dirty="0" err="1"/>
+              <a:t>pfn_notify</a:t>
+            </a:r>
+            <a:r>
+              <a:rPr lang="en-US" i="1" dirty="0"/>
+              <a:t>)(</a:t>
+            </a:r>
+            <a:r>
+              <a:rPr lang="en-US" i="1" dirty="0" err="1"/>
+              <a:t>cl_program</a:t>
+            </a:r>
+            <a:r>
+              <a:rPr lang="en-US" i="1" dirty="0"/>
+              <a:t> </a:t>
+            </a:r>
+            <a:r>
+              <a:rPr lang="en-US" i="1" dirty="0" smtClean="0"/>
+              <a:t>program, void </a:t>
+            </a:r>
+            <a:r>
+              <a:rPr lang="en-US" i="1" dirty="0"/>
+              <a:t>*</a:t>
+            </a:r>
+            <a:r>
+              <a:rPr lang="en-US" i="1" dirty="0" err="1"/>
+              <a:t>user_data</a:t>
+            </a:r>
+            <a:r>
+              <a:rPr lang="en-US" dirty="0" smtClean="0"/>
+              <a:t>), void </a:t>
+            </a:r>
+            <a:r>
+              <a:rPr lang="en-US" dirty="0"/>
+              <a:t>*</a:t>
+            </a:r>
+            <a:r>
+              <a:rPr lang="en-US" i="1" dirty="0" err="1"/>
+              <a:t>user_data</a:t>
+            </a:r>
+            <a:r>
+              <a:rPr lang="en-US" dirty="0"/>
+              <a:t>)</a:t>
+            </a:r>
+            <a:endParaRPr lang="en-US" dirty="0"/>
+          </a:p>
+        </p:txBody>
+      </p:sp>
+    </p:spTree>
+    <p:extLst>
+      <p:ext uri="{BB962C8B-B14F-4D97-AF65-F5344CB8AC3E}">
+        <p14:creationId xmlns:p14="http://schemas.microsoft.com/office/powerpoint/2010/main" val="3976665165"/>
+      </p:ext>
+    </p:extLst>
+  </p:cSld>
+  <p:clrMapOvr>
+    <a:masterClrMapping/>
+  </p:clrMapOvr>
+</p:sld>
+</file>
+
+<file path=ppt/slides/slide24.xml><?xml version="1.0" encoding="utf-8"?>
+<p:sld xmlns:a="http://schemas.openxmlformats.org/drawingml/2006/main" xmlns:r="http://schemas.openxmlformats.org/officeDocument/2006/relationships" xmlns:p="http://schemas.openxmlformats.org/presentationml/2006/main">
+  <p:cSld>
+    <p:spTree>
+      <p:nvGrpSpPr>
+        <p:cNvPr id="1" name=""/>
+        <p:cNvGrpSpPr/>
+        <p:nvPr/>
+      </p:nvGrpSpPr>
+      <p:grpSpPr>
+        <a:xfrm>
+          <a:off x="0" y="0"/>
+          <a:ext cx="0" cy="0"/>
+          <a:chOff x="0" y="0"/>
+          <a:chExt cx="0" cy="0"/>
+        </a:xfrm>
+      </p:grpSpPr>
+      <p:sp>
+        <p:nvSpPr>
+          <p:cNvPr id="2" name="Title 1"/>
+          <p:cNvSpPr>
+            <a:spLocks noGrp="1"/>
+          </p:cNvSpPr>
+          <p:nvPr>
+            <p:ph type="title"/>
+          </p:nvPr>
+        </p:nvSpPr>
+        <p:spPr/>
+        <p:txBody>
+          <a:bodyPr/>
+          <a:lstStyle/>
+          <a:p>
+            <a:r>
+              <a:rPr lang="en-US" dirty="0" err="1"/>
+              <a:t>Tạo</a:t>
+            </a:r>
+            <a:r>
+              <a:rPr lang="en-US" dirty="0"/>
+              <a:t> </a:t>
+            </a:r>
+            <a:r>
+              <a:rPr lang="en-US" dirty="0" err="1"/>
+              <a:t>và</a:t>
+            </a:r>
+            <a:r>
+              <a:rPr lang="en-US" dirty="0"/>
+              <a:t> </a:t>
+            </a:r>
+            <a:r>
+              <a:rPr lang="en-US" dirty="0" err="1"/>
+              <a:t>biên</a:t>
+            </a:r>
+            <a:r>
+              <a:rPr lang="en-US" dirty="0"/>
+              <a:t> </a:t>
+            </a:r>
+            <a:r>
+              <a:rPr lang="en-US" dirty="0" err="1"/>
+              <a:t>dịch</a:t>
+            </a:r>
+            <a:r>
+              <a:rPr lang="en-US" dirty="0"/>
+              <a:t> program </a:t>
+            </a:r>
+            <a:r>
+              <a:rPr lang="en-US" dirty="0" smtClean="0"/>
+              <a:t>object</a:t>
+            </a:r>
+            <a:endParaRPr lang="en-US" dirty="0"/>
+          </a:p>
+        </p:txBody>
+      </p:sp>
+      <p:sp>
+        <p:nvSpPr>
+          <p:cNvPr id="3" name="Content Placeholder 2"/>
+          <p:cNvSpPr>
+            <a:spLocks noGrp="1"/>
+          </p:cNvSpPr>
+          <p:nvPr>
+            <p:ph idx="1"/>
+          </p:nvPr>
+        </p:nvSpPr>
+        <p:spPr/>
+        <p:txBody>
+          <a:bodyPr/>
+          <a:lstStyle/>
+          <a:p>
+            <a:r>
+              <a:rPr lang="en-US" dirty="0" err="1" smtClean="0"/>
+              <a:t>Nội</a:t>
+            </a:r>
+            <a:r>
+              <a:rPr lang="en-US" dirty="0" smtClean="0"/>
+              <a:t> dung </a:t>
+            </a:r>
+            <a:r>
+              <a:rPr lang="en-US" dirty="0" err="1" smtClean="0"/>
+              <a:t>cơ</a:t>
+            </a:r>
+            <a:r>
+              <a:rPr lang="en-US" dirty="0" smtClean="0"/>
+              <a:t> </a:t>
+            </a:r>
+            <a:r>
+              <a:rPr lang="en-US" dirty="0" err="1" smtClean="0"/>
+              <a:t>bản</a:t>
+            </a:r>
+            <a:r>
+              <a:rPr lang="en-US" dirty="0" smtClean="0"/>
+              <a:t> </a:t>
+            </a:r>
+            <a:r>
+              <a:rPr lang="en-US" dirty="0" err="1" smtClean="0"/>
+              <a:t>của</a:t>
+            </a:r>
+            <a:r>
+              <a:rPr lang="en-US" dirty="0" smtClean="0"/>
+              <a:t> 1 kernel code:</a:t>
+            </a:r>
+          </a:p>
+          <a:p>
+            <a:r>
+              <a:rPr lang="en-US" dirty="0"/>
+              <a:t>__kernel void </a:t>
+            </a:r>
+            <a:r>
+              <a:rPr lang="en-US" dirty="0" err="1" smtClean="0"/>
+              <a:t>helloworld</a:t>
+            </a:r>
+            <a:r>
+              <a:rPr lang="en-US" dirty="0" smtClean="0"/>
+              <a:t>(__</a:t>
+            </a:r>
+            <a:r>
+              <a:rPr lang="en-US" dirty="0"/>
+              <a:t>global char* in, __global char* out)</a:t>
+            </a:r>
+          </a:p>
+          <a:p>
+            <a:r>
+              <a:rPr lang="en-US" dirty="0"/>
+              <a:t>{</a:t>
+            </a:r>
+          </a:p>
+          <a:p>
+            <a:r>
+              <a:rPr lang="en-US" dirty="0"/>
+              <a:t>	</a:t>
+            </a:r>
+            <a:r>
+              <a:rPr lang="en-US" dirty="0" err="1"/>
+              <a:t>int</a:t>
+            </a:r>
+            <a:r>
+              <a:rPr lang="en-US" dirty="0"/>
+              <a:t> </a:t>
+            </a:r>
+            <a:r>
+              <a:rPr lang="en-US" dirty="0" err="1"/>
+              <a:t>num</a:t>
+            </a:r>
+            <a:r>
+              <a:rPr lang="en-US" dirty="0"/>
+              <a:t> = </a:t>
+            </a:r>
+            <a:r>
+              <a:rPr lang="en-US" dirty="0" err="1"/>
+              <a:t>get_global_id</a:t>
+            </a:r>
+            <a:r>
+              <a:rPr lang="en-US" dirty="0"/>
+              <a:t>(0);</a:t>
+            </a:r>
+          </a:p>
+          <a:p>
+            <a:r>
+              <a:rPr lang="en-US" dirty="0"/>
+              <a:t>	out[</a:t>
+            </a:r>
+            <a:r>
+              <a:rPr lang="en-US" dirty="0" err="1"/>
+              <a:t>num</a:t>
+            </a:r>
+            <a:r>
+              <a:rPr lang="en-US" dirty="0"/>
+              <a:t>] = in[</a:t>
+            </a:r>
+            <a:r>
+              <a:rPr lang="en-US" dirty="0" err="1"/>
+              <a:t>num</a:t>
+            </a:r>
+            <a:r>
+              <a:rPr lang="en-US" dirty="0"/>
+              <a:t>] + 1;</a:t>
+            </a:r>
+          </a:p>
+          <a:p>
+            <a:r>
+              <a:rPr lang="en-US" dirty="0"/>
+              <a:t>}</a:t>
+            </a:r>
+          </a:p>
+        </p:txBody>
+      </p:sp>
+    </p:spTree>
+    <p:extLst>
+      <p:ext uri="{BB962C8B-B14F-4D97-AF65-F5344CB8AC3E}">
+        <p14:creationId xmlns:p14="http://schemas.microsoft.com/office/powerpoint/2010/main" val="3020557698"/>
+      </p:ext>
+    </p:extLst>
+  </p:cSld>
+  <p:clrMapOvr>
+    <a:masterClrMapping/>
+  </p:clrMapOvr>
+</p:sld>
+</file>
+
+<file path=ppt/slides/slide25.xml><?xml version="1.0" encoding="utf-8"?>
+<p:sld xmlns:a="http://schemas.openxmlformats.org/drawingml/2006/main" xmlns:r="http://schemas.openxmlformats.org/officeDocument/2006/relationships" xmlns:p="http://schemas.openxmlformats.org/presentationml/2006/main">
+  <p:cSld>
+    <p:spTree>
+      <p:nvGrpSpPr>
+        <p:cNvPr id="1" name=""/>
+        <p:cNvGrpSpPr/>
+        <p:nvPr/>
+      </p:nvGrpSpPr>
+      <p:grpSpPr>
+        <a:xfrm>
+          <a:off x="0" y="0"/>
+          <a:ext cx="0" cy="0"/>
+          <a:chOff x="0" y="0"/>
+          <a:chExt cx="0" cy="0"/>
+        </a:xfrm>
+      </p:grpSpPr>
+      <p:sp>
+        <p:nvSpPr>
+          <p:cNvPr id="2" name="Title 1"/>
+          <p:cNvSpPr>
+            <a:spLocks noGrp="1"/>
+          </p:cNvSpPr>
+          <p:nvPr>
+            <p:ph type="title"/>
+          </p:nvPr>
+        </p:nvSpPr>
+        <p:spPr/>
+        <p:txBody>
+          <a:bodyPr/>
+          <a:lstStyle/>
+          <a:p>
+            <a:r>
+              <a:rPr lang="en-US" dirty="0" err="1"/>
+              <a:t>Tạo</a:t>
+            </a:r>
+            <a:r>
+              <a:rPr lang="en-US" dirty="0"/>
+              <a:t> </a:t>
+            </a:r>
+            <a:r>
+              <a:rPr lang="en-US" dirty="0" smtClean="0"/>
+              <a:t>buffer </a:t>
+            </a:r>
+            <a:r>
+              <a:rPr lang="en-US" dirty="0"/>
+              <a:t>object </a:t>
+            </a:r>
+            <a:r>
+              <a:rPr lang="en-US" dirty="0" err="1"/>
+              <a:t>cho</a:t>
+            </a:r>
+            <a:r>
+              <a:rPr lang="en-US" dirty="0"/>
+              <a:t> </a:t>
+            </a:r>
+            <a:r>
+              <a:rPr lang="en-US" dirty="0" smtClean="0"/>
+              <a:t>kernel</a:t>
+            </a:r>
+            <a:endParaRPr lang="en-US" dirty="0"/>
+          </a:p>
+        </p:txBody>
+      </p:sp>
+      <p:sp>
+        <p:nvSpPr>
+          <p:cNvPr id="3" name="Content Placeholder 2"/>
+          <p:cNvSpPr>
+            <a:spLocks noGrp="1"/>
+          </p:cNvSpPr>
+          <p:nvPr>
+            <p:ph idx="1"/>
+          </p:nvPr>
+        </p:nvSpPr>
+        <p:spPr/>
+        <p:txBody>
+          <a:bodyPr/>
+          <a:lstStyle/>
+          <a:p>
+            <a:r>
+              <a:rPr lang="en-US" dirty="0" err="1" smtClean="0"/>
+              <a:t>Đây</a:t>
+            </a:r>
+            <a:r>
+              <a:rPr lang="en-US" dirty="0" smtClean="0"/>
+              <a:t> </a:t>
+            </a:r>
+            <a:r>
+              <a:rPr lang="en-US" dirty="0" err="1" smtClean="0"/>
+              <a:t>là</a:t>
+            </a:r>
+            <a:r>
+              <a:rPr lang="en-US" dirty="0" smtClean="0"/>
+              <a:t> </a:t>
+            </a:r>
+            <a:r>
+              <a:rPr lang="en-US" dirty="0" err="1" smtClean="0"/>
+              <a:t>bước</a:t>
+            </a:r>
+            <a:r>
+              <a:rPr lang="en-US" dirty="0" smtClean="0"/>
+              <a:t> </a:t>
+            </a:r>
+            <a:r>
+              <a:rPr lang="en-US" dirty="0" err="1" smtClean="0"/>
+              <a:t>khởi</a:t>
+            </a:r>
+            <a:r>
+              <a:rPr lang="en-US" dirty="0" smtClean="0"/>
+              <a:t> </a:t>
+            </a:r>
+            <a:r>
+              <a:rPr lang="en-US" dirty="0" err="1" smtClean="0"/>
+              <a:t>tạo</a:t>
+            </a:r>
+            <a:r>
+              <a:rPr lang="en-US" dirty="0" smtClean="0"/>
+              <a:t> </a:t>
+            </a:r>
+            <a:r>
+              <a:rPr lang="en-US" dirty="0" err="1" smtClean="0"/>
+              <a:t>các</a:t>
+            </a:r>
+            <a:r>
+              <a:rPr lang="en-US" dirty="0" smtClean="0"/>
+              <a:t> buffer object </a:t>
+            </a:r>
+            <a:r>
+              <a:rPr lang="en-US" dirty="0" err="1" smtClean="0"/>
+              <a:t>để</a:t>
+            </a:r>
+            <a:r>
+              <a:rPr lang="en-US" dirty="0" smtClean="0"/>
+              <a:t> </a:t>
+            </a:r>
+            <a:r>
+              <a:rPr lang="en-US" dirty="0" err="1" smtClean="0"/>
+              <a:t>sử</a:t>
+            </a:r>
+            <a:r>
+              <a:rPr lang="en-US" dirty="0" smtClean="0"/>
+              <a:t> </a:t>
+            </a:r>
+            <a:r>
+              <a:rPr lang="en-US" dirty="0" err="1" smtClean="0"/>
+              <a:t>dụng</a:t>
+            </a:r>
+            <a:r>
+              <a:rPr lang="en-US" dirty="0" smtClean="0"/>
+              <a:t> </a:t>
+            </a:r>
+            <a:r>
+              <a:rPr lang="en-US" dirty="0" err="1" smtClean="0"/>
+              <a:t>cho</a:t>
+            </a:r>
+            <a:r>
+              <a:rPr lang="en-US" dirty="0" smtClean="0"/>
+              <a:t> </a:t>
+            </a:r>
+            <a:r>
+              <a:rPr lang="en-US" dirty="0" err="1" smtClean="0"/>
+              <a:t>các</a:t>
+            </a:r>
+            <a:r>
+              <a:rPr lang="en-US" dirty="0" smtClean="0"/>
+              <a:t> kernel.</a:t>
+            </a:r>
+          </a:p>
+          <a:p>
+            <a:r>
+              <a:rPr lang="en-US" dirty="0" err="1" smtClean="0"/>
+              <a:t>Một</a:t>
+            </a:r>
+            <a:r>
+              <a:rPr lang="en-US" dirty="0" smtClean="0"/>
+              <a:t> </a:t>
+            </a:r>
+            <a:r>
+              <a:rPr lang="en-US" i="1" dirty="0"/>
+              <a:t>buffer </a:t>
+            </a:r>
+            <a:r>
+              <a:rPr lang="en-US" dirty="0"/>
+              <a:t>object </a:t>
+            </a:r>
+            <a:r>
+              <a:rPr lang="en-US" dirty="0" err="1" smtClean="0"/>
+              <a:t>chứa</a:t>
+            </a:r>
+            <a:r>
+              <a:rPr lang="en-US" dirty="0" smtClean="0"/>
+              <a:t> </a:t>
+            </a:r>
+            <a:r>
+              <a:rPr lang="en-US" dirty="0" err="1" smtClean="0"/>
+              <a:t>một</a:t>
+            </a:r>
+            <a:r>
+              <a:rPr lang="en-US" dirty="0" smtClean="0"/>
+              <a:t> </a:t>
+            </a:r>
+            <a:r>
+              <a:rPr lang="en-US" dirty="0" err="1" smtClean="0"/>
+              <a:t>tập</a:t>
+            </a:r>
+            <a:r>
+              <a:rPr lang="en-US" dirty="0" smtClean="0"/>
+              <a:t> </a:t>
+            </a:r>
+            <a:r>
+              <a:rPr lang="en-US" dirty="0" err="1" smtClean="0"/>
+              <a:t>dữ</a:t>
+            </a:r>
+            <a:r>
+              <a:rPr lang="en-US" dirty="0" smtClean="0"/>
+              <a:t> </a:t>
+            </a:r>
+            <a:r>
+              <a:rPr lang="en-US" dirty="0" err="1" smtClean="0"/>
+              <a:t>liệu</a:t>
+            </a:r>
+            <a:r>
+              <a:rPr lang="en-US" dirty="0" smtClean="0"/>
+              <a:t> </a:t>
+            </a:r>
+            <a:r>
+              <a:rPr lang="en-US" dirty="0" err="1" smtClean="0"/>
+              <a:t>một</a:t>
+            </a:r>
+            <a:r>
+              <a:rPr lang="en-US" dirty="0" smtClean="0"/>
+              <a:t> </a:t>
+            </a:r>
+            <a:r>
+              <a:rPr lang="en-US" dirty="0" err="1" smtClean="0"/>
+              <a:t>chiều</a:t>
+            </a:r>
+            <a:r>
+              <a:rPr lang="en-US" dirty="0" smtClean="0"/>
+              <a:t>. </a:t>
+            </a:r>
+          </a:p>
+          <a:p>
+            <a:r>
+              <a:rPr lang="en-US" dirty="0" err="1" smtClean="0"/>
+              <a:t>Dữ</a:t>
+            </a:r>
+            <a:r>
+              <a:rPr lang="en-US" dirty="0" smtClean="0"/>
+              <a:t> </a:t>
+            </a:r>
+            <a:r>
+              <a:rPr lang="en-US" dirty="0" err="1" smtClean="0"/>
+              <a:t>liệu</a:t>
+            </a:r>
+            <a:r>
+              <a:rPr lang="en-US" dirty="0" smtClean="0"/>
+              <a:t> </a:t>
+            </a:r>
+            <a:r>
+              <a:rPr lang="en-US" dirty="0" err="1" smtClean="0"/>
+              <a:t>của</a:t>
+            </a:r>
+            <a:r>
+              <a:rPr lang="en-US" dirty="0" smtClean="0"/>
+              <a:t> </a:t>
+            </a:r>
+            <a:r>
+              <a:rPr lang="en-US" dirty="0" err="1" smtClean="0"/>
+              <a:t>một</a:t>
+            </a:r>
+            <a:r>
+              <a:rPr lang="en-US" dirty="0" smtClean="0"/>
+              <a:t> </a:t>
+            </a:r>
+            <a:r>
+              <a:rPr lang="en-US" i="1" dirty="0" smtClean="0"/>
+              <a:t>buffer </a:t>
+            </a:r>
+            <a:r>
+              <a:rPr lang="en-US" dirty="0"/>
+              <a:t>object </a:t>
+            </a:r>
+            <a:r>
+              <a:rPr lang="en-US" dirty="0" err="1" smtClean="0"/>
+              <a:t>có</a:t>
+            </a:r>
+            <a:r>
+              <a:rPr lang="en-US" dirty="0" smtClean="0"/>
+              <a:t> </a:t>
+            </a:r>
+            <a:r>
+              <a:rPr lang="en-US" dirty="0" err="1" smtClean="0"/>
+              <a:t>thể</a:t>
+            </a:r>
+            <a:r>
+              <a:rPr lang="en-US" dirty="0" smtClean="0"/>
+              <a:t> </a:t>
+            </a:r>
+            <a:r>
+              <a:rPr lang="en-US" dirty="0" err="1" smtClean="0"/>
+              <a:t>là</a:t>
+            </a:r>
+            <a:r>
+              <a:rPr lang="en-US" dirty="0"/>
+              <a:t> </a:t>
+            </a:r>
+            <a:r>
+              <a:rPr lang="en-US" dirty="0" err="1" smtClean="0"/>
+              <a:t>kiểu</a:t>
+            </a:r>
+            <a:r>
+              <a:rPr lang="en-US" dirty="0" smtClean="0"/>
+              <a:t> </a:t>
+            </a:r>
+            <a:r>
+              <a:rPr lang="en-US" dirty="0" err="1" smtClean="0"/>
+              <a:t>vô</a:t>
+            </a:r>
+            <a:r>
+              <a:rPr lang="en-US" dirty="0" smtClean="0"/>
+              <a:t> </a:t>
+            </a:r>
+            <a:r>
+              <a:rPr lang="en-US" dirty="0" err="1" smtClean="0"/>
+              <a:t>hướng</a:t>
+            </a:r>
+            <a:r>
+              <a:rPr lang="en-US" dirty="0" smtClean="0"/>
+              <a:t>(</a:t>
+            </a:r>
+            <a:r>
+              <a:rPr lang="en-US" dirty="0" err="1" smtClean="0"/>
+              <a:t>như</a:t>
+            </a:r>
+            <a:r>
+              <a:rPr lang="en-US" dirty="0" smtClean="0"/>
+              <a:t> </a:t>
+            </a:r>
+            <a:r>
+              <a:rPr lang="en-US" dirty="0" err="1" smtClean="0"/>
+              <a:t>là</a:t>
+            </a:r>
+            <a:r>
+              <a:rPr lang="en-US" dirty="0" smtClean="0"/>
+              <a:t>  </a:t>
+            </a:r>
+            <a:r>
+              <a:rPr lang="en-US" dirty="0" err="1"/>
+              <a:t>int</a:t>
+            </a:r>
+            <a:r>
+              <a:rPr lang="en-US" dirty="0"/>
+              <a:t>, float), </a:t>
+            </a:r>
+            <a:r>
+              <a:rPr lang="en-US" dirty="0" err="1" smtClean="0"/>
+              <a:t>kiểu</a:t>
+            </a:r>
+            <a:r>
+              <a:rPr lang="en-US" dirty="0" smtClean="0"/>
+              <a:t> vector, hay </a:t>
+            </a:r>
+            <a:r>
+              <a:rPr lang="en-US" dirty="0" err="1" smtClean="0"/>
+              <a:t>kiểu</a:t>
+            </a:r>
+            <a:r>
+              <a:rPr lang="en-US" dirty="0" smtClean="0"/>
+              <a:t> </a:t>
+            </a:r>
+            <a:r>
+              <a:rPr lang="en-US" dirty="0" err="1" smtClean="0"/>
+              <a:t>dữ</a:t>
+            </a:r>
+            <a:r>
+              <a:rPr lang="en-US" dirty="0" smtClean="0"/>
+              <a:t> </a:t>
+            </a:r>
+            <a:r>
+              <a:rPr lang="en-US" dirty="0" err="1" smtClean="0"/>
+              <a:t>liệu</a:t>
+            </a:r>
+            <a:r>
+              <a:rPr lang="en-US" dirty="0" smtClean="0"/>
+              <a:t> do </a:t>
+            </a:r>
+            <a:r>
+              <a:rPr lang="en-US" dirty="0" err="1" smtClean="0"/>
+              <a:t>người</a:t>
+            </a:r>
+            <a:r>
+              <a:rPr lang="en-US" dirty="0" smtClean="0"/>
+              <a:t> </a:t>
+            </a:r>
+            <a:r>
+              <a:rPr lang="en-US" dirty="0" err="1" smtClean="0"/>
+              <a:t>dùng</a:t>
+            </a:r>
+            <a:r>
+              <a:rPr lang="en-US" dirty="0" smtClean="0"/>
+              <a:t> </a:t>
+            </a:r>
+            <a:r>
+              <a:rPr lang="en-US" dirty="0" err="1" smtClean="0"/>
+              <a:t>định</a:t>
+            </a:r>
+            <a:r>
+              <a:rPr lang="en-US" dirty="0" smtClean="0"/>
+              <a:t> </a:t>
+            </a:r>
+            <a:r>
+              <a:rPr lang="en-US" dirty="0" err="1" smtClean="0"/>
+              <a:t>nghĩa</a:t>
+            </a:r>
+            <a:r>
+              <a:rPr lang="en-US" dirty="0" smtClean="0"/>
+              <a:t>.</a:t>
+            </a:r>
+          </a:p>
+          <a:p>
+            <a:endParaRPr lang="en-US" dirty="0"/>
+          </a:p>
+        </p:txBody>
+      </p:sp>
+    </p:spTree>
+    <p:extLst>
+      <p:ext uri="{BB962C8B-B14F-4D97-AF65-F5344CB8AC3E}">
+        <p14:creationId xmlns:p14="http://schemas.microsoft.com/office/powerpoint/2010/main" val="24931674"/>
+      </p:ext>
+    </p:extLst>
+  </p:cSld>
+  <p:clrMapOvr>
+    <a:masterClrMapping/>
+  </p:clrMapOvr>
+</p:sld>
+</file>
+
+<file path=ppt/slides/slide26.xml><?xml version="1.0" encoding="utf-8"?>
+<p:sld xmlns:a="http://schemas.openxmlformats.org/drawingml/2006/main" xmlns:r="http://schemas.openxmlformats.org/officeDocument/2006/relationships" xmlns:p="http://schemas.openxmlformats.org/presentationml/2006/main">
+  <p:cSld>
+    <p:spTree>
+      <p:nvGrpSpPr>
+        <p:cNvPr id="1" name=""/>
+        <p:cNvGrpSpPr/>
+        <p:nvPr/>
+      </p:nvGrpSpPr>
+      <p:grpSpPr>
+        <a:xfrm>
+          <a:off x="0" y="0"/>
+          <a:ext cx="0" cy="0"/>
+          <a:chOff x="0" y="0"/>
+          <a:chExt cx="0" cy="0"/>
+        </a:xfrm>
+      </p:grpSpPr>
+      <p:sp>
+        <p:nvSpPr>
+          <p:cNvPr id="2" name="Title 1"/>
+          <p:cNvSpPr>
+            <a:spLocks noGrp="1"/>
+          </p:cNvSpPr>
+          <p:nvPr>
+            <p:ph type="title"/>
+          </p:nvPr>
+        </p:nvSpPr>
+        <p:spPr/>
+        <p:txBody>
+          <a:bodyPr/>
+          <a:lstStyle/>
+          <a:p>
+            <a:r>
+              <a:rPr lang="en-US" dirty="0" err="1"/>
+              <a:t>Tạo</a:t>
+            </a:r>
+            <a:r>
+              <a:rPr lang="en-US" dirty="0"/>
+              <a:t> </a:t>
+            </a:r>
+            <a:r>
+              <a:rPr lang="en-US" dirty="0" smtClean="0"/>
+              <a:t>buffer </a:t>
+            </a:r>
+            <a:r>
+              <a:rPr lang="en-US" dirty="0"/>
+              <a:t>object </a:t>
+            </a:r>
+            <a:r>
+              <a:rPr lang="en-US" dirty="0" err="1"/>
+              <a:t>cho</a:t>
+            </a:r>
+            <a:r>
+              <a:rPr lang="en-US" dirty="0"/>
+              <a:t> </a:t>
+            </a:r>
+            <a:r>
+              <a:rPr lang="en-US" dirty="0" smtClean="0"/>
+              <a:t>kernel</a:t>
+            </a:r>
+            <a:endParaRPr lang="en-US" dirty="0"/>
+          </a:p>
+        </p:txBody>
+      </p:sp>
+      <p:sp>
+        <p:nvSpPr>
+          <p:cNvPr id="3" name="Content Placeholder 2"/>
+          <p:cNvSpPr>
+            <a:spLocks noGrp="1"/>
+          </p:cNvSpPr>
+          <p:nvPr>
+            <p:ph idx="1"/>
+          </p:nvPr>
+        </p:nvSpPr>
+        <p:spPr/>
+        <p:txBody>
+          <a:bodyPr/>
+          <a:lstStyle/>
+          <a:p>
+            <a:r>
+              <a:rPr lang="en-US" dirty="0" err="1"/>
+              <a:t>cl_mem</a:t>
+            </a:r>
+            <a:r>
+              <a:rPr lang="en-US" dirty="0"/>
+              <a:t> </a:t>
+            </a:r>
+            <a:r>
+              <a:rPr lang="en-US" b="1" dirty="0" err="1"/>
+              <a:t>clCreateBuffer</a:t>
+            </a:r>
+            <a:r>
+              <a:rPr lang="en-US" b="1" dirty="0"/>
+              <a:t> </a:t>
+            </a:r>
+            <a:r>
+              <a:rPr lang="en-US" dirty="0"/>
+              <a:t>(</a:t>
+            </a:r>
+            <a:r>
+              <a:rPr lang="en-US" dirty="0" err="1"/>
+              <a:t>cl_context</a:t>
+            </a:r>
+            <a:r>
+              <a:rPr lang="en-US" dirty="0"/>
+              <a:t> </a:t>
+            </a:r>
+            <a:r>
+              <a:rPr lang="en-US" i="1" dirty="0"/>
+              <a:t>context</a:t>
+            </a:r>
+            <a:r>
+              <a:rPr lang="en-US" dirty="0"/>
+              <a:t>, </a:t>
+            </a:r>
+            <a:r>
+              <a:rPr lang="en-US" dirty="0" err="1"/>
+              <a:t>cl_mem_flags</a:t>
+            </a:r>
+            <a:r>
+              <a:rPr lang="en-US" dirty="0"/>
+              <a:t> </a:t>
+            </a:r>
+            <a:r>
+              <a:rPr lang="en-US" i="1" dirty="0"/>
+              <a:t>flags</a:t>
+            </a:r>
+            <a:r>
+              <a:rPr lang="en-US" dirty="0"/>
+              <a:t>, </a:t>
+            </a:r>
+            <a:r>
+              <a:rPr lang="en-US" dirty="0" err="1"/>
+              <a:t>size_t</a:t>
+            </a:r>
+            <a:r>
+              <a:rPr lang="en-US" dirty="0"/>
+              <a:t> </a:t>
+            </a:r>
+            <a:r>
+              <a:rPr lang="en-US" i="1" dirty="0"/>
+              <a:t>size</a:t>
+            </a:r>
+            <a:r>
+              <a:rPr lang="en-US" dirty="0"/>
+              <a:t>, void *</a:t>
+            </a:r>
+            <a:r>
+              <a:rPr lang="en-US" i="1" dirty="0" err="1"/>
+              <a:t>host_ptr</a:t>
+            </a:r>
+            <a:r>
+              <a:rPr lang="en-US" dirty="0"/>
+              <a:t>, </a:t>
+            </a:r>
+            <a:r>
+              <a:rPr lang="en-US" dirty="0" err="1"/>
+              <a:t>cl_int</a:t>
+            </a:r>
+            <a:r>
+              <a:rPr lang="en-US" dirty="0"/>
+              <a:t> *</a:t>
+            </a:r>
+            <a:r>
+              <a:rPr lang="en-US" i="1" dirty="0" err="1"/>
+              <a:t>errcode_ret</a:t>
+            </a:r>
+            <a:r>
+              <a:rPr lang="en-US" dirty="0"/>
+              <a:t>)</a:t>
+            </a:r>
+            <a:endParaRPr lang="en-US" dirty="0"/>
+          </a:p>
+        </p:txBody>
+      </p:sp>
+    </p:spTree>
+    <p:extLst>
+      <p:ext uri="{BB962C8B-B14F-4D97-AF65-F5344CB8AC3E}">
+        <p14:creationId xmlns:p14="http://schemas.microsoft.com/office/powerpoint/2010/main" val="810540586"/>
+      </p:ext>
+    </p:extLst>
+  </p:cSld>
+  <p:clrMapOvr>
+    <a:masterClrMapping/>
+  </p:clrMapOvr>
+</p:sld>
+</file>
+
+<file path=ppt/slides/slide27.xml><?xml version="1.0" encoding="utf-8"?>
+<p:sld xmlns:a="http://schemas.openxmlformats.org/drawingml/2006/main" xmlns:r="http://schemas.openxmlformats.org/officeDocument/2006/relationships" xmlns:p="http://schemas.openxmlformats.org/presentationml/2006/main">
+  <p:cSld>
+    <p:spTree>
+      <p:nvGrpSpPr>
+        <p:cNvPr id="1" name=""/>
+        <p:cNvGrpSpPr/>
+        <p:nvPr/>
+      </p:nvGrpSpPr>
+      <p:grpSpPr>
+        <a:xfrm>
+          <a:off x="0" y="0"/>
+          <a:ext cx="0" cy="0"/>
+          <a:chOff x="0" y="0"/>
+          <a:chExt cx="0" cy="0"/>
+        </a:xfrm>
+      </p:grpSpPr>
+      <p:sp>
+        <p:nvSpPr>
+          <p:cNvPr id="2" name="Title 1"/>
+          <p:cNvSpPr>
+            <a:spLocks noGrp="1"/>
+          </p:cNvSpPr>
+          <p:nvPr>
+            <p:ph type="title"/>
+          </p:nvPr>
+        </p:nvSpPr>
+        <p:spPr/>
+        <p:txBody>
+          <a:bodyPr/>
+          <a:lstStyle/>
+          <a:p>
+            <a:r>
+              <a:rPr lang="en-US" dirty="0" err="1" smtClean="0"/>
+              <a:t>Tạo</a:t>
+            </a:r>
+            <a:r>
+              <a:rPr lang="en-US" dirty="0" smtClean="0"/>
+              <a:t> </a:t>
+            </a:r>
+            <a:r>
+              <a:rPr lang="en-US" dirty="0" err="1"/>
+              <a:t>và</a:t>
+            </a:r>
+            <a:r>
+              <a:rPr lang="en-US" dirty="0"/>
+              <a:t> </a:t>
+            </a:r>
+            <a:r>
+              <a:rPr lang="en-US" dirty="0" err="1"/>
+              <a:t>thực</a:t>
+            </a:r>
+            <a:r>
+              <a:rPr lang="en-US" dirty="0"/>
+              <a:t> </a:t>
+            </a:r>
+            <a:r>
+              <a:rPr lang="en-US" dirty="0" err="1"/>
+              <a:t>thi</a:t>
+            </a:r>
+            <a:r>
+              <a:rPr lang="en-US" dirty="0"/>
+              <a:t> kernel </a:t>
+            </a:r>
+            <a:r>
+              <a:rPr lang="en-US" dirty="0" smtClean="0"/>
+              <a:t>object</a:t>
+            </a:r>
+            <a:endParaRPr lang="en-US" dirty="0"/>
+          </a:p>
+        </p:txBody>
+      </p:sp>
+      <p:sp>
+        <p:nvSpPr>
+          <p:cNvPr id="3" name="Content Placeholder 2"/>
+          <p:cNvSpPr>
+            <a:spLocks noGrp="1"/>
+          </p:cNvSpPr>
+          <p:nvPr>
+            <p:ph idx="1"/>
+          </p:nvPr>
+        </p:nvSpPr>
+        <p:spPr/>
+        <p:txBody>
+          <a:bodyPr/>
+          <a:lstStyle/>
+          <a:p>
+            <a:r>
+              <a:rPr lang="en-US" dirty="0" err="1" smtClean="0"/>
+              <a:t>Một</a:t>
+            </a:r>
+            <a:r>
+              <a:rPr lang="en-US" dirty="0" smtClean="0"/>
+              <a:t> kernel </a:t>
+            </a:r>
+            <a:r>
+              <a:rPr lang="en-US" dirty="0" err="1" smtClean="0"/>
+              <a:t>được</a:t>
+            </a:r>
+            <a:r>
+              <a:rPr lang="en-US" dirty="0" smtClean="0"/>
+              <a:t> </a:t>
+            </a:r>
+            <a:r>
+              <a:rPr lang="en-US" dirty="0" err="1" smtClean="0"/>
+              <a:t>xem</a:t>
+            </a:r>
+            <a:r>
+              <a:rPr lang="en-US" dirty="0" smtClean="0"/>
+              <a:t> </a:t>
+            </a:r>
+            <a:r>
+              <a:rPr lang="en-US" dirty="0" err="1" smtClean="0"/>
+              <a:t>như</a:t>
+            </a:r>
+            <a:r>
+              <a:rPr lang="en-US" dirty="0" smtClean="0"/>
+              <a:t> </a:t>
+            </a:r>
+            <a:r>
+              <a:rPr lang="en-US" dirty="0" err="1" smtClean="0"/>
+              <a:t>một</a:t>
+            </a:r>
+            <a:r>
+              <a:rPr lang="en-US" dirty="0" smtClean="0"/>
+              <a:t> </a:t>
+            </a:r>
+            <a:r>
+              <a:rPr lang="en-US" dirty="0" err="1" smtClean="0"/>
+              <a:t>hàm</a:t>
+            </a:r>
+            <a:r>
+              <a:rPr lang="en-US" dirty="0" smtClean="0"/>
+              <a:t> </a:t>
+            </a:r>
+            <a:r>
+              <a:rPr lang="en-US" dirty="0" err="1" smtClean="0"/>
+              <a:t>và</a:t>
+            </a:r>
+            <a:r>
+              <a:rPr lang="en-US" dirty="0" smtClean="0"/>
+              <a:t> </a:t>
+            </a:r>
+            <a:r>
+              <a:rPr lang="en-US" dirty="0" err="1" smtClean="0"/>
+              <a:t>sẽ</a:t>
+            </a:r>
+            <a:r>
+              <a:rPr lang="en-US" dirty="0" smtClean="0"/>
+              <a:t> </a:t>
+            </a:r>
+            <a:r>
+              <a:rPr lang="en-US" dirty="0" err="1" smtClean="0"/>
+              <a:t>được</a:t>
+            </a:r>
+            <a:r>
+              <a:rPr lang="en-US" dirty="0" smtClean="0"/>
+              <a:t> </a:t>
+            </a:r>
+            <a:r>
+              <a:rPr lang="en-US" dirty="0" err="1" smtClean="0"/>
+              <a:t>đưa</a:t>
+            </a:r>
+            <a:r>
+              <a:rPr lang="en-US" dirty="0" smtClean="0"/>
+              <a:t> </a:t>
+            </a:r>
+            <a:r>
+              <a:rPr lang="en-US" dirty="0" err="1" smtClean="0"/>
+              <a:t>vào</a:t>
+            </a:r>
+            <a:r>
+              <a:rPr lang="en-US" dirty="0" smtClean="0"/>
+              <a:t> command queue </a:t>
+            </a:r>
+            <a:r>
+              <a:rPr lang="en-US" dirty="0" err="1" smtClean="0"/>
+              <a:t>để</a:t>
+            </a:r>
+            <a:r>
+              <a:rPr lang="en-US" dirty="0" smtClean="0"/>
+              <a:t> </a:t>
+            </a:r>
+            <a:r>
+              <a:rPr lang="en-US" dirty="0" err="1" smtClean="0"/>
+              <a:t>thực</a:t>
+            </a:r>
+            <a:r>
+              <a:rPr lang="en-US" dirty="0" smtClean="0"/>
+              <a:t> </a:t>
+            </a:r>
+            <a:r>
+              <a:rPr lang="en-US" dirty="0" err="1" smtClean="0"/>
+              <a:t>thi</a:t>
+            </a:r>
+            <a:r>
+              <a:rPr lang="en-US" dirty="0" smtClean="0"/>
+              <a:t>.</a:t>
+            </a:r>
+          </a:p>
+          <a:p>
+            <a:r>
+              <a:rPr lang="en-US" dirty="0" smtClean="0"/>
+              <a:t>Kernel </a:t>
+            </a:r>
+            <a:r>
+              <a:rPr lang="en-US" dirty="0" err="1" smtClean="0"/>
+              <a:t>cần</a:t>
+            </a:r>
+            <a:r>
+              <a:rPr lang="en-US" dirty="0" smtClean="0"/>
+              <a:t> </a:t>
+            </a:r>
+            <a:r>
+              <a:rPr lang="en-US" dirty="0" err="1" smtClean="0"/>
+              <a:t>được</a:t>
+            </a:r>
+            <a:r>
+              <a:rPr lang="en-US" dirty="0" smtClean="0"/>
+              <a:t> </a:t>
+            </a:r>
+            <a:r>
+              <a:rPr lang="en-US" dirty="0" err="1" smtClean="0"/>
+              <a:t>truyền</a:t>
+            </a:r>
+            <a:r>
+              <a:rPr lang="en-US" dirty="0" smtClean="0"/>
+              <a:t> </a:t>
+            </a:r>
+            <a:r>
+              <a:rPr lang="en-US" dirty="0" err="1" smtClean="0"/>
+              <a:t>các</a:t>
+            </a:r>
+            <a:r>
+              <a:rPr lang="en-US" dirty="0" smtClean="0"/>
+              <a:t> </a:t>
+            </a:r>
+            <a:r>
+              <a:rPr lang="en-US" dirty="0" err="1" smtClean="0"/>
+              <a:t>tham</a:t>
+            </a:r>
+            <a:r>
+              <a:rPr lang="en-US" dirty="0" smtClean="0"/>
+              <a:t> </a:t>
+            </a:r>
+            <a:r>
+              <a:rPr lang="en-US" dirty="0" err="1" smtClean="0"/>
+              <a:t>số</a:t>
+            </a:r>
+            <a:r>
+              <a:rPr lang="en-US" dirty="0" smtClean="0"/>
+              <a:t> </a:t>
+            </a:r>
+            <a:r>
+              <a:rPr lang="en-US" dirty="0" err="1" smtClean="0"/>
+              <a:t>đầu</a:t>
+            </a:r>
+            <a:r>
+              <a:rPr lang="en-US" dirty="0" smtClean="0"/>
+              <a:t> </a:t>
+            </a:r>
+            <a:r>
+              <a:rPr lang="en-US" dirty="0" err="1" smtClean="0"/>
+              <a:t>vào</a:t>
+            </a:r>
+            <a:r>
+              <a:rPr lang="en-US" dirty="0" smtClean="0"/>
+              <a:t> </a:t>
+            </a:r>
+            <a:r>
+              <a:rPr lang="en-US" dirty="0" err="1" smtClean="0"/>
+              <a:t>để</a:t>
+            </a:r>
+            <a:r>
+              <a:rPr lang="en-US" dirty="0" smtClean="0"/>
+              <a:t> </a:t>
+            </a:r>
+            <a:r>
+              <a:rPr lang="en-US" dirty="0" err="1" smtClean="0"/>
+              <a:t>thực</a:t>
+            </a:r>
+            <a:r>
+              <a:rPr lang="en-US" dirty="0" smtClean="0"/>
+              <a:t> </a:t>
+            </a:r>
+            <a:r>
+              <a:rPr lang="en-US" dirty="0" err="1" smtClean="0"/>
+              <a:t>thi</a:t>
+            </a:r>
+            <a:r>
+              <a:rPr lang="en-US" dirty="0" smtClean="0"/>
+              <a:t> </a:t>
+            </a:r>
+            <a:r>
+              <a:rPr lang="en-US" dirty="0" err="1" smtClean="0"/>
+              <a:t>và</a:t>
+            </a:r>
+            <a:r>
+              <a:rPr lang="en-US" dirty="0" smtClean="0"/>
+              <a:t> </a:t>
+            </a:r>
+            <a:r>
+              <a:rPr lang="en-US" dirty="0" err="1" smtClean="0"/>
+              <a:t>đầu</a:t>
+            </a:r>
+            <a:r>
+              <a:rPr lang="en-US" dirty="0"/>
+              <a:t> </a:t>
+            </a:r>
+            <a:r>
+              <a:rPr lang="en-US" dirty="0" err="1" smtClean="0"/>
+              <a:t>ra</a:t>
+            </a:r>
+            <a:r>
+              <a:rPr lang="en-US" dirty="0" smtClean="0"/>
+              <a:t> </a:t>
+            </a:r>
+            <a:r>
+              <a:rPr lang="en-US" dirty="0" err="1" smtClean="0"/>
+              <a:t>để</a:t>
+            </a:r>
+            <a:r>
+              <a:rPr lang="en-US" dirty="0" smtClean="0"/>
+              <a:t> </a:t>
+            </a:r>
+            <a:r>
+              <a:rPr lang="en-US" dirty="0" err="1" smtClean="0"/>
+              <a:t>trả</a:t>
+            </a:r>
+            <a:r>
+              <a:rPr lang="en-US" dirty="0" smtClean="0"/>
+              <a:t> </a:t>
+            </a:r>
+            <a:r>
+              <a:rPr lang="en-US" dirty="0" err="1" smtClean="0"/>
+              <a:t>kết</a:t>
+            </a:r>
+            <a:r>
+              <a:rPr lang="en-US" dirty="0" smtClean="0"/>
+              <a:t> </a:t>
+            </a:r>
+            <a:r>
+              <a:rPr lang="en-US" dirty="0" err="1" smtClean="0"/>
+              <a:t>quả</a:t>
+            </a:r>
+            <a:r>
+              <a:rPr lang="en-US" dirty="0" smtClean="0"/>
+              <a:t> </a:t>
+            </a:r>
+            <a:r>
+              <a:rPr lang="en-US" dirty="0" err="1" smtClean="0"/>
+              <a:t>sau</a:t>
+            </a:r>
+            <a:r>
+              <a:rPr lang="en-US" dirty="0" smtClean="0"/>
+              <a:t> </a:t>
+            </a:r>
+            <a:r>
+              <a:rPr lang="en-US" dirty="0" err="1" smtClean="0"/>
+              <a:t>khi</a:t>
+            </a:r>
+            <a:r>
+              <a:rPr lang="en-US" dirty="0" smtClean="0"/>
+              <a:t> </a:t>
+            </a:r>
+            <a:r>
+              <a:rPr lang="en-US" dirty="0" err="1" smtClean="0"/>
+              <a:t>thực</a:t>
+            </a:r>
+            <a:r>
+              <a:rPr lang="en-US" dirty="0" smtClean="0"/>
+              <a:t> </a:t>
+            </a:r>
+            <a:r>
+              <a:rPr lang="en-US" dirty="0" err="1" smtClean="0"/>
+              <a:t>thi</a:t>
+            </a:r>
+            <a:r>
+              <a:rPr lang="en-US" dirty="0" smtClean="0"/>
+              <a:t> </a:t>
+            </a:r>
+            <a:r>
+              <a:rPr lang="en-US" dirty="0" err="1" smtClean="0"/>
+              <a:t>xong</a:t>
+            </a:r>
+            <a:r>
+              <a:rPr lang="en-US" dirty="0" smtClean="0"/>
+              <a:t>.</a:t>
+            </a:r>
+          </a:p>
+          <a:p>
+            <a:endParaRPr lang="en-US" dirty="0"/>
+          </a:p>
+        </p:txBody>
+      </p:sp>
+    </p:spTree>
+    <p:extLst>
+      <p:ext uri="{BB962C8B-B14F-4D97-AF65-F5344CB8AC3E}">
+        <p14:creationId xmlns:p14="http://schemas.microsoft.com/office/powerpoint/2010/main" val="1876045194"/>
+      </p:ext>
+    </p:extLst>
+  </p:cSld>
+  <p:clrMapOvr>
+    <a:masterClrMapping/>
+  </p:clrMapOvr>
+</p:sld>
+</file>
+
+<file path=ppt/slides/slide28.xml><?xml version="1.0" encoding="utf-8"?>
+<p:sld xmlns:a="http://schemas.openxmlformats.org/drawingml/2006/main" xmlns:r="http://schemas.openxmlformats.org/officeDocument/2006/relationships" xmlns:p="http://schemas.openxmlformats.org/presentationml/2006/main">
+  <p:cSld>
+    <p:spTree>
+      <p:nvGrpSpPr>
+        <p:cNvPr id="1" name=""/>
+        <p:cNvGrpSpPr/>
+        <p:nvPr/>
+      </p:nvGrpSpPr>
+      <p:grpSpPr>
+        <a:xfrm>
+          <a:off x="0" y="0"/>
+          <a:ext cx="0" cy="0"/>
+          <a:chOff x="0" y="0"/>
+          <a:chExt cx="0" cy="0"/>
+        </a:xfrm>
+      </p:grpSpPr>
+      <p:sp>
+        <p:nvSpPr>
+          <p:cNvPr id="2" name="Title 1"/>
+          <p:cNvSpPr>
+            <a:spLocks noGrp="1"/>
+          </p:cNvSpPr>
+          <p:nvPr>
+            <p:ph type="title"/>
+          </p:nvPr>
+        </p:nvSpPr>
+        <p:spPr/>
+        <p:txBody>
+          <a:bodyPr/>
+          <a:lstStyle/>
+          <a:p>
+            <a:r>
+              <a:rPr lang="en-US" dirty="0" err="1" smtClean="0"/>
+              <a:t>Tạo</a:t>
+            </a:r>
+            <a:r>
+              <a:rPr lang="en-US" dirty="0" smtClean="0"/>
+              <a:t> </a:t>
+            </a:r>
+            <a:r>
+              <a:rPr lang="en-US" dirty="0" err="1"/>
+              <a:t>và</a:t>
+            </a:r>
+            <a:r>
+              <a:rPr lang="en-US" dirty="0"/>
+              <a:t> </a:t>
+            </a:r>
+            <a:r>
+              <a:rPr lang="en-US" dirty="0" err="1"/>
+              <a:t>thực</a:t>
+            </a:r>
+            <a:r>
+              <a:rPr lang="en-US" dirty="0"/>
+              <a:t> </a:t>
+            </a:r>
+            <a:r>
+              <a:rPr lang="en-US" dirty="0" err="1"/>
+              <a:t>thi</a:t>
+            </a:r>
+            <a:r>
+              <a:rPr lang="en-US" dirty="0"/>
+              <a:t> kernel </a:t>
+            </a:r>
+            <a:r>
+              <a:rPr lang="en-US" dirty="0" smtClean="0"/>
+              <a:t>object</a:t>
+            </a:r>
+            <a:endParaRPr lang="en-US" dirty="0"/>
+          </a:p>
+        </p:txBody>
+      </p:sp>
+      <p:sp>
+        <p:nvSpPr>
+          <p:cNvPr id="3" name="Content Placeholder 2"/>
+          <p:cNvSpPr>
+            <a:spLocks noGrp="1"/>
+          </p:cNvSpPr>
+          <p:nvPr>
+            <p:ph idx="1"/>
+          </p:nvPr>
+        </p:nvSpPr>
+        <p:spPr/>
+        <p:txBody>
+          <a:bodyPr>
+            <a:normAutofit/>
+          </a:bodyPr>
+          <a:lstStyle/>
+          <a:p>
+            <a:r>
+              <a:rPr lang="en-US" dirty="0" err="1"/>
+              <a:t>cl_kernel</a:t>
+            </a:r>
+            <a:r>
+              <a:rPr lang="en-US" dirty="0"/>
+              <a:t> </a:t>
+            </a:r>
+            <a:r>
+              <a:rPr lang="en-US" b="1" dirty="0" err="1"/>
+              <a:t>clCreateKernel</a:t>
+            </a:r>
+            <a:r>
+              <a:rPr lang="en-US" b="1" dirty="0"/>
+              <a:t> </a:t>
+            </a:r>
+            <a:r>
+              <a:rPr lang="en-US" dirty="0"/>
+              <a:t>(</a:t>
+            </a:r>
+            <a:r>
+              <a:rPr lang="en-US" dirty="0" err="1"/>
+              <a:t>cl_program</a:t>
+            </a:r>
+            <a:r>
+              <a:rPr lang="en-US" dirty="0"/>
+              <a:t> </a:t>
+            </a:r>
+            <a:r>
+              <a:rPr lang="en-US" i="1" dirty="0" smtClean="0"/>
+              <a:t>program, </a:t>
+            </a:r>
+            <a:r>
+              <a:rPr lang="en-US" dirty="0" err="1" smtClean="0"/>
+              <a:t>const</a:t>
+            </a:r>
+            <a:r>
+              <a:rPr lang="en-US" dirty="0" smtClean="0"/>
+              <a:t> </a:t>
+            </a:r>
+            <a:r>
+              <a:rPr lang="en-US" dirty="0"/>
+              <a:t>char *</a:t>
+            </a:r>
+            <a:r>
+              <a:rPr lang="en-US" i="1" dirty="0" err="1" smtClean="0"/>
+              <a:t>kernel_name</a:t>
+            </a:r>
+            <a:r>
+              <a:rPr lang="en-US" dirty="0" smtClean="0"/>
+              <a:t>, </a:t>
+            </a:r>
+            <a:r>
+              <a:rPr lang="en-US" dirty="0" err="1" smtClean="0"/>
+              <a:t>cl_int</a:t>
+            </a:r>
+            <a:r>
+              <a:rPr lang="en-US" dirty="0" smtClean="0"/>
+              <a:t> </a:t>
+            </a:r>
+            <a:r>
+              <a:rPr lang="en-US" dirty="0"/>
+              <a:t>*</a:t>
+            </a:r>
+            <a:r>
+              <a:rPr lang="en-US" i="1" dirty="0" err="1"/>
+              <a:t>errcode_ret</a:t>
+            </a:r>
+            <a:r>
+              <a:rPr lang="en-US" dirty="0" smtClean="0"/>
+              <a:t>)</a:t>
+            </a:r>
+          </a:p>
+          <a:p>
+            <a:r>
+              <a:rPr lang="en-US" dirty="0" err="1"/>
+              <a:t>cl_int</a:t>
+            </a:r>
+            <a:r>
+              <a:rPr lang="en-US" dirty="0"/>
+              <a:t> </a:t>
+            </a:r>
+            <a:r>
+              <a:rPr lang="en-US" b="1" dirty="0" err="1"/>
+              <a:t>clSetKernelArg</a:t>
+            </a:r>
+            <a:r>
+              <a:rPr lang="en-US" b="1" dirty="0"/>
+              <a:t> </a:t>
+            </a:r>
+            <a:r>
+              <a:rPr lang="en-US" dirty="0"/>
+              <a:t>(</a:t>
+            </a:r>
+            <a:r>
+              <a:rPr lang="en-US" dirty="0" err="1"/>
+              <a:t>cl_kernel</a:t>
+            </a:r>
+            <a:r>
+              <a:rPr lang="en-US" dirty="0"/>
+              <a:t> </a:t>
+            </a:r>
+            <a:r>
+              <a:rPr lang="en-US" i="1" dirty="0" smtClean="0"/>
+              <a:t>kernel</a:t>
+            </a:r>
+            <a:r>
+              <a:rPr lang="en-US" dirty="0" smtClean="0"/>
+              <a:t>, </a:t>
+            </a:r>
+            <a:r>
+              <a:rPr lang="en-US" dirty="0" err="1" smtClean="0"/>
+              <a:t>cl_uint</a:t>
+            </a:r>
+            <a:r>
+              <a:rPr lang="en-US" dirty="0" smtClean="0"/>
+              <a:t> </a:t>
+            </a:r>
+            <a:r>
+              <a:rPr lang="en-US" i="1" dirty="0" err="1" smtClean="0"/>
+              <a:t>arg_index</a:t>
+            </a:r>
+            <a:r>
+              <a:rPr lang="en-US" dirty="0" smtClean="0"/>
+              <a:t>, </a:t>
+            </a:r>
+            <a:r>
+              <a:rPr lang="en-US" dirty="0" err="1" smtClean="0"/>
+              <a:t>size_t</a:t>
+            </a:r>
+            <a:r>
+              <a:rPr lang="en-US" dirty="0" smtClean="0"/>
+              <a:t> </a:t>
+            </a:r>
+            <a:r>
+              <a:rPr lang="en-US" i="1" dirty="0" err="1" smtClean="0"/>
+              <a:t>arg_size</a:t>
+            </a:r>
+            <a:r>
+              <a:rPr lang="en-US" dirty="0" smtClean="0"/>
+              <a:t>, </a:t>
+            </a:r>
+            <a:r>
+              <a:rPr lang="en-US" dirty="0" err="1" smtClean="0"/>
+              <a:t>const</a:t>
+            </a:r>
+            <a:r>
+              <a:rPr lang="en-US" dirty="0" smtClean="0"/>
+              <a:t> </a:t>
+            </a:r>
+            <a:r>
+              <a:rPr lang="en-US" dirty="0"/>
+              <a:t>void *</a:t>
+            </a:r>
+            <a:r>
+              <a:rPr lang="en-US" i="1" dirty="0" err="1"/>
+              <a:t>arg_value</a:t>
+            </a:r>
+            <a:r>
+              <a:rPr lang="en-US" dirty="0" smtClean="0"/>
+              <a:t>)</a:t>
+            </a:r>
+          </a:p>
+          <a:p>
+            <a:r>
+              <a:rPr lang="en-US" dirty="0" err="1"/>
+              <a:t>cl_int</a:t>
+            </a:r>
+            <a:r>
+              <a:rPr lang="en-US" dirty="0"/>
+              <a:t> </a:t>
+            </a:r>
+            <a:r>
+              <a:rPr lang="en-US" b="1" dirty="0" err="1"/>
+              <a:t>clEnqueueNDRangeKernel</a:t>
+            </a:r>
+            <a:r>
+              <a:rPr lang="en-US" b="1" dirty="0"/>
+              <a:t> </a:t>
+            </a:r>
+            <a:r>
+              <a:rPr lang="en-US" dirty="0"/>
+              <a:t>(</a:t>
+            </a:r>
+            <a:r>
+              <a:rPr lang="en-US" dirty="0" err="1"/>
+              <a:t>cl_command_queue</a:t>
+            </a:r>
+            <a:r>
+              <a:rPr lang="en-US" dirty="0"/>
+              <a:t> </a:t>
+            </a:r>
+            <a:r>
+              <a:rPr lang="en-US" i="1" dirty="0" err="1" smtClean="0"/>
+              <a:t>command_queue</a:t>
+            </a:r>
+            <a:r>
+              <a:rPr lang="en-US" dirty="0" smtClean="0"/>
+              <a:t>, </a:t>
+            </a:r>
+            <a:r>
+              <a:rPr lang="en-US" dirty="0" err="1" smtClean="0"/>
+              <a:t>cl_kernel</a:t>
+            </a:r>
+            <a:r>
+              <a:rPr lang="en-US" dirty="0" smtClean="0"/>
+              <a:t> </a:t>
+            </a:r>
+            <a:r>
+              <a:rPr lang="en-US" i="1" dirty="0" smtClean="0"/>
+              <a:t>kernel</a:t>
+            </a:r>
+            <a:r>
+              <a:rPr lang="en-US" dirty="0" smtClean="0"/>
+              <a:t>, </a:t>
+            </a:r>
+            <a:r>
+              <a:rPr lang="en-US" dirty="0" err="1" smtClean="0"/>
+              <a:t>cl_uint</a:t>
+            </a:r>
+            <a:r>
+              <a:rPr lang="en-US" dirty="0" smtClean="0"/>
+              <a:t> </a:t>
+            </a:r>
+            <a:r>
+              <a:rPr lang="en-US" i="1" dirty="0" err="1" smtClean="0"/>
+              <a:t>work_dim</a:t>
+            </a:r>
+            <a:r>
+              <a:rPr lang="en-US" dirty="0" smtClean="0"/>
+              <a:t>, </a:t>
+            </a:r>
+            <a:r>
+              <a:rPr lang="en-US" dirty="0" err="1" smtClean="0"/>
+              <a:t>const</a:t>
+            </a:r>
+            <a:r>
+              <a:rPr lang="en-US" dirty="0" smtClean="0"/>
+              <a:t> </a:t>
+            </a:r>
+            <a:r>
+              <a:rPr lang="en-US" dirty="0" err="1"/>
+              <a:t>size_t</a:t>
+            </a:r>
+            <a:r>
+              <a:rPr lang="en-US" dirty="0"/>
+              <a:t> *</a:t>
+            </a:r>
+            <a:r>
+              <a:rPr lang="en-US" i="1" dirty="0" err="1" smtClean="0"/>
+              <a:t>global_work_offset</a:t>
+            </a:r>
+            <a:r>
+              <a:rPr lang="en-US" dirty="0" smtClean="0"/>
+              <a:t>, </a:t>
+            </a:r>
+            <a:r>
+              <a:rPr lang="en-US" dirty="0" err="1" smtClean="0"/>
+              <a:t>const</a:t>
+            </a:r>
+            <a:r>
+              <a:rPr lang="en-US" dirty="0" smtClean="0"/>
+              <a:t> </a:t>
+            </a:r>
+            <a:r>
+              <a:rPr lang="en-US" dirty="0" err="1"/>
+              <a:t>size_t</a:t>
+            </a:r>
+            <a:r>
+              <a:rPr lang="en-US" dirty="0"/>
+              <a:t> *</a:t>
+            </a:r>
+            <a:r>
+              <a:rPr lang="en-US" i="1" dirty="0" err="1" smtClean="0"/>
+              <a:t>global_work_size</a:t>
+            </a:r>
+            <a:r>
+              <a:rPr lang="en-US" dirty="0" smtClean="0"/>
+              <a:t>, </a:t>
+            </a:r>
+            <a:r>
+              <a:rPr lang="en-US" dirty="0" err="1" smtClean="0"/>
+              <a:t>const</a:t>
+            </a:r>
+            <a:r>
+              <a:rPr lang="en-US" dirty="0" smtClean="0"/>
+              <a:t> </a:t>
+            </a:r>
+            <a:r>
+              <a:rPr lang="en-US" dirty="0" err="1"/>
+              <a:t>size_t</a:t>
+            </a:r>
+            <a:r>
+              <a:rPr lang="en-US" dirty="0"/>
+              <a:t> </a:t>
+            </a:r>
+            <a:r>
+              <a:rPr lang="en-US" i="1" dirty="0"/>
+              <a:t>*</a:t>
+            </a:r>
+            <a:r>
+              <a:rPr lang="en-US" i="1" dirty="0" err="1" smtClean="0"/>
+              <a:t>local_work_size</a:t>
+            </a:r>
+            <a:r>
+              <a:rPr lang="en-US" dirty="0" smtClean="0"/>
+              <a:t>, </a:t>
+            </a:r>
+            <a:r>
+              <a:rPr lang="en-US" dirty="0" err="1" smtClean="0"/>
+              <a:t>cl_uint</a:t>
+            </a:r>
+            <a:r>
+              <a:rPr lang="en-US" dirty="0" smtClean="0"/>
+              <a:t> </a:t>
+            </a:r>
+            <a:r>
+              <a:rPr lang="en-US" i="1" dirty="0" err="1" smtClean="0"/>
+              <a:t>num_events_in_wait_list</a:t>
+            </a:r>
+            <a:r>
+              <a:rPr lang="en-US" dirty="0" smtClean="0"/>
+              <a:t>, </a:t>
+            </a:r>
+            <a:r>
+              <a:rPr lang="en-US" dirty="0" err="1" smtClean="0"/>
+              <a:t>const</a:t>
+            </a:r>
+            <a:r>
+              <a:rPr lang="en-US" dirty="0" smtClean="0"/>
+              <a:t> </a:t>
+            </a:r>
+            <a:r>
+              <a:rPr lang="en-US" dirty="0" err="1"/>
+              <a:t>cl_event</a:t>
+            </a:r>
+            <a:r>
+              <a:rPr lang="en-US" dirty="0"/>
+              <a:t> *</a:t>
+            </a:r>
+            <a:r>
+              <a:rPr lang="en-US" i="1" dirty="0" err="1" smtClean="0"/>
+              <a:t>event_wait_list</a:t>
+            </a:r>
+            <a:r>
+              <a:rPr lang="en-US" dirty="0" smtClean="0"/>
+              <a:t>, </a:t>
+            </a:r>
+            <a:r>
+              <a:rPr lang="en-US" dirty="0" err="1" smtClean="0"/>
+              <a:t>cl_event</a:t>
+            </a:r>
+            <a:r>
+              <a:rPr lang="en-US" dirty="0" smtClean="0"/>
+              <a:t> </a:t>
+            </a:r>
+            <a:r>
+              <a:rPr lang="en-US" dirty="0"/>
+              <a:t>*</a:t>
+            </a:r>
+            <a:r>
+              <a:rPr lang="en-US" i="1" dirty="0"/>
+              <a:t>event</a:t>
+            </a:r>
+            <a:r>
+              <a:rPr lang="en-US" dirty="0" smtClean="0"/>
+              <a:t>)</a:t>
+            </a:r>
+            <a:endParaRPr lang="en-US" dirty="0"/>
+          </a:p>
+        </p:txBody>
+      </p:sp>
+    </p:spTree>
+    <p:extLst>
+      <p:ext uri="{BB962C8B-B14F-4D97-AF65-F5344CB8AC3E}">
+        <p14:creationId xmlns:p14="http://schemas.microsoft.com/office/powerpoint/2010/main" val="2731841370"/>
+      </p:ext>
+    </p:extLst>
+  </p:cSld>
+  <p:clrMapOvr>
+    <a:masterClrMapping/>
+  </p:clrMapOvr>
+</p:sld>
+</file>
+
+<file path=ppt/slides/slide29.xml><?xml version="1.0" encoding="utf-8"?>
+<p:sld xmlns:a="http://schemas.openxmlformats.org/drawingml/2006/main" xmlns:r="http://schemas.openxmlformats.org/officeDocument/2006/relationships" xmlns:p="http://schemas.openxmlformats.org/presentationml/2006/main">
+  <p:cSld>
+    <p:spTree>
+      <p:nvGrpSpPr>
+        <p:cNvPr id="1" name=""/>
+        <p:cNvGrpSpPr/>
+        <p:nvPr/>
+      </p:nvGrpSpPr>
+      <p:grpSpPr>
+        <a:xfrm>
+          <a:off x="0" y="0"/>
+          <a:ext cx="0" cy="0"/>
+          <a:chOff x="0" y="0"/>
+          <a:chExt cx="0" cy="0"/>
+        </a:xfrm>
+      </p:grpSpPr>
+      <p:sp>
+        <p:nvSpPr>
+          <p:cNvPr id="2" name="Title 1"/>
+          <p:cNvSpPr>
+            <a:spLocks noGrp="1"/>
+          </p:cNvSpPr>
+          <p:nvPr>
+            <p:ph type="title"/>
+          </p:nvPr>
+        </p:nvSpPr>
+        <p:spPr/>
+        <p:txBody>
+          <a:bodyPr/>
+          <a:lstStyle/>
+          <a:p>
+            <a:r>
+              <a:rPr lang="en-US" dirty="0" err="1" smtClean="0"/>
+              <a:t>Đọc</a:t>
+            </a:r>
+            <a:r>
+              <a:rPr lang="en-US" dirty="0" smtClean="0"/>
+              <a:t> </a:t>
+            </a:r>
+            <a:r>
+              <a:rPr lang="en-US" dirty="0" err="1" smtClean="0"/>
+              <a:t>ghi</a:t>
+            </a:r>
+            <a:r>
+              <a:rPr lang="en-US" dirty="0" smtClean="0"/>
+              <a:t> buffer object</a:t>
+            </a:r>
+            <a:r>
+              <a:rPr lang="en-US" dirty="0"/>
+              <a:t/>
+            </a:r>
+            <a:br>
+              <a:rPr lang="en-US" dirty="0"/>
+            </a:br>
+            <a:endParaRPr lang="en-US" dirty="0"/>
+          </a:p>
+        </p:txBody>
+      </p:sp>
+      <p:sp>
+        <p:nvSpPr>
+          <p:cNvPr id="3" name="Content Placeholder 2"/>
+          <p:cNvSpPr>
+            <a:spLocks noGrp="1"/>
+          </p:cNvSpPr>
+          <p:nvPr>
+            <p:ph idx="1"/>
+          </p:nvPr>
+        </p:nvSpPr>
+        <p:spPr/>
+        <p:txBody>
+          <a:bodyPr/>
+          <a:lstStyle/>
+          <a:p>
+            <a:r>
+              <a:rPr lang="en-US" dirty="0" err="1" smtClean="0"/>
+              <a:t>Các</a:t>
+            </a:r>
+            <a:r>
+              <a:rPr lang="en-US" dirty="0" smtClean="0"/>
+              <a:t> </a:t>
+            </a:r>
+            <a:r>
+              <a:rPr lang="en-US" dirty="0" err="1" smtClean="0"/>
+              <a:t>dữ</a:t>
+            </a:r>
+            <a:r>
+              <a:rPr lang="en-US" dirty="0" smtClean="0"/>
+              <a:t> </a:t>
+            </a:r>
+            <a:r>
+              <a:rPr lang="en-US" dirty="0" err="1" smtClean="0"/>
+              <a:t>liệu</a:t>
+            </a:r>
+            <a:r>
+              <a:rPr lang="en-US" dirty="0" smtClean="0"/>
+              <a:t> </a:t>
+            </a:r>
+            <a:r>
+              <a:rPr lang="en-US" dirty="0" err="1" smtClean="0"/>
+              <a:t>đầu</a:t>
+            </a:r>
+            <a:r>
+              <a:rPr lang="en-US" dirty="0" smtClean="0"/>
+              <a:t> </a:t>
+            </a:r>
+            <a:r>
+              <a:rPr lang="en-US" dirty="0" err="1" smtClean="0"/>
+              <a:t>vào</a:t>
+            </a:r>
+            <a:r>
+              <a:rPr lang="en-US" dirty="0" smtClean="0"/>
+              <a:t> </a:t>
+            </a:r>
+            <a:r>
+              <a:rPr lang="en-US" dirty="0" err="1" smtClean="0"/>
+              <a:t>và</a:t>
+            </a:r>
+            <a:r>
+              <a:rPr lang="en-US" dirty="0" smtClean="0"/>
+              <a:t> </a:t>
+            </a:r>
+            <a:r>
+              <a:rPr lang="en-US" dirty="0" err="1" smtClean="0"/>
+              <a:t>đầu</a:t>
+            </a:r>
+            <a:r>
+              <a:rPr lang="en-US" dirty="0" smtClean="0"/>
+              <a:t> </a:t>
+            </a:r>
+            <a:r>
+              <a:rPr lang="en-US" dirty="0" err="1" smtClean="0"/>
+              <a:t>ra</a:t>
+            </a:r>
+            <a:r>
+              <a:rPr lang="en-US" dirty="0" smtClean="0"/>
+              <a:t> </a:t>
+            </a:r>
+            <a:r>
+              <a:rPr lang="en-US" dirty="0" err="1" smtClean="0"/>
+              <a:t>của</a:t>
+            </a:r>
+            <a:r>
+              <a:rPr lang="en-US" dirty="0" smtClean="0"/>
+              <a:t> </a:t>
+            </a:r>
+            <a:r>
+              <a:rPr lang="en-US" dirty="0" err="1" smtClean="0"/>
+              <a:t>chương</a:t>
+            </a:r>
+            <a:r>
+              <a:rPr lang="en-US" dirty="0" smtClean="0"/>
+              <a:t> </a:t>
+            </a:r>
+            <a:r>
+              <a:rPr lang="en-US" dirty="0" err="1" smtClean="0"/>
+              <a:t>trình</a:t>
+            </a:r>
+            <a:r>
+              <a:rPr lang="en-US" dirty="0" smtClean="0"/>
+              <a:t> </a:t>
+            </a:r>
+            <a:r>
+              <a:rPr lang="en-US" dirty="0" err="1" smtClean="0"/>
+              <a:t>được</a:t>
+            </a:r>
+            <a:r>
+              <a:rPr lang="en-US" dirty="0" smtClean="0"/>
+              <a:t> </a:t>
+            </a:r>
+            <a:r>
+              <a:rPr lang="en-US" dirty="0" err="1" smtClean="0"/>
+              <a:t>lưu</a:t>
+            </a:r>
+            <a:r>
+              <a:rPr lang="en-US" dirty="0" smtClean="0"/>
+              <a:t> </a:t>
+            </a:r>
+            <a:r>
+              <a:rPr lang="en-US" dirty="0" err="1" smtClean="0"/>
+              <a:t>trong</a:t>
+            </a:r>
+            <a:r>
+              <a:rPr lang="en-US" dirty="0" smtClean="0"/>
+              <a:t> </a:t>
+            </a:r>
+            <a:r>
+              <a:rPr lang="en-US" dirty="0" err="1" smtClean="0"/>
+              <a:t>các</a:t>
+            </a:r>
+            <a:r>
+              <a:rPr lang="en-US" dirty="0" smtClean="0"/>
+              <a:t> buffer object.</a:t>
+            </a:r>
+          </a:p>
+          <a:p>
+            <a:r>
+              <a:rPr lang="en-US" dirty="0" err="1" smtClean="0"/>
+              <a:t>Các</a:t>
+            </a:r>
+            <a:r>
+              <a:rPr lang="en-US" dirty="0" smtClean="0"/>
+              <a:t> </a:t>
+            </a:r>
+            <a:r>
+              <a:rPr lang="en-US" dirty="0" err="1" smtClean="0"/>
+              <a:t>dữ</a:t>
+            </a:r>
+            <a:r>
+              <a:rPr lang="en-US" dirty="0" smtClean="0"/>
+              <a:t> </a:t>
+            </a:r>
+            <a:r>
+              <a:rPr lang="en-US" dirty="0" err="1" smtClean="0"/>
+              <a:t>liệu</a:t>
+            </a:r>
+            <a:r>
+              <a:rPr lang="en-US" dirty="0" smtClean="0"/>
+              <a:t> </a:t>
+            </a:r>
+            <a:r>
+              <a:rPr lang="en-US" dirty="0" err="1" smtClean="0"/>
+              <a:t>đó</a:t>
+            </a:r>
+            <a:r>
+              <a:rPr lang="en-US" dirty="0" smtClean="0"/>
+              <a:t> </a:t>
+            </a:r>
+            <a:r>
+              <a:rPr lang="en-US" dirty="0" err="1" smtClean="0"/>
+              <a:t>được</a:t>
+            </a:r>
+            <a:r>
+              <a:rPr lang="en-US" dirty="0" smtClean="0"/>
+              <a:t> </a:t>
+            </a:r>
+            <a:r>
+              <a:rPr lang="en-US" dirty="0" err="1" smtClean="0"/>
+              <a:t>đọc</a:t>
+            </a:r>
+            <a:r>
+              <a:rPr lang="en-US" dirty="0" smtClean="0"/>
+              <a:t> </a:t>
+            </a:r>
+            <a:r>
+              <a:rPr lang="en-US" dirty="0" err="1" smtClean="0"/>
+              <a:t>vào</a:t>
+            </a:r>
+            <a:r>
+              <a:rPr lang="en-US" dirty="0" smtClean="0"/>
+              <a:t> </a:t>
+            </a:r>
+            <a:r>
+              <a:rPr lang="en-US" dirty="0" err="1" smtClean="0"/>
+              <a:t>từ</a:t>
+            </a:r>
+            <a:r>
+              <a:rPr lang="en-US" dirty="0" smtClean="0"/>
+              <a:t> host memory </a:t>
+            </a:r>
+            <a:r>
+              <a:rPr lang="en-US" dirty="0" err="1" smtClean="0"/>
+              <a:t>hoặc</a:t>
+            </a:r>
+            <a:r>
+              <a:rPr lang="en-US" dirty="0" smtClean="0"/>
+              <a:t> </a:t>
+            </a:r>
+            <a:r>
+              <a:rPr lang="en-US" dirty="0" err="1" smtClean="0"/>
+              <a:t>được</a:t>
+            </a:r>
+            <a:r>
+              <a:rPr lang="en-US" dirty="0" smtClean="0"/>
+              <a:t> </a:t>
+            </a:r>
+            <a:r>
+              <a:rPr lang="en-US" dirty="0" err="1" smtClean="0"/>
+              <a:t>ghi</a:t>
+            </a:r>
+            <a:r>
+              <a:rPr lang="en-US" dirty="0" smtClean="0"/>
+              <a:t> </a:t>
+            </a:r>
+            <a:r>
+              <a:rPr lang="en-US" dirty="0" err="1" smtClean="0"/>
+              <a:t>ra</a:t>
+            </a:r>
+            <a:r>
+              <a:rPr lang="en-US" dirty="0" smtClean="0"/>
+              <a:t> host memory  </a:t>
+            </a:r>
+            <a:r>
+              <a:rPr lang="en-US" dirty="0" err="1" smtClean="0"/>
+              <a:t>sau</a:t>
+            </a:r>
+            <a:r>
+              <a:rPr lang="en-US" dirty="0" smtClean="0"/>
+              <a:t> </a:t>
+            </a:r>
+            <a:r>
+              <a:rPr lang="en-US" dirty="0" err="1" smtClean="0"/>
+              <a:t>khi</a:t>
+            </a:r>
+            <a:r>
+              <a:rPr lang="en-US" dirty="0" smtClean="0"/>
+              <a:t> kernel object </a:t>
+            </a:r>
+            <a:r>
+              <a:rPr lang="en-US" dirty="0" err="1" smtClean="0"/>
+              <a:t>thực</a:t>
+            </a:r>
+            <a:r>
+              <a:rPr lang="en-US" dirty="0" smtClean="0"/>
+              <a:t> </a:t>
+            </a:r>
+            <a:r>
+              <a:rPr lang="en-US" dirty="0" err="1" smtClean="0"/>
+              <a:t>thi</a:t>
+            </a:r>
+            <a:r>
+              <a:rPr lang="en-US" dirty="0" smtClean="0"/>
+              <a:t> </a:t>
+            </a:r>
+            <a:r>
+              <a:rPr lang="en-US" dirty="0" err="1" smtClean="0"/>
+              <a:t>xong</a:t>
+            </a:r>
+            <a:r>
+              <a:rPr lang="en-US" dirty="0" smtClean="0"/>
+              <a:t>.</a:t>
+            </a:r>
+          </a:p>
+        </p:txBody>
+      </p:sp>
+    </p:spTree>
+    <p:extLst>
+      <p:ext uri="{BB962C8B-B14F-4D97-AF65-F5344CB8AC3E}">
+        <p14:creationId xmlns:p14="http://schemas.microsoft.com/office/powerpoint/2010/main" val="4231660422"/>
+      </p:ext>
+    </p:extLst>
+  </p:cSld>
+  <p:clrMapOvr>
+    <a:masterClrMapping/>
+  </p:clrMapOvr>
+</p:sld>
+</file>
+
 <file path=ppt/slides/slide3.xml><?xml version="1.0" encoding="utf-8"?>
 <p:sld xmlns:a="http://schemas.openxmlformats.org/drawingml/2006/main" xmlns:r="http://schemas.openxmlformats.org/officeDocument/2006/relationships" xmlns:p="http://schemas.openxmlformats.org/presentationml/2006/main">
   <p:cSld>
@@ -7054,6 +12977,1317 @@
     <p:extLst>
       <p:ext uri="{BB962C8B-B14F-4D97-AF65-F5344CB8AC3E}">
         <p14:creationId xmlns:p14="http://schemas.microsoft.com/office/powerpoint/2010/main" val="2038457381"/>
+      </p:ext>
+    </p:extLst>
+  </p:cSld>
+  <p:clrMapOvr>
+    <a:masterClrMapping/>
+  </p:clrMapOvr>
+  <p:timing>
+    <p:tnLst>
+      <p:par>
+        <p:cTn id="1" dur="indefinite" restart="never" nodeType="tmRoot"/>
+      </p:par>
+    </p:tnLst>
+  </p:timing>
+</p:sld>
+</file>
+
+<file path=ppt/slides/slide30.xml><?xml version="1.0" encoding="utf-8"?>
+<p:sld xmlns:a="http://schemas.openxmlformats.org/drawingml/2006/main" xmlns:r="http://schemas.openxmlformats.org/officeDocument/2006/relationships" xmlns:p="http://schemas.openxmlformats.org/presentationml/2006/main">
+  <p:cSld>
+    <p:spTree>
+      <p:nvGrpSpPr>
+        <p:cNvPr id="1" name=""/>
+        <p:cNvGrpSpPr/>
+        <p:nvPr/>
+      </p:nvGrpSpPr>
+      <p:grpSpPr>
+        <a:xfrm>
+          <a:off x="0" y="0"/>
+          <a:ext cx="0" cy="0"/>
+          <a:chOff x="0" y="0"/>
+          <a:chExt cx="0" cy="0"/>
+        </a:xfrm>
+      </p:grpSpPr>
+      <p:sp>
+        <p:nvSpPr>
+          <p:cNvPr id="2" name="Title 1"/>
+          <p:cNvSpPr>
+            <a:spLocks noGrp="1"/>
+          </p:cNvSpPr>
+          <p:nvPr>
+            <p:ph type="title"/>
+          </p:nvPr>
+        </p:nvSpPr>
+        <p:spPr/>
+        <p:txBody>
+          <a:bodyPr/>
+          <a:lstStyle/>
+          <a:p>
+            <a:r>
+              <a:rPr lang="en-US" dirty="0" err="1" smtClean="0"/>
+              <a:t>Đọc</a:t>
+            </a:r>
+            <a:r>
+              <a:rPr lang="en-US" dirty="0" smtClean="0"/>
+              <a:t> </a:t>
+            </a:r>
+            <a:r>
+              <a:rPr lang="en-US" dirty="0" err="1" smtClean="0"/>
+              <a:t>ghi</a:t>
+            </a:r>
+            <a:r>
+              <a:rPr lang="en-US" dirty="0" smtClean="0"/>
+              <a:t> buffer object</a:t>
+            </a:r>
+            <a:r>
+              <a:rPr lang="en-US" dirty="0"/>
+              <a:t/>
+            </a:r>
+            <a:br>
+              <a:rPr lang="en-US" dirty="0"/>
+            </a:br>
+            <a:endParaRPr lang="en-US" dirty="0"/>
+          </a:p>
+        </p:txBody>
+      </p:sp>
+      <p:sp>
+        <p:nvSpPr>
+          <p:cNvPr id="3" name="Content Placeholder 2"/>
+          <p:cNvSpPr>
+            <a:spLocks noGrp="1"/>
+          </p:cNvSpPr>
+          <p:nvPr>
+            <p:ph idx="1"/>
+          </p:nvPr>
+        </p:nvSpPr>
+        <p:spPr/>
+        <p:txBody>
+          <a:bodyPr>
+            <a:normAutofit/>
+          </a:bodyPr>
+          <a:lstStyle/>
+          <a:p>
+            <a:r>
+              <a:rPr lang="en-US" dirty="0" err="1"/>
+              <a:t>cl_int</a:t>
+            </a:r>
+            <a:r>
+              <a:rPr lang="en-US" dirty="0"/>
+              <a:t> </a:t>
+            </a:r>
+            <a:r>
+              <a:rPr lang="en-US" b="1" dirty="0" err="1"/>
+              <a:t>clEnqueueReadBuffer</a:t>
+            </a:r>
+            <a:r>
+              <a:rPr lang="en-US" b="1" dirty="0"/>
+              <a:t> </a:t>
+            </a:r>
+            <a:r>
+              <a:rPr lang="en-US" dirty="0"/>
+              <a:t>(</a:t>
+            </a:r>
+            <a:r>
+              <a:rPr lang="en-US" dirty="0" err="1"/>
+              <a:t>cl_command_queue</a:t>
+            </a:r>
+            <a:r>
+              <a:rPr lang="en-US" dirty="0"/>
+              <a:t> </a:t>
+            </a:r>
+            <a:r>
+              <a:rPr lang="en-US" i="1" dirty="0" err="1" smtClean="0"/>
+              <a:t>command_queue</a:t>
+            </a:r>
+            <a:r>
+              <a:rPr lang="en-US" dirty="0" smtClean="0"/>
+              <a:t>, </a:t>
+            </a:r>
+            <a:r>
+              <a:rPr lang="en-US" dirty="0" err="1" smtClean="0"/>
+              <a:t>cl_mem</a:t>
+            </a:r>
+            <a:r>
+              <a:rPr lang="en-US" dirty="0" smtClean="0"/>
+              <a:t> </a:t>
+            </a:r>
+            <a:r>
+              <a:rPr lang="en-US" i="1" dirty="0" smtClean="0"/>
+              <a:t>buffer</a:t>
+            </a:r>
+            <a:r>
+              <a:rPr lang="en-US" dirty="0" smtClean="0"/>
+              <a:t>, </a:t>
+            </a:r>
+            <a:r>
+              <a:rPr lang="en-US" dirty="0" err="1" smtClean="0"/>
+              <a:t>cl_bool</a:t>
+            </a:r>
+            <a:r>
+              <a:rPr lang="en-US" dirty="0" smtClean="0"/>
+              <a:t> </a:t>
+            </a:r>
+            <a:r>
+              <a:rPr lang="en-US" i="1" dirty="0" err="1" smtClean="0"/>
+              <a:t>blocking_read</a:t>
+            </a:r>
+            <a:r>
+              <a:rPr lang="en-US" dirty="0" smtClean="0"/>
+              <a:t>, </a:t>
+            </a:r>
+            <a:r>
+              <a:rPr lang="en-US" dirty="0" err="1" smtClean="0"/>
+              <a:t>size_t</a:t>
+            </a:r>
+            <a:r>
+              <a:rPr lang="en-US" dirty="0" smtClean="0"/>
+              <a:t> </a:t>
+            </a:r>
+            <a:r>
+              <a:rPr lang="en-US" i="1" dirty="0" smtClean="0"/>
+              <a:t>offset</a:t>
+            </a:r>
+            <a:r>
+              <a:rPr lang="en-US" dirty="0" smtClean="0"/>
+              <a:t>, </a:t>
+            </a:r>
+            <a:r>
+              <a:rPr lang="en-US" dirty="0" err="1" smtClean="0"/>
+              <a:t>size_t</a:t>
+            </a:r>
+            <a:r>
+              <a:rPr lang="en-US" dirty="0" smtClean="0"/>
+              <a:t> </a:t>
+            </a:r>
+            <a:r>
+              <a:rPr lang="en-US" i="1" dirty="0" smtClean="0"/>
+              <a:t>size</a:t>
+            </a:r>
+            <a:r>
+              <a:rPr lang="en-US" dirty="0" smtClean="0"/>
+              <a:t>, void </a:t>
+            </a:r>
+            <a:r>
+              <a:rPr lang="en-US" dirty="0"/>
+              <a:t>*</a:t>
+            </a:r>
+            <a:r>
+              <a:rPr lang="en-US" i="1" dirty="0" err="1" smtClean="0"/>
+              <a:t>ptr</a:t>
+            </a:r>
+            <a:r>
+              <a:rPr lang="en-US" dirty="0" smtClean="0"/>
+              <a:t>, </a:t>
+            </a:r>
+            <a:r>
+              <a:rPr lang="en-US" dirty="0" err="1" smtClean="0"/>
+              <a:t>cl_uint</a:t>
+            </a:r>
+            <a:r>
+              <a:rPr lang="en-US" dirty="0" smtClean="0"/>
+              <a:t> </a:t>
+            </a:r>
+            <a:r>
+              <a:rPr lang="en-US" i="1" dirty="0" err="1" smtClean="0"/>
+              <a:t>num_events_in_wait_list</a:t>
+            </a:r>
+            <a:r>
+              <a:rPr lang="en-US" dirty="0" smtClean="0"/>
+              <a:t>, </a:t>
+            </a:r>
+            <a:r>
+              <a:rPr lang="en-US" dirty="0" err="1" smtClean="0"/>
+              <a:t>const</a:t>
+            </a:r>
+            <a:r>
+              <a:rPr lang="en-US" dirty="0" smtClean="0"/>
+              <a:t> </a:t>
+            </a:r>
+            <a:r>
+              <a:rPr lang="en-US" dirty="0" err="1"/>
+              <a:t>cl_event</a:t>
+            </a:r>
+            <a:r>
+              <a:rPr lang="en-US" dirty="0"/>
+              <a:t> *</a:t>
+            </a:r>
+            <a:r>
+              <a:rPr lang="en-US" i="1" dirty="0" err="1" smtClean="0"/>
+              <a:t>event_wait_list</a:t>
+            </a:r>
+            <a:r>
+              <a:rPr lang="en-US" dirty="0" smtClean="0"/>
+              <a:t>, </a:t>
+            </a:r>
+            <a:r>
+              <a:rPr lang="en-US" dirty="0" err="1" smtClean="0"/>
+              <a:t>cl_event</a:t>
+            </a:r>
+            <a:r>
+              <a:rPr lang="en-US" dirty="0" smtClean="0"/>
+              <a:t> </a:t>
+            </a:r>
+            <a:r>
+              <a:rPr lang="en-US" dirty="0"/>
+              <a:t>*</a:t>
+            </a:r>
+            <a:r>
+              <a:rPr lang="en-US" i="1" dirty="0" smtClean="0"/>
+              <a:t>event</a:t>
+            </a:r>
+            <a:r>
+              <a:rPr lang="en-US" dirty="0" smtClean="0"/>
+              <a:t>) </a:t>
+            </a:r>
+          </a:p>
+          <a:p>
+            <a:r>
+              <a:rPr lang="en-US" dirty="0" err="1" smtClean="0"/>
+              <a:t>cl_int</a:t>
+            </a:r>
+            <a:r>
+              <a:rPr lang="en-US" dirty="0" smtClean="0"/>
+              <a:t> </a:t>
+            </a:r>
+            <a:r>
+              <a:rPr lang="en-US" b="1" dirty="0" err="1"/>
+              <a:t>clEnqueueWriteBuffer</a:t>
+            </a:r>
+            <a:r>
+              <a:rPr lang="en-US" b="1" dirty="0"/>
+              <a:t> </a:t>
+            </a:r>
+            <a:r>
+              <a:rPr lang="en-US" dirty="0"/>
+              <a:t>(</a:t>
+            </a:r>
+            <a:r>
+              <a:rPr lang="en-US" dirty="0" err="1"/>
+              <a:t>cl_command_queue</a:t>
+            </a:r>
+            <a:r>
+              <a:rPr lang="en-US" dirty="0"/>
+              <a:t> </a:t>
+            </a:r>
+            <a:r>
+              <a:rPr lang="en-US" i="1" dirty="0" err="1" smtClean="0"/>
+              <a:t>command_queue</a:t>
+            </a:r>
+            <a:r>
+              <a:rPr lang="en-US" dirty="0" smtClean="0"/>
+              <a:t>, </a:t>
+            </a:r>
+            <a:r>
+              <a:rPr lang="en-US" dirty="0" err="1" smtClean="0"/>
+              <a:t>cl_mem</a:t>
+            </a:r>
+            <a:r>
+              <a:rPr lang="en-US" dirty="0" smtClean="0"/>
+              <a:t> </a:t>
+            </a:r>
+            <a:r>
+              <a:rPr lang="en-US" i="1" dirty="0" smtClean="0"/>
+              <a:t>buffer</a:t>
+            </a:r>
+            <a:r>
+              <a:rPr lang="en-US" dirty="0" smtClean="0"/>
+              <a:t>, </a:t>
+            </a:r>
+            <a:r>
+              <a:rPr lang="en-US" dirty="0" err="1" smtClean="0"/>
+              <a:t>cl_bool</a:t>
+            </a:r>
+            <a:r>
+              <a:rPr lang="en-US" dirty="0" smtClean="0"/>
+              <a:t> </a:t>
+            </a:r>
+            <a:r>
+              <a:rPr lang="en-US" i="1" dirty="0" err="1" smtClean="0"/>
+              <a:t>blocking_write</a:t>
+            </a:r>
+            <a:r>
+              <a:rPr lang="en-US" dirty="0" smtClean="0"/>
+              <a:t>, </a:t>
+            </a:r>
+            <a:r>
+              <a:rPr lang="en-US" dirty="0" err="1" smtClean="0"/>
+              <a:t>size_t</a:t>
+            </a:r>
+            <a:r>
+              <a:rPr lang="en-US" dirty="0" smtClean="0"/>
+              <a:t> </a:t>
+            </a:r>
+            <a:r>
+              <a:rPr lang="en-US" i="1" dirty="0" smtClean="0"/>
+              <a:t>offset</a:t>
+            </a:r>
+            <a:r>
+              <a:rPr lang="en-US" dirty="0" smtClean="0"/>
+              <a:t>, </a:t>
+            </a:r>
+            <a:r>
+              <a:rPr lang="en-US" dirty="0" err="1" smtClean="0"/>
+              <a:t>size_t</a:t>
+            </a:r>
+            <a:r>
+              <a:rPr lang="en-US" dirty="0" smtClean="0"/>
+              <a:t> </a:t>
+            </a:r>
+            <a:r>
+              <a:rPr lang="en-US" i="1" dirty="0" smtClean="0"/>
+              <a:t>size</a:t>
+            </a:r>
+            <a:r>
+              <a:rPr lang="en-US" dirty="0" smtClean="0"/>
+              <a:t>, </a:t>
+            </a:r>
+            <a:r>
+              <a:rPr lang="en-US" dirty="0" err="1" smtClean="0"/>
+              <a:t>const</a:t>
+            </a:r>
+            <a:r>
+              <a:rPr lang="en-US" dirty="0" smtClean="0"/>
+              <a:t> </a:t>
+            </a:r>
+            <a:r>
+              <a:rPr lang="en-US" dirty="0"/>
+              <a:t>void *</a:t>
+            </a:r>
+            <a:r>
+              <a:rPr lang="en-US" i="1" dirty="0" err="1" smtClean="0"/>
+              <a:t>ptr</a:t>
+            </a:r>
+            <a:r>
+              <a:rPr lang="en-US" dirty="0" smtClean="0"/>
+              <a:t>, </a:t>
+            </a:r>
+            <a:r>
+              <a:rPr lang="en-US" dirty="0" err="1" smtClean="0"/>
+              <a:t>cl_uint</a:t>
+            </a:r>
+            <a:r>
+              <a:rPr lang="en-US" dirty="0" smtClean="0"/>
+              <a:t> </a:t>
+            </a:r>
+            <a:r>
+              <a:rPr lang="en-US" i="1" dirty="0" err="1" smtClean="0"/>
+              <a:t>num_events_in_wait_list</a:t>
+            </a:r>
+            <a:r>
+              <a:rPr lang="en-US" dirty="0" smtClean="0"/>
+              <a:t>, </a:t>
+            </a:r>
+            <a:r>
+              <a:rPr lang="en-US" dirty="0" err="1" smtClean="0"/>
+              <a:t>const</a:t>
+            </a:r>
+            <a:r>
+              <a:rPr lang="en-US" dirty="0" smtClean="0"/>
+              <a:t> </a:t>
+            </a:r>
+            <a:r>
+              <a:rPr lang="en-US" dirty="0" err="1"/>
+              <a:t>cl_event</a:t>
+            </a:r>
+            <a:r>
+              <a:rPr lang="en-US" dirty="0"/>
+              <a:t> *</a:t>
+            </a:r>
+            <a:r>
+              <a:rPr lang="en-US" i="1" dirty="0" err="1" smtClean="0"/>
+              <a:t>event_wait_list</a:t>
+            </a:r>
+            <a:r>
+              <a:rPr lang="en-US" dirty="0" smtClean="0"/>
+              <a:t>, </a:t>
+            </a:r>
+            <a:r>
+              <a:rPr lang="en-US" dirty="0" err="1" smtClean="0"/>
+              <a:t>cl_event</a:t>
+            </a:r>
+            <a:r>
+              <a:rPr lang="en-US" dirty="0" smtClean="0"/>
+              <a:t> </a:t>
+            </a:r>
+            <a:r>
+              <a:rPr lang="en-US" dirty="0"/>
+              <a:t>*</a:t>
+            </a:r>
+            <a:r>
+              <a:rPr lang="en-US" i="1" dirty="0"/>
+              <a:t>event</a:t>
+            </a:r>
+            <a:r>
+              <a:rPr lang="en-US" dirty="0"/>
+              <a:t>)</a:t>
+            </a:r>
+            <a:endParaRPr lang="en-US" dirty="0"/>
+          </a:p>
+        </p:txBody>
+      </p:sp>
+    </p:spTree>
+    <p:extLst>
+      <p:ext uri="{BB962C8B-B14F-4D97-AF65-F5344CB8AC3E}">
+        <p14:creationId xmlns:p14="http://schemas.microsoft.com/office/powerpoint/2010/main" val="3184644978"/>
+      </p:ext>
+    </p:extLst>
+  </p:cSld>
+  <p:clrMapOvr>
+    <a:masterClrMapping/>
+  </p:clrMapOvr>
+</p:sld>
+</file>
+
+<file path=ppt/slides/slide31.xml><?xml version="1.0" encoding="utf-8"?>
+<p:sld xmlns:a="http://schemas.openxmlformats.org/drawingml/2006/main" xmlns:r="http://schemas.openxmlformats.org/officeDocument/2006/relationships" xmlns:p="http://schemas.openxmlformats.org/presentationml/2006/main">
+  <p:cSld>
+    <p:spTree>
+      <p:nvGrpSpPr>
+        <p:cNvPr id="1" name=""/>
+        <p:cNvGrpSpPr/>
+        <p:nvPr/>
+      </p:nvGrpSpPr>
+      <p:grpSpPr>
+        <a:xfrm>
+          <a:off x="0" y="0"/>
+          <a:ext cx="0" cy="0"/>
+          <a:chOff x="0" y="0"/>
+          <a:chExt cx="0" cy="0"/>
+        </a:xfrm>
+      </p:grpSpPr>
+      <p:sp>
+        <p:nvSpPr>
+          <p:cNvPr id="2" name="Title 1"/>
+          <p:cNvSpPr>
+            <a:spLocks noGrp="1"/>
+          </p:cNvSpPr>
+          <p:nvPr>
+            <p:ph type="title"/>
+          </p:nvPr>
+        </p:nvSpPr>
+        <p:spPr/>
+        <p:txBody>
+          <a:bodyPr/>
+          <a:lstStyle/>
+          <a:p>
+            <a:r>
+              <a:rPr lang="en-US" dirty="0" err="1" smtClean="0"/>
+              <a:t>Dọn</a:t>
+            </a:r>
+            <a:r>
+              <a:rPr lang="en-US" dirty="0" smtClean="0"/>
+              <a:t> </a:t>
+            </a:r>
+            <a:r>
+              <a:rPr lang="en-US" dirty="0" err="1"/>
+              <a:t>dẹp</a:t>
+            </a:r>
+            <a:r>
+              <a:rPr lang="en-US" dirty="0"/>
+              <a:t> </a:t>
+            </a:r>
+            <a:r>
+              <a:rPr lang="en-US" dirty="0" err="1"/>
+              <a:t>tài</a:t>
+            </a:r>
+            <a:r>
+              <a:rPr lang="en-US" dirty="0"/>
+              <a:t> </a:t>
+            </a:r>
+            <a:r>
+              <a:rPr lang="en-US" dirty="0" err="1" smtClean="0"/>
+              <a:t>nguyên</a:t>
+            </a:r>
+            <a:r>
+              <a:rPr lang="en-US" dirty="0"/>
+              <a:t/>
+            </a:r>
+            <a:br>
+              <a:rPr lang="en-US" dirty="0"/>
+            </a:br>
+            <a:endParaRPr lang="en-US" dirty="0"/>
+          </a:p>
+        </p:txBody>
+      </p:sp>
+      <p:sp>
+        <p:nvSpPr>
+          <p:cNvPr id="3" name="Content Placeholder 2"/>
+          <p:cNvSpPr>
+            <a:spLocks noGrp="1"/>
+          </p:cNvSpPr>
+          <p:nvPr>
+            <p:ph idx="1"/>
+          </p:nvPr>
+        </p:nvSpPr>
+        <p:spPr/>
+        <p:txBody>
+          <a:bodyPr>
+            <a:normAutofit/>
+          </a:bodyPr>
+          <a:lstStyle/>
+          <a:p>
+            <a:r>
+              <a:rPr lang="en-US" dirty="0" err="1" smtClean="0"/>
+              <a:t>Sau</a:t>
+            </a:r>
+            <a:r>
+              <a:rPr lang="en-US" dirty="0" smtClean="0"/>
+              <a:t> </a:t>
+            </a:r>
+            <a:r>
+              <a:rPr lang="en-US" dirty="0" err="1" smtClean="0"/>
+              <a:t>khi</a:t>
+            </a:r>
+            <a:r>
+              <a:rPr lang="en-US" dirty="0" smtClean="0"/>
+              <a:t> </a:t>
+            </a:r>
+            <a:r>
+              <a:rPr lang="en-US" dirty="0" err="1" smtClean="0"/>
+              <a:t>chương</a:t>
+            </a:r>
+            <a:r>
+              <a:rPr lang="en-US" dirty="0" smtClean="0"/>
+              <a:t> </a:t>
+            </a:r>
+            <a:r>
+              <a:rPr lang="en-US" dirty="0" err="1" smtClean="0"/>
+              <a:t>trình</a:t>
+            </a:r>
+            <a:r>
+              <a:rPr lang="en-US" dirty="0" smtClean="0"/>
+              <a:t> </a:t>
+            </a:r>
+            <a:r>
+              <a:rPr lang="en-US" dirty="0" err="1" smtClean="0"/>
+              <a:t>thực</a:t>
+            </a:r>
+            <a:r>
+              <a:rPr lang="en-US" dirty="0" smtClean="0"/>
+              <a:t> </a:t>
+            </a:r>
+            <a:r>
+              <a:rPr lang="en-US" dirty="0" err="1" smtClean="0"/>
+              <a:t>thi</a:t>
+            </a:r>
+            <a:r>
+              <a:rPr lang="en-US" dirty="0" smtClean="0"/>
+              <a:t> </a:t>
+            </a:r>
+            <a:r>
+              <a:rPr lang="en-US" dirty="0" err="1" smtClean="0"/>
+              <a:t>xong</a:t>
+            </a:r>
+            <a:r>
+              <a:rPr lang="en-US" dirty="0" smtClean="0"/>
+              <a:t> </a:t>
+            </a:r>
+            <a:r>
+              <a:rPr lang="en-US" dirty="0" err="1" smtClean="0"/>
+              <a:t>cần</a:t>
+            </a:r>
+            <a:r>
+              <a:rPr lang="en-US" dirty="0" smtClean="0"/>
+              <a:t> </a:t>
+            </a:r>
+            <a:r>
+              <a:rPr lang="en-US" dirty="0" err="1" smtClean="0"/>
+              <a:t>phải</a:t>
+            </a:r>
+            <a:r>
+              <a:rPr lang="en-US" dirty="0" smtClean="0"/>
+              <a:t> </a:t>
+            </a:r>
+            <a:r>
+              <a:rPr lang="en-US" dirty="0" err="1" smtClean="0"/>
+              <a:t>giải</a:t>
+            </a:r>
+            <a:r>
+              <a:rPr lang="en-US" dirty="0" smtClean="0"/>
+              <a:t> </a:t>
+            </a:r>
+            <a:r>
+              <a:rPr lang="en-US" dirty="0" err="1" smtClean="0"/>
+              <a:t>phóng</a:t>
+            </a:r>
+            <a:r>
+              <a:rPr lang="en-US" dirty="0" smtClean="0"/>
+              <a:t> </a:t>
+            </a:r>
+            <a:r>
+              <a:rPr lang="en-US" dirty="0" err="1" smtClean="0"/>
+              <a:t>các</a:t>
+            </a:r>
+            <a:r>
+              <a:rPr lang="en-US" dirty="0" smtClean="0"/>
+              <a:t> </a:t>
+            </a:r>
+            <a:r>
+              <a:rPr lang="en-US" dirty="0" err="1" smtClean="0"/>
+              <a:t>tài</a:t>
+            </a:r>
+            <a:r>
+              <a:rPr lang="en-US" dirty="0" smtClean="0"/>
+              <a:t> </a:t>
+            </a:r>
+            <a:r>
+              <a:rPr lang="en-US" dirty="0" err="1" smtClean="0"/>
+              <a:t>nguyên</a:t>
+            </a:r>
+            <a:r>
+              <a:rPr lang="en-US" dirty="0" smtClean="0"/>
+              <a:t> </a:t>
+            </a:r>
+            <a:r>
+              <a:rPr lang="en-US" dirty="0" err="1" smtClean="0"/>
+              <a:t>như</a:t>
+            </a:r>
+            <a:r>
+              <a:rPr lang="en-US" dirty="0" smtClean="0"/>
+              <a:t> </a:t>
+            </a:r>
+            <a:r>
+              <a:rPr lang="en-US" dirty="0" err="1" smtClean="0"/>
+              <a:t>là</a:t>
+            </a:r>
+            <a:r>
+              <a:rPr lang="en-US" dirty="0" smtClean="0"/>
+              <a:t> kernel, program, buffer, command queue, context </a:t>
+            </a:r>
+            <a:r>
+              <a:rPr lang="en-US" dirty="0" err="1" smtClean="0"/>
+              <a:t>cùng</a:t>
+            </a:r>
+            <a:r>
+              <a:rPr lang="en-US" dirty="0" smtClean="0"/>
+              <a:t> </a:t>
+            </a:r>
+            <a:r>
+              <a:rPr lang="en-US" dirty="0" err="1" smtClean="0"/>
+              <a:t>các</a:t>
+            </a:r>
+            <a:r>
+              <a:rPr lang="en-US" dirty="0" smtClean="0"/>
+              <a:t> </a:t>
+            </a:r>
+            <a:r>
+              <a:rPr lang="en-US" dirty="0" err="1" smtClean="0"/>
+              <a:t>biến</a:t>
+            </a:r>
+            <a:r>
+              <a:rPr lang="en-US" dirty="0" smtClean="0"/>
+              <a:t> con </a:t>
+            </a:r>
+            <a:r>
+              <a:rPr lang="en-US" dirty="0" err="1" smtClean="0"/>
+              <a:t>trỏ</a:t>
+            </a:r>
+            <a:r>
+              <a:rPr lang="en-US" dirty="0" smtClean="0"/>
+              <a:t> </a:t>
+            </a:r>
+            <a:r>
+              <a:rPr lang="en-US" dirty="0" err="1" smtClean="0"/>
+              <a:t>đã</a:t>
+            </a:r>
+            <a:r>
+              <a:rPr lang="en-US" dirty="0" smtClean="0"/>
+              <a:t> </a:t>
+            </a:r>
+            <a:r>
+              <a:rPr lang="en-US" dirty="0" err="1" smtClean="0"/>
+              <a:t>cấp</a:t>
+            </a:r>
+            <a:r>
+              <a:rPr lang="en-US" dirty="0" smtClean="0"/>
+              <a:t> </a:t>
+            </a:r>
+            <a:r>
+              <a:rPr lang="en-US" dirty="0" err="1" smtClean="0"/>
+              <a:t>phát</a:t>
+            </a:r>
+            <a:r>
+              <a:rPr lang="en-US" dirty="0" smtClean="0"/>
+              <a:t> </a:t>
+            </a:r>
+            <a:r>
+              <a:rPr lang="en-US" dirty="0" err="1" smtClean="0"/>
+              <a:t>trước</a:t>
+            </a:r>
+            <a:r>
+              <a:rPr lang="en-US" dirty="0" smtClean="0"/>
+              <a:t> </a:t>
+            </a:r>
+            <a:r>
+              <a:rPr lang="en-US" dirty="0" err="1" smtClean="0"/>
+              <a:t>đó</a:t>
+            </a:r>
+            <a:r>
+              <a:rPr lang="en-US" dirty="0" smtClean="0"/>
+              <a:t>.</a:t>
+            </a:r>
+          </a:p>
+        </p:txBody>
+      </p:sp>
+    </p:spTree>
+    <p:extLst>
+      <p:ext uri="{BB962C8B-B14F-4D97-AF65-F5344CB8AC3E}">
+        <p14:creationId xmlns:p14="http://schemas.microsoft.com/office/powerpoint/2010/main" val="4240773382"/>
+      </p:ext>
+    </p:extLst>
+  </p:cSld>
+  <p:clrMapOvr>
+    <a:masterClrMapping/>
+  </p:clrMapOvr>
+</p:sld>
+</file>
+
+<file path=ppt/slides/slide32.xml><?xml version="1.0" encoding="utf-8"?>
+<p:sld xmlns:a="http://schemas.openxmlformats.org/drawingml/2006/main" xmlns:r="http://schemas.openxmlformats.org/officeDocument/2006/relationships" xmlns:p="http://schemas.openxmlformats.org/presentationml/2006/main">
+  <p:cSld>
+    <p:spTree>
+      <p:nvGrpSpPr>
+        <p:cNvPr id="1" name=""/>
+        <p:cNvGrpSpPr/>
+        <p:nvPr/>
+      </p:nvGrpSpPr>
+      <p:grpSpPr>
+        <a:xfrm>
+          <a:off x="0" y="0"/>
+          <a:ext cx="0" cy="0"/>
+          <a:chOff x="0" y="0"/>
+          <a:chExt cx="0" cy="0"/>
+        </a:xfrm>
+      </p:grpSpPr>
+      <p:sp>
+        <p:nvSpPr>
+          <p:cNvPr id="2" name="Title 1"/>
+          <p:cNvSpPr>
+            <a:spLocks noGrp="1"/>
+          </p:cNvSpPr>
+          <p:nvPr>
+            <p:ph type="title"/>
+          </p:nvPr>
+        </p:nvSpPr>
+        <p:spPr/>
+        <p:txBody>
+          <a:bodyPr/>
+          <a:lstStyle/>
+          <a:p>
+            <a:r>
+              <a:rPr lang="en-US" dirty="0" err="1" smtClean="0"/>
+              <a:t>Dọn</a:t>
+            </a:r>
+            <a:r>
+              <a:rPr lang="en-US" dirty="0" smtClean="0"/>
+              <a:t> </a:t>
+            </a:r>
+            <a:r>
+              <a:rPr lang="en-US" dirty="0" err="1"/>
+              <a:t>dẹp</a:t>
+            </a:r>
+            <a:r>
+              <a:rPr lang="en-US" dirty="0"/>
+              <a:t> </a:t>
+            </a:r>
+            <a:r>
+              <a:rPr lang="en-US" dirty="0" err="1"/>
+              <a:t>tài</a:t>
+            </a:r>
+            <a:r>
+              <a:rPr lang="en-US" dirty="0"/>
+              <a:t> </a:t>
+            </a:r>
+            <a:r>
+              <a:rPr lang="en-US" dirty="0" err="1" smtClean="0"/>
+              <a:t>nguyên</a:t>
+            </a:r>
+            <a:r>
+              <a:rPr lang="en-US" dirty="0"/>
+              <a:t/>
+            </a:r>
+            <a:br>
+              <a:rPr lang="en-US" dirty="0"/>
+            </a:br>
+            <a:endParaRPr lang="en-US" dirty="0"/>
+          </a:p>
+        </p:txBody>
+      </p:sp>
+      <p:sp>
+        <p:nvSpPr>
+          <p:cNvPr id="3" name="Content Placeholder 2"/>
+          <p:cNvSpPr>
+            <a:spLocks noGrp="1"/>
+          </p:cNvSpPr>
+          <p:nvPr>
+            <p:ph idx="1"/>
+          </p:nvPr>
+        </p:nvSpPr>
+        <p:spPr/>
+        <p:txBody>
+          <a:bodyPr>
+            <a:normAutofit/>
+          </a:bodyPr>
+          <a:lstStyle/>
+          <a:p>
+            <a:r>
+              <a:rPr lang="en-US" dirty="0" err="1"/>
+              <a:t>cl_int</a:t>
+            </a:r>
+            <a:r>
+              <a:rPr lang="en-US" dirty="0"/>
+              <a:t> </a:t>
+            </a:r>
+            <a:r>
+              <a:rPr lang="en-US" b="1" dirty="0" err="1"/>
+              <a:t>clReleaseKernel</a:t>
+            </a:r>
+            <a:r>
+              <a:rPr lang="en-US" b="1" dirty="0"/>
+              <a:t> </a:t>
+            </a:r>
+            <a:r>
+              <a:rPr lang="en-US" dirty="0"/>
+              <a:t>(</a:t>
+            </a:r>
+            <a:r>
+              <a:rPr lang="en-US" dirty="0" err="1"/>
+              <a:t>cl_kernel</a:t>
+            </a:r>
+            <a:r>
+              <a:rPr lang="en-US" dirty="0"/>
+              <a:t> </a:t>
+            </a:r>
+            <a:r>
+              <a:rPr lang="en-US" i="1" dirty="0"/>
+              <a:t>kernel</a:t>
+            </a:r>
+            <a:r>
+              <a:rPr lang="en-US" dirty="0"/>
+              <a:t>)</a:t>
+            </a:r>
+          </a:p>
+          <a:p>
+            <a:r>
+              <a:rPr lang="en-US" dirty="0" err="1"/>
+              <a:t>cl_int</a:t>
+            </a:r>
+            <a:r>
+              <a:rPr lang="en-US" dirty="0"/>
+              <a:t> </a:t>
+            </a:r>
+            <a:r>
+              <a:rPr lang="en-US" b="1" dirty="0" err="1"/>
+              <a:t>clReleaseProgram</a:t>
+            </a:r>
+            <a:r>
+              <a:rPr lang="en-US" dirty="0"/>
+              <a:t>(</a:t>
+            </a:r>
+            <a:r>
+              <a:rPr lang="en-US" dirty="0" err="1"/>
+              <a:t>cl_program</a:t>
+            </a:r>
+            <a:r>
+              <a:rPr lang="en-US" dirty="0"/>
+              <a:t> program)</a:t>
+            </a:r>
+          </a:p>
+          <a:p>
+            <a:r>
+              <a:rPr lang="en-US" dirty="0" err="1"/>
+              <a:t>cl_int</a:t>
+            </a:r>
+            <a:r>
+              <a:rPr lang="en-US" dirty="0"/>
+              <a:t> </a:t>
+            </a:r>
+            <a:r>
+              <a:rPr lang="en-US" b="1" dirty="0" err="1"/>
+              <a:t>clReleaseMemObject</a:t>
+            </a:r>
+            <a:r>
+              <a:rPr lang="en-US" dirty="0"/>
+              <a:t>(</a:t>
+            </a:r>
+            <a:r>
+              <a:rPr lang="en-US" dirty="0" err="1"/>
+              <a:t>cl_mem</a:t>
+            </a:r>
+            <a:r>
+              <a:rPr lang="en-US" dirty="0"/>
+              <a:t> buffer)</a:t>
+            </a:r>
+          </a:p>
+          <a:p>
+            <a:r>
+              <a:rPr lang="en-US" dirty="0" err="1"/>
+              <a:t>cl_int</a:t>
+            </a:r>
+            <a:r>
+              <a:rPr lang="en-US" dirty="0"/>
+              <a:t> </a:t>
+            </a:r>
+            <a:r>
+              <a:rPr lang="en-US" b="1" dirty="0" err="1"/>
+              <a:t>clReleaseCommandQueue</a:t>
+            </a:r>
+            <a:r>
+              <a:rPr lang="en-US" dirty="0"/>
+              <a:t>(</a:t>
+            </a:r>
+            <a:r>
+              <a:rPr lang="en-US" dirty="0" err="1"/>
+              <a:t>cl_command_queue</a:t>
+            </a:r>
+            <a:r>
+              <a:rPr lang="en-US" dirty="0"/>
+              <a:t> </a:t>
+            </a:r>
+            <a:r>
+              <a:rPr lang="en-US" dirty="0" err="1"/>
+              <a:t>commandQueue</a:t>
+            </a:r>
+            <a:r>
+              <a:rPr lang="en-US" dirty="0"/>
+              <a:t>)</a:t>
+            </a:r>
+          </a:p>
+          <a:p>
+            <a:r>
+              <a:rPr lang="en-US" dirty="0" err="1"/>
+              <a:t>cl_int</a:t>
+            </a:r>
+            <a:r>
+              <a:rPr lang="en-US" dirty="0"/>
+              <a:t> </a:t>
+            </a:r>
+            <a:r>
+              <a:rPr lang="en-US" b="1" dirty="0" err="1"/>
+              <a:t>clReleaseContext</a:t>
+            </a:r>
+            <a:r>
+              <a:rPr lang="en-US" dirty="0"/>
+              <a:t>(</a:t>
+            </a:r>
+            <a:r>
+              <a:rPr lang="en-US" dirty="0" err="1"/>
+              <a:t>cl_context</a:t>
+            </a:r>
+            <a:r>
+              <a:rPr lang="en-US" dirty="0"/>
+              <a:t> context)</a:t>
+            </a:r>
+          </a:p>
+          <a:p>
+            <a:endParaRPr lang="en-US" dirty="0" smtClean="0"/>
+          </a:p>
+        </p:txBody>
+      </p:sp>
+    </p:spTree>
+    <p:extLst>
+      <p:ext uri="{BB962C8B-B14F-4D97-AF65-F5344CB8AC3E}">
+        <p14:creationId xmlns:p14="http://schemas.microsoft.com/office/powerpoint/2010/main" val="1912562633"/>
+      </p:ext>
+    </p:extLst>
+  </p:cSld>
+  <p:clrMapOvr>
+    <a:masterClrMapping/>
+  </p:clrMapOvr>
+</p:sld>
+</file>
+
+<file path=ppt/slides/slide33.xml><?xml version="1.0" encoding="utf-8"?>
+<p:sld xmlns:a="http://schemas.openxmlformats.org/drawingml/2006/main" xmlns:r="http://schemas.openxmlformats.org/officeDocument/2006/relationships" xmlns:p="http://schemas.openxmlformats.org/presentationml/2006/main">
+  <p:cSld>
+    <p:spTree>
+      <p:nvGrpSpPr>
+        <p:cNvPr id="1" name=""/>
+        <p:cNvGrpSpPr/>
+        <p:nvPr/>
+      </p:nvGrpSpPr>
+      <p:grpSpPr>
+        <a:xfrm>
+          <a:off x="0" y="0"/>
+          <a:ext cx="0" cy="0"/>
+          <a:chOff x="0" y="0"/>
+          <a:chExt cx="0" cy="0"/>
+        </a:xfrm>
+      </p:grpSpPr>
+      <p:sp>
+        <p:nvSpPr>
+          <p:cNvPr id="2" name="Title 1"/>
+          <p:cNvSpPr>
+            <a:spLocks noGrp="1"/>
+          </p:cNvSpPr>
+          <p:nvPr>
+            <p:ph type="title"/>
+          </p:nvPr>
+        </p:nvSpPr>
+        <p:spPr/>
+        <p:txBody>
+          <a:bodyPr/>
+          <a:lstStyle/>
+          <a:p>
+            <a:r>
+              <a:rPr lang="en-US" dirty="0" smtClean="0"/>
+              <a:t>Demo</a:t>
+            </a:r>
+            <a:endParaRPr lang="en-US" dirty="0"/>
+          </a:p>
+        </p:txBody>
+      </p:sp>
+      <p:sp>
+        <p:nvSpPr>
+          <p:cNvPr id="3" name="Content Placeholder 2"/>
+          <p:cNvSpPr>
+            <a:spLocks noGrp="1"/>
+          </p:cNvSpPr>
+          <p:nvPr>
+            <p:ph idx="1"/>
+          </p:nvPr>
+        </p:nvSpPr>
+        <p:spPr/>
+        <p:txBody>
+          <a:bodyPr/>
+          <a:lstStyle/>
+          <a:p>
+            <a:endParaRPr lang="en-US"/>
+          </a:p>
+        </p:txBody>
+      </p:sp>
+    </p:spTree>
+    <p:extLst>
+      <p:ext uri="{BB962C8B-B14F-4D97-AF65-F5344CB8AC3E}">
+        <p14:creationId xmlns:p14="http://schemas.microsoft.com/office/powerpoint/2010/main" val="3560948794"/>
+      </p:ext>
+    </p:extLst>
+  </p:cSld>
+  <p:clrMapOvr>
+    <a:masterClrMapping/>
+  </p:clrMapOvr>
+</p:sld>
+</file>
+
+<file path=ppt/slides/slide34.xml><?xml version="1.0" encoding="utf-8"?>
+<p:sld xmlns:a="http://schemas.openxmlformats.org/drawingml/2006/main" xmlns:r="http://schemas.openxmlformats.org/officeDocument/2006/relationships" xmlns:p="http://schemas.openxmlformats.org/presentationml/2006/main">
+  <p:cSld>
+    <p:spTree>
+      <p:nvGrpSpPr>
+        <p:cNvPr id="1" name=""/>
+        <p:cNvGrpSpPr/>
+        <p:nvPr/>
+      </p:nvGrpSpPr>
+      <p:grpSpPr>
+        <a:xfrm>
+          <a:off x="0" y="0"/>
+          <a:ext cx="0" cy="0"/>
+          <a:chOff x="0" y="0"/>
+          <a:chExt cx="0" cy="0"/>
+        </a:xfrm>
+      </p:grpSpPr>
+      <p:sp>
+        <p:nvSpPr>
+          <p:cNvPr id="2" name="Title 1"/>
+          <p:cNvSpPr>
+            <a:spLocks noGrp="1"/>
+          </p:cNvSpPr>
+          <p:nvPr>
+            <p:ph type="title"/>
+          </p:nvPr>
+        </p:nvSpPr>
+        <p:spPr/>
+        <p:txBody>
+          <a:bodyPr/>
+          <a:lstStyle/>
+          <a:p>
+            <a:r>
+              <a:rPr lang="en-US" smtClean="0"/>
+              <a:t>Tham khảo</a:t>
+            </a:r>
+            <a:endParaRPr lang="en-US"/>
+          </a:p>
+        </p:txBody>
+      </p:sp>
+      <p:sp>
+        <p:nvSpPr>
+          <p:cNvPr id="3" name="Content Placeholder 2"/>
+          <p:cNvSpPr>
+            <a:spLocks noGrp="1"/>
+          </p:cNvSpPr>
+          <p:nvPr>
+            <p:ph idx="1"/>
+          </p:nvPr>
+        </p:nvSpPr>
+        <p:spPr/>
+        <p:txBody>
+          <a:bodyPr/>
+          <a:lstStyle/>
+          <a:p>
+            <a:r>
+              <a:rPr lang="en-US" dirty="0"/>
+              <a:t>The </a:t>
+            </a:r>
+            <a:r>
+              <a:rPr lang="en-US" dirty="0" err="1"/>
+              <a:t>OpenCL</a:t>
+            </a:r>
+            <a:r>
+              <a:rPr lang="en-US" dirty="0"/>
+              <a:t> Specification version 2.0, </a:t>
+            </a:r>
+            <a:r>
+              <a:rPr lang="en-US" dirty="0" err="1"/>
+              <a:t>Khronos</a:t>
+            </a:r>
+            <a:r>
+              <a:rPr lang="en-US" dirty="0"/>
+              <a:t> </a:t>
+            </a:r>
+            <a:r>
+              <a:rPr lang="en-US" dirty="0" err="1"/>
+              <a:t>OpenCL</a:t>
+            </a:r>
+            <a:r>
+              <a:rPr lang="en-US" dirty="0"/>
+              <a:t> Working </a:t>
+            </a:r>
+            <a:r>
+              <a:rPr lang="en-US" dirty="0" smtClean="0"/>
+              <a:t>Group.</a:t>
+            </a:r>
+          </a:p>
+          <a:p>
+            <a:r>
+              <a:rPr lang="en-US" dirty="0" err="1"/>
+              <a:t>OpenCL</a:t>
+            </a:r>
+            <a:r>
+              <a:rPr lang="en-US" dirty="0"/>
+              <a:t> Parallel Programming </a:t>
+            </a:r>
+            <a:r>
+              <a:rPr lang="en-US" dirty="0" smtClean="0"/>
+              <a:t>Development Cookbook, Raymond </a:t>
+            </a:r>
+            <a:r>
+              <a:rPr lang="en-US" dirty="0" err="1" smtClean="0"/>
+              <a:t>Tay</a:t>
+            </a:r>
+            <a:r>
+              <a:rPr lang="en-US" dirty="0" smtClean="0"/>
+              <a:t>.</a:t>
+            </a:r>
+          </a:p>
+          <a:p>
+            <a:r>
+              <a:rPr lang="en-US" dirty="0" err="1" smtClean="0"/>
+              <a:t>Tài</a:t>
+            </a:r>
+            <a:r>
+              <a:rPr lang="en-US" dirty="0" smtClean="0"/>
+              <a:t> </a:t>
+            </a:r>
+            <a:r>
+              <a:rPr lang="en-US" dirty="0" err="1" smtClean="0"/>
+              <a:t>liệu</a:t>
+            </a:r>
+            <a:r>
+              <a:rPr lang="en-US" dirty="0" smtClean="0"/>
+              <a:t> </a:t>
+            </a:r>
+            <a:r>
+              <a:rPr lang="en-US" dirty="0" err="1" smtClean="0"/>
+              <a:t>và</a:t>
+            </a:r>
+            <a:r>
+              <a:rPr lang="en-US" dirty="0" smtClean="0"/>
+              <a:t> source code </a:t>
+            </a:r>
+            <a:r>
+              <a:rPr lang="en-US" dirty="0" err="1" smtClean="0"/>
+              <a:t>của</a:t>
+            </a:r>
+            <a:r>
+              <a:rPr lang="en-US" dirty="0" smtClean="0"/>
+              <a:t> AMD SDK 2.9.</a:t>
+            </a:r>
+            <a:endParaRPr lang="en-US" dirty="0"/>
+          </a:p>
+        </p:txBody>
+      </p:sp>
+    </p:spTree>
+    <p:extLst>
+      <p:ext uri="{BB962C8B-B14F-4D97-AF65-F5344CB8AC3E}">
+        <p14:creationId xmlns:p14="http://schemas.microsoft.com/office/powerpoint/2010/main" val="3485887039"/>
+      </p:ext>
+    </p:extLst>
+  </p:cSld>
+  <p:clrMapOvr>
+    <a:masterClrMapping/>
+  </p:clrMapOvr>
+  <p:timing>
+    <p:tnLst>
+      <p:par>
+        <p:cTn id="1" dur="indefinite" restart="never" nodeType="tmRoot"/>
+      </p:par>
+    </p:tnLst>
+  </p:timing>
+</p:sld>
+</file>
+
+<file path=ppt/slides/slide35.xml><?xml version="1.0" encoding="utf-8"?>
+<p:sld xmlns:a="http://schemas.openxmlformats.org/drawingml/2006/main" xmlns:r="http://schemas.openxmlformats.org/officeDocument/2006/relationships" xmlns:p="http://schemas.openxmlformats.org/presentationml/2006/main">
+  <p:cSld>
+    <p:spTree>
+      <p:nvGrpSpPr>
+        <p:cNvPr id="1" name=""/>
+        <p:cNvGrpSpPr/>
+        <p:nvPr/>
+      </p:nvGrpSpPr>
+      <p:grpSpPr>
+        <a:xfrm>
+          <a:off x="0" y="0"/>
+          <a:ext cx="0" cy="0"/>
+          <a:chOff x="0" y="0"/>
+          <a:chExt cx="0" cy="0"/>
+        </a:xfrm>
+      </p:grpSpPr>
+      <p:sp>
+        <p:nvSpPr>
+          <p:cNvPr id="2" name="Title 1"/>
+          <p:cNvSpPr>
+            <a:spLocks noGrp="1"/>
+          </p:cNvSpPr>
+          <p:nvPr>
+            <p:ph type="title"/>
+          </p:nvPr>
+        </p:nvSpPr>
+        <p:spPr>
+          <a:xfrm>
+            <a:off x="1380207" y="3298949"/>
+            <a:ext cx="9404723" cy="1400530"/>
+          </a:xfrm>
+        </p:spPr>
+        <p:txBody>
+          <a:bodyPr/>
+          <a:lstStyle/>
+          <a:p>
+            <a:pPr algn="ctr"/>
+            <a:r>
+              <a:rPr lang="en-US" smtClean="0"/>
+              <a:t>THE END.</a:t>
+            </a:r>
+            <a:endParaRPr lang="en-US"/>
+          </a:p>
+        </p:txBody>
+      </p:sp>
+    </p:spTree>
+    <p:extLst>
+      <p:ext uri="{BB962C8B-B14F-4D97-AF65-F5344CB8AC3E}">
+        <p14:creationId xmlns:p14="http://schemas.microsoft.com/office/powerpoint/2010/main" val="3533468713"/>
       </p:ext>
     </p:extLst>
   </p:cSld>
@@ -7538,7 +14772,6 @@
               <a:rPr lang="en-US" smtClean="0"/>
               <a:t>OpenCL được tổ chức dưới dạng hệ thống các model:</a:t>
             </a:r>
-            <a:endParaRPr lang="en-US" smtClean="0"/>
           </a:p>
           <a:p>
             <a:r>
@@ -7644,15 +14877,7 @@
           <a:p>
             <a:r>
               <a:rPr lang="en-US" smtClean="0"/>
-              <a:t>OpenCL xây dựng 1 lớp phần cứng trừu tượng để độc </a:t>
-            </a:r>
-            <a:r>
-              <a:rPr lang="en-US" smtClean="0"/>
-              <a:t>lập khi sử dụng chương trình (crossform) </a:t>
-            </a:r>
-            <a:r>
-              <a:rPr lang="en-US" smtClean="0"/>
-              <a:t>với các loại thiết bị có vender khác nhau:</a:t>
+              <a:t>OpenCL xây dựng 1 lớp phần cứng trừu tượng để độc lập khi sử dụng chương trình (crossform) với các loại thiết bị có vender khác nhau:</a:t>
             </a:r>
           </a:p>
           <a:p>
@@ -7865,7 +15090,7 @@
     </a:clrScheme>
     <a:fontScheme name="Ion">
       <a:majorFont>
-        <a:latin typeface="Century Gothic" panose="020B0502020202020204"/>
+        <a:latin typeface="Century Gothic"/>
         <a:ea typeface=""/>
         <a:cs typeface=""/>
         <a:font script="Jpan" typeface="メイリオ"/>
@@ -7900,7 +15125,7 @@
         <a:font script="Geor" typeface="Sylfaen"/>
       </a:majorFont>
       <a:minorFont>
-        <a:latin typeface="Century Gothic" panose="020B0502020202020204"/>
+        <a:latin typeface="Century Gothic"/>
         <a:ea typeface=""/>
         <a:cs typeface=""/>
         <a:font script="Jpan" typeface="メイリオ"/>
@@ -8082,7 +15307,7 @@
   <a:extraClrSchemeLst/>
   <a:extLst>
     <a:ext uri="{05A4C25C-085E-4340-85A3-A5531E510DB2}">
-      <thm15:themeFamily xmlns:thm15="http://schemas.microsoft.com/office/thememl/2012/main" name="Ion" id="{B8441ADB-2E43-4AF7-B97A-BD870242C6A8}" vid="{292E63A9-BB86-4E3D-B92A-7223C6510D2E}"/>
+      <thm15:themeFamily xmlns="" xmlns:thm15="http://schemas.microsoft.com/office/thememl/2012/main" name="Ion" id="{B8441ADB-2E43-4AF7-B97A-BD870242C6A8}" vid="{292E63A9-BB86-4E3D-B92A-7223C6510D2E}"/>
     </a:ext>
   </a:extLst>
 </a:theme>
